--- a/slides.pptx
+++ b/slides.pptx
@@ -478,11 +478,11 @@
         </c:dLbls>
         <c:marker val="1"/>
         <c:smooth val="0"/>
-        <c:axId val="123180928"/>
-        <c:axId val="134230784"/>
+        <c:axId val="97624832"/>
+        <c:axId val="97626368"/>
       </c:lineChart>
       <c:catAx>
-        <c:axId val="123180928"/>
+        <c:axId val="97624832"/>
         <c:scaling>
           <c:orientation val="minMax"/>
         </c:scaling>
@@ -491,7 +491,7 @@
         <c:majorTickMark val="none"/>
         <c:minorTickMark val="none"/>
         <c:tickLblPos val="nextTo"/>
-        <c:crossAx val="134230784"/>
+        <c:crossAx val="97626368"/>
         <c:crosses val="autoZero"/>
         <c:auto val="1"/>
         <c:lblAlgn val="ctr"/>
@@ -499,7 +499,7 @@
         <c:noMultiLvlLbl val="0"/>
       </c:catAx>
       <c:valAx>
-        <c:axId val="134230784"/>
+        <c:axId val="97626368"/>
         <c:scaling>
           <c:orientation val="minMax"/>
           <c:min val="45000"/>
@@ -510,7 +510,7 @@
         <c:majorTickMark val="none"/>
         <c:minorTickMark val="none"/>
         <c:tickLblPos val="nextTo"/>
-        <c:crossAx val="123180928"/>
+        <c:crossAx val="97624832"/>
         <c:crosses val="autoZero"/>
         <c:crossBetween val="between"/>
       </c:valAx>
@@ -1532,10 +1532,10 @@
         <a:lstStyle/>
         <a:p>
           <a:r>
-            <a:rPr lang="en-US" sz="1050" dirty="0"/>
+            <a:rPr lang="en-US" sz="900" dirty="0"/>
             <a:t>Voucher received time – Registration time</a:t>
           </a:r>
-          <a:endParaRPr lang="en-SG" sz="1050" dirty="0"/>
+          <a:endParaRPr lang="en-SG" sz="900" dirty="0"/>
         </a:p>
       </dgm:t>
     </dgm:pt>
@@ -1569,10 +1569,10 @@
         <a:lstStyle/>
         <a:p>
           <a:r>
-            <a:rPr lang="en-US" sz="1050" dirty="0"/>
+            <a:rPr lang="en-US" sz="900" dirty="0"/>
             <a:t>% of Voucher  (use/all)</a:t>
           </a:r>
-          <a:endParaRPr lang="en-SG" sz="1050" dirty="0"/>
+          <a:endParaRPr lang="en-SG" sz="900" dirty="0"/>
         </a:p>
       </dgm:t>
     </dgm:pt>
@@ -1605,7 +1605,7 @@
         <a:bodyPr/>
         <a:lstStyle/>
         <a:p>
-          <a:endParaRPr lang="en-SG" sz="700"/>
+          <a:endParaRPr lang="en-SG" sz="500" dirty="0"/>
         </a:p>
       </dgm:t>
     </dgm:pt>
@@ -1639,10 +1639,10 @@
         <a:lstStyle/>
         <a:p>
           <a:r>
-            <a:rPr lang="en-US" sz="1050" dirty="0"/>
+            <a:rPr lang="en-US" sz="900" dirty="0"/>
             <a:t># of shops (use vouchers)</a:t>
           </a:r>
-          <a:endParaRPr lang="en-SG" sz="1050" dirty="0"/>
+          <a:endParaRPr lang="en-SG" sz="900" dirty="0"/>
         </a:p>
       </dgm:t>
     </dgm:pt>
@@ -1676,18 +1676,18 @@
         <a:lstStyle/>
         <a:p>
           <a:r>
-            <a:rPr lang="en-SG" sz="1050" dirty="0"/>
+            <a:rPr lang="en-SG" sz="900" dirty="0"/>
             <a:t>% </a:t>
           </a:r>
           <a:r>
-            <a:rPr lang="en-US" sz="1050" dirty="0" err="1"/>
+            <a:rPr lang="en-US" sz="900" dirty="0" err="1"/>
             <a:t>total_price</a:t>
           </a:r>
           <a:r>
-            <a:rPr lang="en-US" sz="1050" dirty="0"/>
+            <a:rPr lang="en-US" sz="900" dirty="0"/>
             <a:t> (use/all)</a:t>
           </a:r>
-          <a:endParaRPr lang="en-SG" sz="1050" dirty="0"/>
+          <a:endParaRPr lang="en-SG" sz="900" dirty="0"/>
         </a:p>
       </dgm:t>
     </dgm:pt>
@@ -1721,10 +1721,10 @@
         <a:lstStyle/>
         <a:p>
           <a:r>
-            <a:rPr lang="en-GB" sz="1050" dirty="0"/>
+            <a:rPr lang="en-GB" sz="900" dirty="0"/>
             <a:t>Recent shop time – received time</a:t>
           </a:r>
-          <a:endParaRPr lang="en-SG" sz="1050" dirty="0"/>
+          <a:endParaRPr lang="en-SG" sz="900" dirty="0"/>
         </a:p>
       </dgm:t>
     </dgm:pt>
@@ -1758,10 +1758,10 @@
         <a:lstStyle/>
         <a:p>
           <a:r>
-            <a:rPr lang="en-GB" sz="1050" dirty="0"/>
+            <a:rPr lang="en-GB" sz="900" dirty="0"/>
             <a:t>Recent use voucher time – received time</a:t>
           </a:r>
-          <a:endParaRPr lang="en-SG" sz="1050" dirty="0"/>
+          <a:endParaRPr lang="en-SG" sz="900" dirty="0"/>
         </a:p>
       </dgm:t>
     </dgm:pt>
@@ -1795,7 +1795,7 @@
         <a:lstStyle/>
         <a:p>
           <a:r>
-            <a:rPr lang="en-SG" sz="1050" dirty="0"/>
+            <a:rPr lang="en-SG" sz="900" dirty="0"/>
             <a:t>....</a:t>
           </a:r>
         </a:p>
@@ -2504,8 +2504,8 @@
     <dgm:cxn modelId="{FF5B76E1-92C1-4000-8F73-ADD07DCA54D2}" type="presOf" srcId="{EA94971A-2A3E-4A9A-9CD2-3967BD53346E}" destId="{09ABBD9A-F32B-4E7B-9B79-CF29BDC49764}" srcOrd="0" destOrd="0" presId="urn:microsoft.com/office/officeart/2005/8/layout/bList2"/>
     <dgm:cxn modelId="{98F09AE5-8524-4998-93D9-87F365429230}" type="presOf" srcId="{2733EB56-EA74-45C8-8AE8-6F7ECF19CA14}" destId="{3A3F6F0F-BED1-4634-843A-50FC09F6CAD6}" srcOrd="0" destOrd="6" presId="urn:microsoft.com/office/officeart/2005/8/layout/bList2"/>
     <dgm:cxn modelId="{E67CA7B5-1955-4D69-8EDE-A04092CDCD86}" type="presOf" srcId="{163359DE-A2E0-4334-AE5F-3FA2EB5F286A}" destId="{8B1A4EF7-438D-4FF2-960D-E3D7FEEC9370}" srcOrd="0" destOrd="0" presId="urn:microsoft.com/office/officeart/2005/8/layout/bList2"/>
+    <dgm:cxn modelId="{5747FDFA-4808-44CF-97C8-5F1D53900B5E}" type="presOf" srcId="{D58B5445-BDA4-47AA-923B-76B4893CB2A7}" destId="{7F38636F-60BC-4268-95BD-1DE29DA05A59}" srcOrd="0" destOrd="2" presId="urn:microsoft.com/office/officeart/2005/8/layout/bList2"/>
     <dgm:cxn modelId="{E6EB38DB-FD0B-468D-98F2-751214D5B6D8}" srcId="{7EB7503E-B24F-4F48-BBB4-2A9E9111D1B8}" destId="{332B7766-B41F-4E0C-8D0E-07C7D030D6BE}" srcOrd="0" destOrd="0" parTransId="{043C792E-9924-4E08-A4A5-B158AACA1750}" sibTransId="{9D196C57-B1BD-486A-AC46-F8ECDFF9447C}"/>
-    <dgm:cxn modelId="{5747FDFA-4808-44CF-97C8-5F1D53900B5E}" type="presOf" srcId="{D58B5445-BDA4-47AA-923B-76B4893CB2A7}" destId="{7F38636F-60BC-4268-95BD-1DE29DA05A59}" srcOrd="0" destOrd="2" presId="urn:microsoft.com/office/officeart/2005/8/layout/bList2"/>
     <dgm:cxn modelId="{EE9012AC-DC26-4AA9-9659-5478FD9C41A2}" srcId="{163359DE-A2E0-4334-AE5F-3FA2EB5F286A}" destId="{138B646F-74FD-4B44-8EA9-E9F937995609}" srcOrd="0" destOrd="0" parTransId="{AFE999E6-17EF-47BF-A04B-161CE4415945}" sibTransId="{D17660E7-7C96-438D-B202-C23CA1F3D1DA}"/>
     <dgm:cxn modelId="{2DB1566C-53E3-4597-A71A-E165E5BCD915}" type="presOf" srcId="{2C0878D7-6929-45B0-8992-15FF81F173A6}" destId="{542103F6-99BA-4B2F-91AF-EAE824D12F07}" srcOrd="0" destOrd="1" presId="urn:microsoft.com/office/officeart/2005/8/layout/bList2"/>
     <dgm:cxn modelId="{7B74D876-99C2-4217-95B4-33550900AF00}" srcId="{80C5F462-5B2B-479B-8340-B2B7E9390F03}" destId="{AD01DD8D-5BCF-421F-8130-D7D483B58B91}" srcOrd="0" destOrd="0" parTransId="{7ED211AA-C491-471F-B239-D480F18C5B45}" sibTransId="{75A3A574-8E68-4CD9-875F-918B5B607232}"/>
@@ -2556,8 +2556,8 @@
       </dsp:nvSpPr>
       <dsp:spPr>
         <a:xfrm>
-          <a:off x="5061" y="365919"/>
-          <a:ext cx="2186142" cy="1631908"/>
+          <a:off x="4380" y="436608"/>
+          <a:ext cx="1892187" cy="1412478"/>
         </a:xfrm>
         <a:prstGeom prst="round2SameRect">
           <a:avLst>
@@ -2600,12 +2600,12 @@
         <a:fontRef idx="minor"/>
       </dsp:style>
       <dsp:txBody>
-        <a:bodyPr spcFirstLastPara="0" vert="horz" wrap="square" lIns="13970" tIns="41910" rIns="13970" bIns="13970" numCol="1" spcCol="1270" anchor="t" anchorCtr="0">
+        <a:bodyPr spcFirstLastPara="0" vert="horz" wrap="square" lIns="11430" tIns="34290" rIns="11430" bIns="11430" numCol="1" spcCol="1270" anchor="t" anchorCtr="0">
           <a:noAutofit/>
         </a:bodyPr>
         <a:lstStyle/>
         <a:p>
-          <a:pPr marL="57150" lvl="1" indent="-57150" algn="l" defTabSz="466725">
+          <a:pPr marL="57150" lvl="1" indent="-57150" algn="l" defTabSz="400050">
             <a:lnSpc>
               <a:spcPct val="90000"/>
             </a:lnSpc>
@@ -2618,13 +2618,13 @@
             <a:buChar char="••"/>
           </a:pPr>
           <a:r>
-            <a:rPr lang="en-US" sz="1050" kern="1200" dirty="0"/>
+            <a:rPr lang="en-US" sz="900" kern="1200" dirty="0"/>
             <a:t>Voucher received time – Registration time</a:t>
           </a:r>
-          <a:endParaRPr lang="en-SG" sz="1050" kern="1200" dirty="0"/>
+          <a:endParaRPr lang="en-SG" sz="900" kern="1200" dirty="0"/>
         </a:p>
         <a:p>
-          <a:pPr marL="57150" lvl="1" indent="-57150" algn="l" defTabSz="466725">
+          <a:pPr marL="57150" lvl="1" indent="-57150" algn="l" defTabSz="400050">
             <a:lnSpc>
               <a:spcPct val="90000"/>
             </a:lnSpc>
@@ -2637,13 +2637,13 @@
             <a:buChar char="••"/>
           </a:pPr>
           <a:r>
-            <a:rPr lang="en-US" sz="1050" kern="1200" dirty="0"/>
+            <a:rPr lang="en-US" sz="900" kern="1200" dirty="0"/>
             <a:t>% of Voucher  (use/all)</a:t>
           </a:r>
-          <a:endParaRPr lang="en-SG" sz="1050" kern="1200" dirty="0"/>
+          <a:endParaRPr lang="en-SG" sz="900" kern="1200" dirty="0"/>
         </a:p>
         <a:p>
-          <a:pPr marL="57150" lvl="1" indent="-57150" algn="l" defTabSz="466725">
+          <a:pPr marL="57150" lvl="1" indent="-57150" algn="l" defTabSz="400050">
             <a:lnSpc>
               <a:spcPct val="90000"/>
             </a:lnSpc>
@@ -2656,13 +2656,13 @@
             <a:buChar char="••"/>
           </a:pPr>
           <a:r>
-            <a:rPr lang="en-US" sz="1050" kern="1200" dirty="0"/>
+            <a:rPr lang="en-US" sz="900" kern="1200" dirty="0"/>
             <a:t># of shops (use vouchers)</a:t>
           </a:r>
-          <a:endParaRPr lang="en-SG" sz="1050" kern="1200" dirty="0"/>
+          <a:endParaRPr lang="en-SG" sz="900" kern="1200" dirty="0"/>
         </a:p>
         <a:p>
-          <a:pPr marL="57150" lvl="1" indent="-57150" algn="l" defTabSz="466725">
+          <a:pPr marL="57150" lvl="1" indent="-57150" algn="l" defTabSz="400050">
             <a:lnSpc>
               <a:spcPct val="90000"/>
             </a:lnSpc>
@@ -2675,21 +2675,21 @@
             <a:buChar char="••"/>
           </a:pPr>
           <a:r>
-            <a:rPr lang="en-SG" sz="1050" kern="1200" dirty="0"/>
+            <a:rPr lang="en-SG" sz="900" kern="1200" dirty="0"/>
             <a:t>% </a:t>
           </a:r>
           <a:r>
-            <a:rPr lang="en-US" sz="1050" kern="1200" dirty="0" err="1"/>
+            <a:rPr lang="en-US" sz="900" kern="1200" dirty="0" err="1"/>
             <a:t>total_price</a:t>
           </a:r>
           <a:r>
-            <a:rPr lang="en-US" sz="1050" kern="1200" dirty="0"/>
+            <a:rPr lang="en-US" sz="900" kern="1200" dirty="0"/>
             <a:t> (use/all)</a:t>
           </a:r>
-          <a:endParaRPr lang="en-SG" sz="1050" kern="1200" dirty="0"/>
+          <a:endParaRPr lang="en-SG" sz="900" kern="1200" dirty="0"/>
         </a:p>
         <a:p>
-          <a:pPr marL="57150" lvl="1" indent="-57150" algn="l" defTabSz="466725">
+          <a:pPr marL="57150" lvl="1" indent="-57150" algn="l" defTabSz="400050">
             <a:lnSpc>
               <a:spcPct val="90000"/>
             </a:lnSpc>
@@ -2702,13 +2702,13 @@
             <a:buChar char="••"/>
           </a:pPr>
           <a:r>
-            <a:rPr lang="en-GB" sz="1050" kern="1200" dirty="0"/>
+            <a:rPr lang="en-GB" sz="900" kern="1200" dirty="0"/>
             <a:t>Recent shop time – received time</a:t>
           </a:r>
-          <a:endParaRPr lang="en-SG" sz="1050" kern="1200" dirty="0"/>
+          <a:endParaRPr lang="en-SG" sz="900" kern="1200" dirty="0"/>
         </a:p>
         <a:p>
-          <a:pPr marL="57150" lvl="1" indent="-57150" algn="l" defTabSz="466725">
+          <a:pPr marL="57150" lvl="1" indent="-57150" algn="l" defTabSz="400050">
             <a:lnSpc>
               <a:spcPct val="90000"/>
             </a:lnSpc>
@@ -2721,13 +2721,13 @@
             <a:buChar char="••"/>
           </a:pPr>
           <a:r>
-            <a:rPr lang="en-GB" sz="1050" kern="1200" dirty="0"/>
+            <a:rPr lang="en-GB" sz="900" kern="1200" dirty="0"/>
             <a:t>Recent use voucher time – received time</a:t>
           </a:r>
-          <a:endParaRPr lang="en-SG" sz="1050" kern="1200" dirty="0"/>
+          <a:endParaRPr lang="en-SG" sz="900" kern="1200" dirty="0"/>
         </a:p>
         <a:p>
-          <a:pPr marL="57150" lvl="1" indent="-57150" algn="l" defTabSz="466725">
+          <a:pPr marL="57150" lvl="1" indent="-57150" algn="l" defTabSz="400050">
             <a:lnSpc>
               <a:spcPct val="90000"/>
             </a:lnSpc>
@@ -2740,12 +2740,12 @@
             <a:buChar char="••"/>
           </a:pPr>
           <a:r>
-            <a:rPr lang="en-SG" sz="1050" kern="1200" dirty="0"/>
+            <a:rPr lang="en-SG" sz="900" kern="1200" dirty="0"/>
             <a:t>....</a:t>
           </a:r>
         </a:p>
         <a:p>
-          <a:pPr marL="57150" lvl="1" indent="-57150" algn="l" defTabSz="311150">
+          <a:pPr marL="57150" lvl="1" indent="-57150" algn="l" defTabSz="222250">
             <a:lnSpc>
               <a:spcPct val="90000"/>
             </a:lnSpc>
@@ -2757,12 +2757,12 @@
             </a:spcAft>
             <a:buChar char="••"/>
           </a:pPr>
-          <a:endParaRPr lang="en-SG" sz="700" kern="1200"/>
+          <a:endParaRPr lang="en-SG" sz="500" kern="1200" dirty="0"/>
         </a:p>
       </dsp:txBody>
       <dsp:txXfrm>
-        <a:off x="43299" y="404157"/>
-        <a:ext cx="2109666" cy="1593670"/>
+        <a:off x="37476" y="469704"/>
+        <a:ext cx="1825995" cy="1379382"/>
       </dsp:txXfrm>
     </dsp:sp>
     <dsp:sp modelId="{597DF889-2EBE-4079-9013-E01E360BD571}">
@@ -2772,8 +2772,8 @@
       </dsp:nvSpPr>
       <dsp:spPr>
         <a:xfrm>
-          <a:off x="0" y="1954413"/>
-          <a:ext cx="2186142" cy="701720"/>
+          <a:off x="0" y="1811509"/>
+          <a:ext cx="1892187" cy="607365"/>
         </a:xfrm>
         <a:prstGeom prst="rect">
           <a:avLst/>
@@ -2814,12 +2814,12 @@
         </a:fontRef>
       </dsp:style>
       <dsp:txBody>
-        <a:bodyPr spcFirstLastPara="0" vert="horz" wrap="square" lIns="106680" tIns="0" rIns="35560" bIns="0" numCol="1" spcCol="1270" anchor="ctr" anchorCtr="0">
+        <a:bodyPr spcFirstLastPara="0" vert="horz" wrap="square" lIns="91440" tIns="0" rIns="30480" bIns="0" numCol="1" spcCol="1270" anchor="ctr" anchorCtr="0">
           <a:noAutofit/>
         </a:bodyPr>
         <a:lstStyle/>
         <a:p>
-          <a:pPr lvl="0" algn="l" defTabSz="1244600">
+          <a:pPr lvl="0" algn="l" defTabSz="1066800">
             <a:lnSpc>
               <a:spcPct val="90000"/>
             </a:lnSpc>
@@ -2831,14 +2831,14 @@
             </a:spcAft>
           </a:pPr>
           <a:r>
-            <a:rPr lang="en-SG" sz="2800" b="1" kern="1200" dirty="0"/>
+            <a:rPr lang="en-SG" sz="2400" b="1" kern="1200" dirty="0"/>
             <a:t>User</a:t>
           </a:r>
         </a:p>
       </dsp:txBody>
       <dsp:txXfrm>
-        <a:off x="0" y="1954413"/>
-        <a:ext cx="1539536" cy="701720"/>
+        <a:off x="0" y="1811509"/>
+        <a:ext cx="1332526" cy="607365"/>
       </dsp:txXfrm>
     </dsp:sp>
     <dsp:sp modelId="{4DB0BE35-A467-4E58-B5D4-3F75BB89E7E2}">
@@ -2848,8 +2848,8 @@
       </dsp:nvSpPr>
       <dsp:spPr>
         <a:xfrm>
-          <a:off x="1606440" y="2109290"/>
-          <a:ext cx="765149" cy="765149"/>
+          <a:off x="1390434" y="1945561"/>
+          <a:ext cx="662265" cy="662265"/>
         </a:xfrm>
         <a:prstGeom prst="ellipse">
           <a:avLst/>
@@ -2899,8 +2899,8 @@
       </dsp:nvSpPr>
       <dsp:spPr>
         <a:xfrm>
-          <a:off x="2561151" y="365919"/>
-          <a:ext cx="2186142" cy="1631908"/>
+          <a:off x="2216772" y="436608"/>
+          <a:ext cx="1892187" cy="1412478"/>
         </a:xfrm>
         <a:prstGeom prst="round2SameRect">
           <a:avLst>
@@ -3025,8 +3025,8 @@
         </a:p>
       </dsp:txBody>
       <dsp:txXfrm>
-        <a:off x="2599389" y="404157"/>
-        <a:ext cx="2109666" cy="1593670"/>
+        <a:off x="2249868" y="469704"/>
+        <a:ext cx="1825995" cy="1379382"/>
       </dsp:txXfrm>
     </dsp:sp>
     <dsp:sp modelId="{C11C26A2-247D-4C87-BE3B-D5BC7638B473}">
@@ -3036,8 +3036,8 @@
       </dsp:nvSpPr>
       <dsp:spPr>
         <a:xfrm>
-          <a:off x="2561151" y="1997828"/>
-          <a:ext cx="2186142" cy="701720"/>
+          <a:off x="2216772" y="1849086"/>
+          <a:ext cx="1892187" cy="607365"/>
         </a:xfrm>
         <a:prstGeom prst="rect">
           <a:avLst/>
@@ -3078,12 +3078,12 @@
         </a:fontRef>
       </dsp:style>
       <dsp:txBody>
-        <a:bodyPr spcFirstLastPara="0" vert="horz" wrap="square" lIns="106680" tIns="0" rIns="35560" bIns="0" numCol="1" spcCol="1270" anchor="ctr" anchorCtr="0">
+        <a:bodyPr spcFirstLastPara="0" vert="horz" wrap="square" lIns="91440" tIns="0" rIns="30480" bIns="0" numCol="1" spcCol="1270" anchor="ctr" anchorCtr="0">
           <a:noAutofit/>
         </a:bodyPr>
         <a:lstStyle/>
         <a:p>
-          <a:pPr lvl="0" algn="l" defTabSz="1244600">
+          <a:pPr lvl="0" algn="l" defTabSz="1066800">
             <a:lnSpc>
               <a:spcPct val="90000"/>
             </a:lnSpc>
@@ -3095,14 +3095,14 @@
             </a:spcAft>
           </a:pPr>
           <a:r>
-            <a:rPr lang="en-SG" sz="2800" b="1" kern="1200" dirty="0"/>
+            <a:rPr lang="en-SG" sz="2400" b="1" kern="1200" dirty="0"/>
             <a:t>Voucher</a:t>
           </a:r>
         </a:p>
       </dsp:txBody>
       <dsp:txXfrm>
-        <a:off x="2561151" y="1997828"/>
-        <a:ext cx="1539536" cy="701720"/>
+        <a:off x="2216772" y="1849086"/>
+        <a:ext cx="1332526" cy="607365"/>
       </dsp:txXfrm>
     </dsp:sp>
     <dsp:sp modelId="{706B0DFE-3B86-403B-9F7F-1C46ADF79459}">
@@ -3112,8 +3112,8 @@
       </dsp:nvSpPr>
       <dsp:spPr>
         <a:xfrm>
-          <a:off x="4162530" y="2109290"/>
-          <a:ext cx="765149" cy="765149"/>
+          <a:off x="3602825" y="1945561"/>
+          <a:ext cx="662265" cy="662265"/>
         </a:xfrm>
         <a:prstGeom prst="ellipse">
           <a:avLst/>
@@ -3163,8 +3163,8 @@
       </dsp:nvSpPr>
       <dsp:spPr>
         <a:xfrm>
-          <a:off x="5117241" y="365919"/>
-          <a:ext cx="2186142" cy="1631908"/>
+          <a:off x="4429163" y="436608"/>
+          <a:ext cx="1892187" cy="1412478"/>
         </a:xfrm>
         <a:prstGeom prst="round2SameRect">
           <a:avLst>
@@ -3368,8 +3368,8 @@
         </a:p>
       </dsp:txBody>
       <dsp:txXfrm>
-        <a:off x="5155479" y="404157"/>
-        <a:ext cx="2109666" cy="1593670"/>
+        <a:off x="4462259" y="469704"/>
+        <a:ext cx="1825995" cy="1379382"/>
       </dsp:txXfrm>
     </dsp:sp>
     <dsp:sp modelId="{41957758-EAA8-4785-A251-B6147BE7563C}">
@@ -3379,8 +3379,8 @@
       </dsp:nvSpPr>
       <dsp:spPr>
         <a:xfrm>
-          <a:off x="5117241" y="1997828"/>
-          <a:ext cx="2186142" cy="701720"/>
+          <a:off x="4429163" y="1849086"/>
+          <a:ext cx="1892187" cy="607365"/>
         </a:xfrm>
         <a:prstGeom prst="rect">
           <a:avLst/>
@@ -3421,12 +3421,12 @@
         </a:fontRef>
       </dsp:style>
       <dsp:txBody>
-        <a:bodyPr spcFirstLastPara="0" vert="horz" wrap="square" lIns="106680" tIns="0" rIns="35560" bIns="0" numCol="1" spcCol="1270" anchor="ctr" anchorCtr="0">
+        <a:bodyPr spcFirstLastPara="0" vert="horz" wrap="square" lIns="91440" tIns="0" rIns="30480" bIns="0" numCol="1" spcCol="1270" anchor="ctr" anchorCtr="0">
           <a:noAutofit/>
         </a:bodyPr>
         <a:lstStyle/>
         <a:p>
-          <a:pPr lvl="0" algn="l" defTabSz="1244600">
+          <a:pPr lvl="0" algn="l" defTabSz="1066800">
             <a:lnSpc>
               <a:spcPct val="90000"/>
             </a:lnSpc>
@@ -3438,14 +3438,14 @@
             </a:spcAft>
           </a:pPr>
           <a:r>
-            <a:rPr lang="en-SG" sz="2800" b="1" kern="1200" dirty="0"/>
+            <a:rPr lang="en-SG" sz="2400" b="1" kern="1200" dirty="0"/>
             <a:t>Date</a:t>
           </a:r>
         </a:p>
       </dsp:txBody>
       <dsp:txXfrm>
-        <a:off x="5117241" y="1997828"/>
-        <a:ext cx="1539536" cy="701720"/>
+        <a:off x="4429163" y="1849086"/>
+        <a:ext cx="1332526" cy="607365"/>
       </dsp:txXfrm>
     </dsp:sp>
     <dsp:sp modelId="{95A10B80-758A-42E3-B6CF-9559333B27EA}">
@@ -3455,8 +3455,8 @@
       </dsp:nvSpPr>
       <dsp:spPr>
         <a:xfrm>
-          <a:off x="6718620" y="2109290"/>
-          <a:ext cx="765149" cy="765149"/>
+          <a:off x="5815217" y="1945561"/>
+          <a:ext cx="662265" cy="662265"/>
         </a:xfrm>
         <a:prstGeom prst="ellipse">
           <a:avLst/>
@@ -10336,59 +10336,6 @@
           <a:chExt cx="0" cy="0"/>
         </a:xfrm>
       </p:grpSpPr>
-      <p:sp>
-        <p:nvSpPr>
-          <p:cNvPr id="57" name="Shape 57"/>
-          <p:cNvSpPr txBox="1">
-            <a:spLocks noGrp="1"/>
-          </p:cNvSpPr>
-          <p:nvPr>
-            <p:ph type="ctrTitle"/>
-          </p:nvPr>
-        </p:nvSpPr>
-        <p:spPr>
-          <a:xfrm>
-            <a:off x="685800" y="3287213"/>
-            <a:ext cx="7772400" cy="1159800"/>
-          </a:xfrm>
-          <a:prstGeom prst="rect">
-            <a:avLst/>
-          </a:prstGeom>
-        </p:spPr>
-        <p:txBody>
-          <a:bodyPr wrap="square" lIns="91425" tIns="91425" rIns="91425" bIns="91425" anchor="b" anchorCtr="0">
-            <a:noAutofit/>
-          </a:bodyPr>
-          <a:lstStyle/>
-          <a:p>
-            <a:pPr lvl="0"/>
-            <a:r>
-              <a:rPr lang="en-SG" sz="4800" dirty="0" smtClean="0"/>
-              <a:t>Customer </a:t>
-            </a:r>
-            <a:br>
-              <a:rPr lang="en-SG" sz="4800" dirty="0" smtClean="0"/>
-            </a:br>
-            <a:r>
-              <a:rPr lang="en-SG" sz="5400" dirty="0">
-                <a:solidFill>
-                  <a:srgbClr val="434343"/>
-                </a:solidFill>
-              </a:rPr>
-              <a:t>Repurchase</a:t>
-            </a:r>
-            <a:r>
-              <a:rPr lang="en-SG" sz="4800" dirty="0" smtClean="0"/>
-              <a:t> </a:t>
-            </a:r>
-            <a:r>
-              <a:rPr lang="en-SG" sz="4800" dirty="0"/>
-              <a:t>Prediction</a:t>
-            </a:r>
-            <a:endParaRPr lang="en" sz="4800" dirty="0"/>
-          </a:p>
-        </p:txBody>
-      </p:sp>
       <p:grpSp>
         <p:nvGrpSpPr>
           <p:cNvPr id="58" name="Shape 58"/>
@@ -11427,6 +11374,1614 @@
           </p:txBody>
         </p:sp>
       </p:grpSp>
+      <p:sp>
+        <p:nvSpPr>
+          <p:cNvPr id="11" name="Shape 324"/>
+          <p:cNvSpPr/>
+          <p:nvPr/>
+        </p:nvSpPr>
+        <p:spPr>
+          <a:xfrm>
+            <a:off x="5940152" y="665062"/>
+            <a:ext cx="1789641" cy="3766169"/>
+          </a:xfrm>
+          <a:custGeom>
+            <a:avLst/>
+            <a:gdLst/>
+            <a:ahLst/>
+            <a:cxnLst/>
+            <a:rect l="0" t="0" r="0" b="0"/>
+            <a:pathLst>
+              <a:path w="25999" h="54713" extrusionOk="0">
+                <a:moveTo>
+                  <a:pt x="12966" y="2173"/>
+                </a:moveTo>
+                <a:lnTo>
+                  <a:pt x="13169" y="2240"/>
+                </a:lnTo>
+                <a:lnTo>
+                  <a:pt x="13373" y="2308"/>
+                </a:lnTo>
+                <a:lnTo>
+                  <a:pt x="13441" y="2512"/>
+                </a:lnTo>
+                <a:lnTo>
+                  <a:pt x="13509" y="2716"/>
+                </a:lnTo>
+                <a:lnTo>
+                  <a:pt x="13441" y="2919"/>
+                </a:lnTo>
+                <a:lnTo>
+                  <a:pt x="13373" y="3123"/>
+                </a:lnTo>
+                <a:lnTo>
+                  <a:pt x="13169" y="3191"/>
+                </a:lnTo>
+                <a:lnTo>
+                  <a:pt x="12966" y="3259"/>
+                </a:lnTo>
+                <a:lnTo>
+                  <a:pt x="12762" y="3191"/>
+                </a:lnTo>
+                <a:lnTo>
+                  <a:pt x="12626" y="3123"/>
+                </a:lnTo>
+                <a:lnTo>
+                  <a:pt x="12491" y="2919"/>
+                </a:lnTo>
+                <a:lnTo>
+                  <a:pt x="12423" y="2716"/>
+                </a:lnTo>
+                <a:lnTo>
+                  <a:pt x="12491" y="2512"/>
+                </a:lnTo>
+                <a:lnTo>
+                  <a:pt x="12626" y="2308"/>
+                </a:lnTo>
+                <a:lnTo>
+                  <a:pt x="12762" y="2240"/>
+                </a:lnTo>
+                <a:lnTo>
+                  <a:pt x="12966" y="2173"/>
+                </a:lnTo>
+                <a:close/>
+                <a:moveTo>
+                  <a:pt x="14934" y="4480"/>
+                </a:moveTo>
+                <a:lnTo>
+                  <a:pt x="15002" y="4548"/>
+                </a:lnTo>
+                <a:lnTo>
+                  <a:pt x="15070" y="4684"/>
+                </a:lnTo>
+                <a:lnTo>
+                  <a:pt x="15138" y="4752"/>
+                </a:lnTo>
+                <a:lnTo>
+                  <a:pt x="15070" y="4888"/>
+                </a:lnTo>
+                <a:lnTo>
+                  <a:pt x="15002" y="5024"/>
+                </a:lnTo>
+                <a:lnTo>
+                  <a:pt x="14934" y="5024"/>
+                </a:lnTo>
+                <a:lnTo>
+                  <a:pt x="14799" y="5091"/>
+                </a:lnTo>
+                <a:lnTo>
+                  <a:pt x="11065" y="5091"/>
+                </a:lnTo>
+                <a:lnTo>
+                  <a:pt x="10929" y="5024"/>
+                </a:lnTo>
+                <a:lnTo>
+                  <a:pt x="10861" y="5024"/>
+                </a:lnTo>
+                <a:lnTo>
+                  <a:pt x="10794" y="4888"/>
+                </a:lnTo>
+                <a:lnTo>
+                  <a:pt x="10726" y="4752"/>
+                </a:lnTo>
+                <a:lnTo>
+                  <a:pt x="10794" y="4684"/>
+                </a:lnTo>
+                <a:lnTo>
+                  <a:pt x="10861" y="4548"/>
+                </a:lnTo>
+                <a:lnTo>
+                  <a:pt x="10929" y="4480"/>
+                </a:lnTo>
+                <a:close/>
+                <a:moveTo>
+                  <a:pt x="23963" y="7807"/>
+                </a:moveTo>
+                <a:lnTo>
+                  <a:pt x="23963" y="7875"/>
+                </a:lnTo>
+                <a:lnTo>
+                  <a:pt x="23963" y="46771"/>
+                </a:lnTo>
+                <a:lnTo>
+                  <a:pt x="23963" y="46838"/>
+                </a:lnTo>
+                <a:lnTo>
+                  <a:pt x="1969" y="46838"/>
+                </a:lnTo>
+                <a:lnTo>
+                  <a:pt x="1969" y="46771"/>
+                </a:lnTo>
+                <a:lnTo>
+                  <a:pt x="1969" y="7875"/>
+                </a:lnTo>
+                <a:lnTo>
+                  <a:pt x="1969" y="7807"/>
+                </a:lnTo>
+                <a:close/>
+                <a:moveTo>
+                  <a:pt x="12558" y="48536"/>
+                </a:moveTo>
+                <a:lnTo>
+                  <a:pt x="12151" y="48671"/>
+                </a:lnTo>
+                <a:lnTo>
+                  <a:pt x="11812" y="48875"/>
+                </a:lnTo>
+                <a:lnTo>
+                  <a:pt x="11472" y="49146"/>
+                </a:lnTo>
+                <a:lnTo>
+                  <a:pt x="11269" y="49418"/>
+                </a:lnTo>
+                <a:lnTo>
+                  <a:pt x="11065" y="49825"/>
+                </a:lnTo>
+                <a:lnTo>
+                  <a:pt x="10929" y="50165"/>
+                </a:lnTo>
+                <a:lnTo>
+                  <a:pt x="10861" y="50640"/>
+                </a:lnTo>
+                <a:lnTo>
+                  <a:pt x="10929" y="51047"/>
+                </a:lnTo>
+                <a:lnTo>
+                  <a:pt x="11065" y="51454"/>
+                </a:lnTo>
+                <a:lnTo>
+                  <a:pt x="11269" y="51794"/>
+                </a:lnTo>
+                <a:lnTo>
+                  <a:pt x="11472" y="52065"/>
+                </a:lnTo>
+                <a:lnTo>
+                  <a:pt x="11812" y="52337"/>
+                </a:lnTo>
+                <a:lnTo>
+                  <a:pt x="12151" y="52541"/>
+                </a:lnTo>
+                <a:lnTo>
+                  <a:pt x="12558" y="52676"/>
+                </a:lnTo>
+                <a:lnTo>
+                  <a:pt x="12966" y="52744"/>
+                </a:lnTo>
+                <a:lnTo>
+                  <a:pt x="13373" y="52676"/>
+                </a:lnTo>
+                <a:lnTo>
+                  <a:pt x="13780" y="52541"/>
+                </a:lnTo>
+                <a:lnTo>
+                  <a:pt x="14120" y="52337"/>
+                </a:lnTo>
+                <a:lnTo>
+                  <a:pt x="14459" y="52065"/>
+                </a:lnTo>
+                <a:lnTo>
+                  <a:pt x="14731" y="51794"/>
+                </a:lnTo>
+                <a:lnTo>
+                  <a:pt x="14934" y="51454"/>
+                </a:lnTo>
+                <a:lnTo>
+                  <a:pt x="15002" y="51047"/>
+                </a:lnTo>
+                <a:lnTo>
+                  <a:pt x="15070" y="50640"/>
+                </a:lnTo>
+                <a:lnTo>
+                  <a:pt x="15002" y="50165"/>
+                </a:lnTo>
+                <a:lnTo>
+                  <a:pt x="14934" y="49825"/>
+                </a:lnTo>
+                <a:lnTo>
+                  <a:pt x="14731" y="49418"/>
+                </a:lnTo>
+                <a:lnTo>
+                  <a:pt x="14459" y="49146"/>
+                </a:lnTo>
+                <a:lnTo>
+                  <a:pt x="14120" y="48875"/>
+                </a:lnTo>
+                <a:lnTo>
+                  <a:pt x="13780" y="48671"/>
+                </a:lnTo>
+                <a:lnTo>
+                  <a:pt x="13373" y="48536"/>
+                </a:lnTo>
+                <a:close/>
+                <a:moveTo>
+                  <a:pt x="12966" y="48332"/>
+                </a:moveTo>
+                <a:lnTo>
+                  <a:pt x="13441" y="48400"/>
+                </a:lnTo>
+                <a:lnTo>
+                  <a:pt x="13848" y="48536"/>
+                </a:lnTo>
+                <a:lnTo>
+                  <a:pt x="14256" y="48739"/>
+                </a:lnTo>
+                <a:lnTo>
+                  <a:pt x="14595" y="49011"/>
+                </a:lnTo>
+                <a:lnTo>
+                  <a:pt x="14866" y="49350"/>
+                </a:lnTo>
+                <a:lnTo>
+                  <a:pt x="15070" y="49757"/>
+                </a:lnTo>
+                <a:lnTo>
+                  <a:pt x="15206" y="50165"/>
+                </a:lnTo>
+                <a:lnTo>
+                  <a:pt x="15274" y="50640"/>
+                </a:lnTo>
+                <a:lnTo>
+                  <a:pt x="15206" y="51047"/>
+                </a:lnTo>
+                <a:lnTo>
+                  <a:pt x="15070" y="51522"/>
+                </a:lnTo>
+                <a:lnTo>
+                  <a:pt x="14866" y="51862"/>
+                </a:lnTo>
+                <a:lnTo>
+                  <a:pt x="14595" y="52201"/>
+                </a:lnTo>
+                <a:lnTo>
+                  <a:pt x="14256" y="52473"/>
+                </a:lnTo>
+                <a:lnTo>
+                  <a:pt x="13848" y="52676"/>
+                </a:lnTo>
+                <a:lnTo>
+                  <a:pt x="13441" y="52812"/>
+                </a:lnTo>
+                <a:lnTo>
+                  <a:pt x="12966" y="52880"/>
+                </a:lnTo>
+                <a:lnTo>
+                  <a:pt x="12558" y="52812"/>
+                </a:lnTo>
+                <a:lnTo>
+                  <a:pt x="12083" y="52676"/>
+                </a:lnTo>
+                <a:lnTo>
+                  <a:pt x="11744" y="52473"/>
+                </a:lnTo>
+                <a:lnTo>
+                  <a:pt x="11404" y="52201"/>
+                </a:lnTo>
+                <a:lnTo>
+                  <a:pt x="11133" y="51862"/>
+                </a:lnTo>
+                <a:lnTo>
+                  <a:pt x="10929" y="51522"/>
+                </a:lnTo>
+                <a:lnTo>
+                  <a:pt x="10794" y="51047"/>
+                </a:lnTo>
+                <a:lnTo>
+                  <a:pt x="10726" y="50640"/>
+                </a:lnTo>
+                <a:lnTo>
+                  <a:pt x="10794" y="50165"/>
+                </a:lnTo>
+                <a:lnTo>
+                  <a:pt x="10929" y="49757"/>
+                </a:lnTo>
+                <a:lnTo>
+                  <a:pt x="11133" y="49350"/>
+                </a:lnTo>
+                <a:lnTo>
+                  <a:pt x="11404" y="49011"/>
+                </a:lnTo>
+                <a:lnTo>
+                  <a:pt x="11744" y="48739"/>
+                </a:lnTo>
+                <a:lnTo>
+                  <a:pt x="12083" y="48536"/>
+                </a:lnTo>
+                <a:lnTo>
+                  <a:pt x="12558" y="48400"/>
+                </a:lnTo>
+                <a:lnTo>
+                  <a:pt x="12966" y="48332"/>
+                </a:lnTo>
+                <a:close/>
+                <a:moveTo>
+                  <a:pt x="3938" y="679"/>
+                </a:moveTo>
+                <a:lnTo>
+                  <a:pt x="3259" y="747"/>
+                </a:lnTo>
+                <a:lnTo>
+                  <a:pt x="2648" y="951"/>
+                </a:lnTo>
+                <a:lnTo>
+                  <a:pt x="2105" y="1222"/>
+                </a:lnTo>
+                <a:lnTo>
+                  <a:pt x="1630" y="1629"/>
+                </a:lnTo>
+                <a:lnTo>
+                  <a:pt x="1290" y="2105"/>
+                </a:lnTo>
+                <a:lnTo>
+                  <a:pt x="951" y="2648"/>
+                </a:lnTo>
+                <a:lnTo>
+                  <a:pt x="747" y="3259"/>
+                </a:lnTo>
+                <a:lnTo>
+                  <a:pt x="747" y="3870"/>
+                </a:lnTo>
+                <a:lnTo>
+                  <a:pt x="747" y="50776"/>
+                </a:lnTo>
+                <a:lnTo>
+                  <a:pt x="747" y="51387"/>
+                </a:lnTo>
+                <a:lnTo>
+                  <a:pt x="951" y="51997"/>
+                </a:lnTo>
+                <a:lnTo>
+                  <a:pt x="1290" y="52541"/>
+                </a:lnTo>
+                <a:lnTo>
+                  <a:pt x="1630" y="53016"/>
+                </a:lnTo>
+                <a:lnTo>
+                  <a:pt x="2105" y="53423"/>
+                </a:lnTo>
+                <a:lnTo>
+                  <a:pt x="2648" y="53695"/>
+                </a:lnTo>
+                <a:lnTo>
+                  <a:pt x="3259" y="53898"/>
+                </a:lnTo>
+                <a:lnTo>
+                  <a:pt x="3938" y="53966"/>
+                </a:lnTo>
+                <a:lnTo>
+                  <a:pt x="22062" y="53966"/>
+                </a:lnTo>
+                <a:lnTo>
+                  <a:pt x="22741" y="53898"/>
+                </a:lnTo>
+                <a:lnTo>
+                  <a:pt x="23352" y="53695"/>
+                </a:lnTo>
+                <a:lnTo>
+                  <a:pt x="23895" y="53423"/>
+                </a:lnTo>
+                <a:lnTo>
+                  <a:pt x="24370" y="53016"/>
+                </a:lnTo>
+                <a:lnTo>
+                  <a:pt x="24709" y="52541"/>
+                </a:lnTo>
+                <a:lnTo>
+                  <a:pt x="25049" y="51997"/>
+                </a:lnTo>
+                <a:lnTo>
+                  <a:pt x="25252" y="51387"/>
+                </a:lnTo>
+                <a:lnTo>
+                  <a:pt x="25320" y="50776"/>
+                </a:lnTo>
+                <a:lnTo>
+                  <a:pt x="25320" y="3870"/>
+                </a:lnTo>
+                <a:lnTo>
+                  <a:pt x="25252" y="3259"/>
+                </a:lnTo>
+                <a:lnTo>
+                  <a:pt x="25049" y="2648"/>
+                </a:lnTo>
+                <a:lnTo>
+                  <a:pt x="24709" y="2105"/>
+                </a:lnTo>
+                <a:lnTo>
+                  <a:pt x="24370" y="1629"/>
+                </a:lnTo>
+                <a:lnTo>
+                  <a:pt x="23895" y="1222"/>
+                </a:lnTo>
+                <a:lnTo>
+                  <a:pt x="23352" y="951"/>
+                </a:lnTo>
+                <a:lnTo>
+                  <a:pt x="22741" y="747"/>
+                </a:lnTo>
+                <a:lnTo>
+                  <a:pt x="22062" y="679"/>
+                </a:lnTo>
+                <a:close/>
+                <a:moveTo>
+                  <a:pt x="22062" y="543"/>
+                </a:moveTo>
+                <a:lnTo>
+                  <a:pt x="22741" y="611"/>
+                </a:lnTo>
+                <a:lnTo>
+                  <a:pt x="23419" y="815"/>
+                </a:lnTo>
+                <a:lnTo>
+                  <a:pt x="23963" y="1086"/>
+                </a:lnTo>
+                <a:lnTo>
+                  <a:pt x="24438" y="1494"/>
+                </a:lnTo>
+                <a:lnTo>
+                  <a:pt x="24845" y="2037"/>
+                </a:lnTo>
+                <a:lnTo>
+                  <a:pt x="25184" y="2580"/>
+                </a:lnTo>
+                <a:lnTo>
+                  <a:pt x="25388" y="3191"/>
+                </a:lnTo>
+                <a:lnTo>
+                  <a:pt x="25456" y="3870"/>
+                </a:lnTo>
+                <a:lnTo>
+                  <a:pt x="25456" y="50776"/>
+                </a:lnTo>
+                <a:lnTo>
+                  <a:pt x="25388" y="51454"/>
+                </a:lnTo>
+                <a:lnTo>
+                  <a:pt x="25184" y="52065"/>
+                </a:lnTo>
+                <a:lnTo>
+                  <a:pt x="24845" y="52676"/>
+                </a:lnTo>
+                <a:lnTo>
+                  <a:pt x="24438" y="53151"/>
+                </a:lnTo>
+                <a:lnTo>
+                  <a:pt x="23963" y="53559"/>
+                </a:lnTo>
+                <a:lnTo>
+                  <a:pt x="23419" y="53898"/>
+                </a:lnTo>
+                <a:lnTo>
+                  <a:pt x="22741" y="54102"/>
+                </a:lnTo>
+                <a:lnTo>
+                  <a:pt x="22062" y="54170"/>
+                </a:lnTo>
+                <a:lnTo>
+                  <a:pt x="3938" y="54170"/>
+                </a:lnTo>
+                <a:lnTo>
+                  <a:pt x="3259" y="54102"/>
+                </a:lnTo>
+                <a:lnTo>
+                  <a:pt x="2580" y="53898"/>
+                </a:lnTo>
+                <a:lnTo>
+                  <a:pt x="2037" y="53559"/>
+                </a:lnTo>
+                <a:lnTo>
+                  <a:pt x="1562" y="53151"/>
+                </a:lnTo>
+                <a:lnTo>
+                  <a:pt x="1154" y="52676"/>
+                </a:lnTo>
+                <a:lnTo>
+                  <a:pt x="815" y="52065"/>
+                </a:lnTo>
+                <a:lnTo>
+                  <a:pt x="611" y="51454"/>
+                </a:lnTo>
+                <a:lnTo>
+                  <a:pt x="543" y="50776"/>
+                </a:lnTo>
+                <a:lnTo>
+                  <a:pt x="543" y="3870"/>
+                </a:lnTo>
+                <a:lnTo>
+                  <a:pt x="611" y="3191"/>
+                </a:lnTo>
+                <a:lnTo>
+                  <a:pt x="815" y="2580"/>
+                </a:lnTo>
+                <a:lnTo>
+                  <a:pt x="1154" y="2037"/>
+                </a:lnTo>
+                <a:lnTo>
+                  <a:pt x="1562" y="1494"/>
+                </a:lnTo>
+                <a:lnTo>
+                  <a:pt x="2037" y="1086"/>
+                </a:lnTo>
+                <a:lnTo>
+                  <a:pt x="2580" y="815"/>
+                </a:lnTo>
+                <a:lnTo>
+                  <a:pt x="3259" y="611"/>
+                </a:lnTo>
+                <a:lnTo>
+                  <a:pt x="3938" y="543"/>
+                </a:lnTo>
+                <a:close/>
+                <a:moveTo>
+                  <a:pt x="3938" y="0"/>
+                </a:moveTo>
+                <a:lnTo>
+                  <a:pt x="3123" y="68"/>
+                </a:lnTo>
+                <a:lnTo>
+                  <a:pt x="2444" y="272"/>
+                </a:lnTo>
+                <a:lnTo>
+                  <a:pt x="1765" y="611"/>
+                </a:lnTo>
+                <a:lnTo>
+                  <a:pt x="1154" y="1154"/>
+                </a:lnTo>
+                <a:lnTo>
+                  <a:pt x="679" y="1697"/>
+                </a:lnTo>
+                <a:lnTo>
+                  <a:pt x="272" y="2376"/>
+                </a:lnTo>
+                <a:lnTo>
+                  <a:pt x="68" y="3123"/>
+                </a:lnTo>
+                <a:lnTo>
+                  <a:pt x="0" y="3870"/>
+                </a:lnTo>
+                <a:lnTo>
+                  <a:pt x="0" y="50776"/>
+                </a:lnTo>
+                <a:lnTo>
+                  <a:pt x="68" y="51522"/>
+                </a:lnTo>
+                <a:lnTo>
+                  <a:pt x="272" y="52269"/>
+                </a:lnTo>
+                <a:lnTo>
+                  <a:pt x="679" y="52948"/>
+                </a:lnTo>
+                <a:lnTo>
+                  <a:pt x="1154" y="53559"/>
+                </a:lnTo>
+                <a:lnTo>
+                  <a:pt x="1765" y="54034"/>
+                </a:lnTo>
+                <a:lnTo>
+                  <a:pt x="2444" y="54373"/>
+                </a:lnTo>
+                <a:lnTo>
+                  <a:pt x="3123" y="54645"/>
+                </a:lnTo>
+                <a:lnTo>
+                  <a:pt x="3938" y="54713"/>
+                </a:lnTo>
+                <a:lnTo>
+                  <a:pt x="22062" y="54713"/>
+                </a:lnTo>
+                <a:lnTo>
+                  <a:pt x="22876" y="54645"/>
+                </a:lnTo>
+                <a:lnTo>
+                  <a:pt x="23555" y="54373"/>
+                </a:lnTo>
+                <a:lnTo>
+                  <a:pt x="24234" y="54034"/>
+                </a:lnTo>
+                <a:lnTo>
+                  <a:pt x="24845" y="53559"/>
+                </a:lnTo>
+                <a:lnTo>
+                  <a:pt x="25320" y="52948"/>
+                </a:lnTo>
+                <a:lnTo>
+                  <a:pt x="25727" y="52269"/>
+                </a:lnTo>
+                <a:lnTo>
+                  <a:pt x="25931" y="51522"/>
+                </a:lnTo>
+                <a:lnTo>
+                  <a:pt x="25999" y="50776"/>
+                </a:lnTo>
+                <a:lnTo>
+                  <a:pt x="25999" y="3870"/>
+                </a:lnTo>
+                <a:lnTo>
+                  <a:pt x="25931" y="3123"/>
+                </a:lnTo>
+                <a:lnTo>
+                  <a:pt x="25727" y="2376"/>
+                </a:lnTo>
+                <a:lnTo>
+                  <a:pt x="25320" y="1697"/>
+                </a:lnTo>
+                <a:lnTo>
+                  <a:pt x="24845" y="1154"/>
+                </a:lnTo>
+                <a:lnTo>
+                  <a:pt x="24234" y="611"/>
+                </a:lnTo>
+                <a:lnTo>
+                  <a:pt x="23555" y="272"/>
+                </a:lnTo>
+                <a:lnTo>
+                  <a:pt x="22876" y="68"/>
+                </a:lnTo>
+                <a:lnTo>
+                  <a:pt x="22062" y="0"/>
+                </a:lnTo>
+                <a:close/>
+              </a:path>
+            </a:pathLst>
+          </a:custGeom>
+          <a:solidFill>
+            <a:srgbClr val="FFFFFF"/>
+          </a:solidFill>
+          <a:ln w="9525" cap="flat" cmpd="sng">
+            <a:solidFill>
+              <a:srgbClr val="434343"/>
+            </a:solidFill>
+            <a:prstDash val="solid"/>
+            <a:round/>
+            <a:headEnd type="none" w="med" len="med"/>
+            <a:tailEnd type="none" w="med" len="med"/>
+          </a:ln>
+        </p:spPr>
+        <p:txBody>
+          <a:bodyPr wrap="square" lIns="91425" tIns="91425" rIns="91425" bIns="91425" anchor="ctr" anchorCtr="0">
+            <a:noAutofit/>
+          </a:bodyPr>
+          <a:lstStyle/>
+          <a:p>
+            <a:pPr marL="0" lvl="0" indent="0">
+              <a:spcBef>
+                <a:spcPts val="0"/>
+              </a:spcBef>
+              <a:buNone/>
+            </a:pPr>
+            <a:endParaRPr/>
+          </a:p>
+        </p:txBody>
+      </p:sp>
+      <p:sp>
+        <p:nvSpPr>
+          <p:cNvPr id="57" name="Shape 57"/>
+          <p:cNvSpPr txBox="1">
+            <a:spLocks noGrp="1"/>
+          </p:cNvSpPr>
+          <p:nvPr>
+            <p:ph type="ctrTitle"/>
+          </p:nvPr>
+        </p:nvSpPr>
+        <p:spPr>
+          <a:xfrm>
+            <a:off x="685800" y="3287213"/>
+            <a:ext cx="7772400" cy="1159800"/>
+          </a:xfrm>
+          <a:prstGeom prst="rect">
+            <a:avLst/>
+          </a:prstGeom>
+        </p:spPr>
+        <p:txBody>
+          <a:bodyPr wrap="square" lIns="91425" tIns="91425" rIns="91425" bIns="91425" anchor="b" anchorCtr="0">
+            <a:noAutofit/>
+          </a:bodyPr>
+          <a:lstStyle/>
+          <a:p>
+            <a:pPr lvl="0"/>
+            <a:r>
+              <a:rPr lang="en-SG" sz="4800" dirty="0" smtClean="0"/>
+              <a:t>Customer </a:t>
+            </a:r>
+            <a:br>
+              <a:rPr lang="en-SG" sz="4800" dirty="0" smtClean="0"/>
+            </a:br>
+            <a:r>
+              <a:rPr lang="en-SG" sz="5400" dirty="0">
+                <a:solidFill>
+                  <a:srgbClr val="434343"/>
+                </a:solidFill>
+              </a:rPr>
+              <a:t>Repurchase</a:t>
+            </a:r>
+            <a:r>
+              <a:rPr lang="en-SG" sz="4800" dirty="0" smtClean="0"/>
+              <a:t> </a:t>
+            </a:r>
+            <a:r>
+              <a:rPr lang="en-SG" sz="4800" dirty="0">
+                <a:ln w="18415" cmpd="sng">
+                  <a:solidFill>
+                    <a:srgbClr val="FFFFFF"/>
+                  </a:solidFill>
+                  <a:prstDash val="solid"/>
+                </a:ln>
+                <a:effectLst>
+                  <a:outerShdw blurRad="63500" dir="3600000" algn="tl" rotWithShape="0">
+                    <a:srgbClr val="000000">
+                      <a:alpha val="70000"/>
+                    </a:srgbClr>
+                  </a:outerShdw>
+                </a:effectLst>
+              </a:rPr>
+              <a:t>Prediction</a:t>
+            </a:r>
+            <a:endParaRPr lang="en" sz="4800" dirty="0">
+              <a:ln w="18415" cmpd="sng">
+                <a:solidFill>
+                  <a:srgbClr val="FFFFFF"/>
+                </a:solidFill>
+                <a:prstDash val="solid"/>
+              </a:ln>
+              <a:effectLst>
+                <a:outerShdw blurRad="63500" dir="3600000" algn="tl" rotWithShape="0">
+                  <a:srgbClr val="000000">
+                    <a:alpha val="70000"/>
+                  </a:srgbClr>
+                </a:outerShdw>
+              </a:effectLst>
+            </a:endParaRPr>
+          </a:p>
+        </p:txBody>
+      </p:sp>
+      <p:sp>
+        <p:nvSpPr>
+          <p:cNvPr id="12" name="Shape 555"/>
+          <p:cNvSpPr/>
+          <p:nvPr/>
+        </p:nvSpPr>
+        <p:spPr>
+          <a:xfrm>
+            <a:off x="6588224" y="2211710"/>
+            <a:ext cx="504056" cy="432048"/>
+          </a:xfrm>
+          <a:custGeom>
+            <a:avLst/>
+            <a:gdLst/>
+            <a:ahLst/>
+            <a:cxnLst/>
+            <a:rect l="0" t="0" r="0" b="0"/>
+            <a:pathLst>
+              <a:path w="18513" h="14557" extrusionOk="0">
+                <a:moveTo>
+                  <a:pt x="9159" y="2125"/>
+                </a:moveTo>
+                <a:lnTo>
+                  <a:pt x="9403" y="2150"/>
+                </a:lnTo>
+                <a:lnTo>
+                  <a:pt x="9672" y="2198"/>
+                </a:lnTo>
+                <a:lnTo>
+                  <a:pt x="9916" y="2272"/>
+                </a:lnTo>
+                <a:lnTo>
+                  <a:pt x="10160" y="2345"/>
+                </a:lnTo>
+                <a:lnTo>
+                  <a:pt x="10404" y="2443"/>
+                </a:lnTo>
+                <a:lnTo>
+                  <a:pt x="10624" y="2565"/>
+                </a:lnTo>
+                <a:lnTo>
+                  <a:pt x="10820" y="2687"/>
+                </a:lnTo>
+                <a:lnTo>
+                  <a:pt x="10893" y="2760"/>
+                </a:lnTo>
+                <a:lnTo>
+                  <a:pt x="10942" y="2858"/>
+                </a:lnTo>
+                <a:lnTo>
+                  <a:pt x="10942" y="2956"/>
+                </a:lnTo>
+                <a:lnTo>
+                  <a:pt x="10917" y="3078"/>
+                </a:lnTo>
+                <a:lnTo>
+                  <a:pt x="10844" y="3151"/>
+                </a:lnTo>
+                <a:lnTo>
+                  <a:pt x="10771" y="3200"/>
+                </a:lnTo>
+                <a:lnTo>
+                  <a:pt x="10698" y="3224"/>
+                </a:lnTo>
+                <a:lnTo>
+                  <a:pt x="10600" y="3175"/>
+                </a:lnTo>
+                <a:lnTo>
+                  <a:pt x="10404" y="3053"/>
+                </a:lnTo>
+                <a:lnTo>
+                  <a:pt x="10209" y="2956"/>
+                </a:lnTo>
+                <a:lnTo>
+                  <a:pt x="10014" y="2882"/>
+                </a:lnTo>
+                <a:lnTo>
+                  <a:pt x="9794" y="2809"/>
+                </a:lnTo>
+                <a:lnTo>
+                  <a:pt x="9574" y="2760"/>
+                </a:lnTo>
+                <a:lnTo>
+                  <a:pt x="9354" y="2711"/>
+                </a:lnTo>
+                <a:lnTo>
+                  <a:pt x="9110" y="2687"/>
+                </a:lnTo>
+                <a:lnTo>
+                  <a:pt x="8646" y="2687"/>
+                </a:lnTo>
+                <a:lnTo>
+                  <a:pt x="8426" y="2711"/>
+                </a:lnTo>
+                <a:lnTo>
+                  <a:pt x="8206" y="2760"/>
+                </a:lnTo>
+                <a:lnTo>
+                  <a:pt x="7987" y="2809"/>
+                </a:lnTo>
+                <a:lnTo>
+                  <a:pt x="7767" y="2882"/>
+                </a:lnTo>
+                <a:lnTo>
+                  <a:pt x="7547" y="2956"/>
+                </a:lnTo>
+                <a:lnTo>
+                  <a:pt x="7352" y="3053"/>
+                </a:lnTo>
+                <a:lnTo>
+                  <a:pt x="7181" y="3175"/>
+                </a:lnTo>
+                <a:lnTo>
+                  <a:pt x="7107" y="3200"/>
+                </a:lnTo>
+                <a:lnTo>
+                  <a:pt x="7059" y="3224"/>
+                </a:lnTo>
+                <a:lnTo>
+                  <a:pt x="7010" y="3200"/>
+                </a:lnTo>
+                <a:lnTo>
+                  <a:pt x="6936" y="3175"/>
+                </a:lnTo>
+                <a:lnTo>
+                  <a:pt x="6888" y="3127"/>
+                </a:lnTo>
+                <a:lnTo>
+                  <a:pt x="6863" y="3078"/>
+                </a:lnTo>
+                <a:lnTo>
+                  <a:pt x="6839" y="2956"/>
+                </a:lnTo>
+                <a:lnTo>
+                  <a:pt x="6839" y="2858"/>
+                </a:lnTo>
+                <a:lnTo>
+                  <a:pt x="6888" y="2760"/>
+                </a:lnTo>
+                <a:lnTo>
+                  <a:pt x="6936" y="2687"/>
+                </a:lnTo>
+                <a:lnTo>
+                  <a:pt x="7156" y="2565"/>
+                </a:lnTo>
+                <a:lnTo>
+                  <a:pt x="7376" y="2443"/>
+                </a:lnTo>
+                <a:lnTo>
+                  <a:pt x="7620" y="2345"/>
+                </a:lnTo>
+                <a:lnTo>
+                  <a:pt x="7864" y="2272"/>
+                </a:lnTo>
+                <a:lnTo>
+                  <a:pt x="8109" y="2198"/>
+                </a:lnTo>
+                <a:lnTo>
+                  <a:pt x="8377" y="2150"/>
+                </a:lnTo>
+                <a:lnTo>
+                  <a:pt x="8622" y="2125"/>
+                </a:lnTo>
+                <a:close/>
+                <a:moveTo>
+                  <a:pt x="3761" y="5373"/>
+                </a:moveTo>
+                <a:lnTo>
+                  <a:pt x="3884" y="5398"/>
+                </a:lnTo>
+                <a:lnTo>
+                  <a:pt x="4030" y="5447"/>
+                </a:lnTo>
+                <a:lnTo>
+                  <a:pt x="4128" y="5496"/>
+                </a:lnTo>
+                <a:lnTo>
+                  <a:pt x="4250" y="5569"/>
+                </a:lnTo>
+                <a:lnTo>
+                  <a:pt x="4323" y="5691"/>
+                </a:lnTo>
+                <a:lnTo>
+                  <a:pt x="4372" y="5789"/>
+                </a:lnTo>
+                <a:lnTo>
+                  <a:pt x="4421" y="5911"/>
+                </a:lnTo>
+                <a:lnTo>
+                  <a:pt x="4445" y="6057"/>
+                </a:lnTo>
+                <a:lnTo>
+                  <a:pt x="4421" y="6204"/>
+                </a:lnTo>
+                <a:lnTo>
+                  <a:pt x="4372" y="6326"/>
+                </a:lnTo>
+                <a:lnTo>
+                  <a:pt x="4323" y="6448"/>
+                </a:lnTo>
+                <a:lnTo>
+                  <a:pt x="4250" y="6546"/>
+                </a:lnTo>
+                <a:lnTo>
+                  <a:pt x="4128" y="6619"/>
+                </a:lnTo>
+                <a:lnTo>
+                  <a:pt x="4030" y="6692"/>
+                </a:lnTo>
+                <a:lnTo>
+                  <a:pt x="3884" y="6717"/>
+                </a:lnTo>
+                <a:lnTo>
+                  <a:pt x="3761" y="6741"/>
+                </a:lnTo>
+                <a:lnTo>
+                  <a:pt x="3615" y="6717"/>
+                </a:lnTo>
+                <a:lnTo>
+                  <a:pt x="3493" y="6692"/>
+                </a:lnTo>
+                <a:lnTo>
+                  <a:pt x="3371" y="6619"/>
+                </a:lnTo>
+                <a:lnTo>
+                  <a:pt x="3273" y="6546"/>
+                </a:lnTo>
+                <a:lnTo>
+                  <a:pt x="3200" y="6448"/>
+                </a:lnTo>
+                <a:lnTo>
+                  <a:pt x="3126" y="6326"/>
+                </a:lnTo>
+                <a:lnTo>
+                  <a:pt x="3102" y="6204"/>
+                </a:lnTo>
+                <a:lnTo>
+                  <a:pt x="3078" y="6057"/>
+                </a:lnTo>
+                <a:lnTo>
+                  <a:pt x="3102" y="5911"/>
+                </a:lnTo>
+                <a:lnTo>
+                  <a:pt x="3126" y="5789"/>
+                </a:lnTo>
+                <a:lnTo>
+                  <a:pt x="3200" y="5691"/>
+                </a:lnTo>
+                <a:lnTo>
+                  <a:pt x="3273" y="5569"/>
+                </a:lnTo>
+                <a:lnTo>
+                  <a:pt x="3371" y="5496"/>
+                </a:lnTo>
+                <a:lnTo>
+                  <a:pt x="3493" y="5447"/>
+                </a:lnTo>
+                <a:lnTo>
+                  <a:pt x="3615" y="5398"/>
+                </a:lnTo>
+                <a:lnTo>
+                  <a:pt x="3761" y="5373"/>
+                </a:lnTo>
+                <a:close/>
+                <a:moveTo>
+                  <a:pt x="17609" y="6741"/>
+                </a:moveTo>
+                <a:lnTo>
+                  <a:pt x="17609" y="6790"/>
+                </a:lnTo>
+                <a:lnTo>
+                  <a:pt x="17585" y="6888"/>
+                </a:lnTo>
+                <a:lnTo>
+                  <a:pt x="17560" y="6937"/>
+                </a:lnTo>
+                <a:lnTo>
+                  <a:pt x="17512" y="7010"/>
+                </a:lnTo>
+                <a:lnTo>
+                  <a:pt x="17365" y="7132"/>
+                </a:lnTo>
+                <a:lnTo>
+                  <a:pt x="17365" y="7132"/>
+                </a:lnTo>
+                <a:lnTo>
+                  <a:pt x="17389" y="7010"/>
+                </a:lnTo>
+                <a:lnTo>
+                  <a:pt x="17414" y="6863"/>
+                </a:lnTo>
+                <a:lnTo>
+                  <a:pt x="17463" y="6790"/>
+                </a:lnTo>
+                <a:lnTo>
+                  <a:pt x="17512" y="6766"/>
+                </a:lnTo>
+                <a:lnTo>
+                  <a:pt x="17560" y="6741"/>
+                </a:lnTo>
+                <a:close/>
+                <a:moveTo>
+                  <a:pt x="4836" y="0"/>
+                </a:moveTo>
+                <a:lnTo>
+                  <a:pt x="4738" y="196"/>
+                </a:lnTo>
+                <a:lnTo>
+                  <a:pt x="4641" y="391"/>
+                </a:lnTo>
+                <a:lnTo>
+                  <a:pt x="4543" y="684"/>
+                </a:lnTo>
+                <a:lnTo>
+                  <a:pt x="4445" y="1002"/>
+                </a:lnTo>
+                <a:lnTo>
+                  <a:pt x="4396" y="1393"/>
+                </a:lnTo>
+                <a:lnTo>
+                  <a:pt x="4372" y="1783"/>
+                </a:lnTo>
+                <a:lnTo>
+                  <a:pt x="4372" y="2003"/>
+                </a:lnTo>
+                <a:lnTo>
+                  <a:pt x="4421" y="2223"/>
+                </a:lnTo>
+                <a:lnTo>
+                  <a:pt x="4079" y="2443"/>
+                </a:lnTo>
+                <a:lnTo>
+                  <a:pt x="3688" y="2736"/>
+                </a:lnTo>
+                <a:lnTo>
+                  <a:pt x="3273" y="3151"/>
+                </a:lnTo>
+                <a:lnTo>
+                  <a:pt x="2833" y="3615"/>
+                </a:lnTo>
+                <a:lnTo>
+                  <a:pt x="2418" y="4128"/>
+                </a:lnTo>
+                <a:lnTo>
+                  <a:pt x="2027" y="4665"/>
+                </a:lnTo>
+                <a:lnTo>
+                  <a:pt x="1856" y="4958"/>
+                </a:lnTo>
+                <a:lnTo>
+                  <a:pt x="1710" y="5251"/>
+                </a:lnTo>
+                <a:lnTo>
+                  <a:pt x="1563" y="5544"/>
+                </a:lnTo>
+                <a:lnTo>
+                  <a:pt x="1466" y="5813"/>
+                </a:lnTo>
+                <a:lnTo>
+                  <a:pt x="562" y="5813"/>
+                </a:lnTo>
+                <a:lnTo>
+                  <a:pt x="464" y="5838"/>
+                </a:lnTo>
+                <a:lnTo>
+                  <a:pt x="342" y="5862"/>
+                </a:lnTo>
+                <a:lnTo>
+                  <a:pt x="244" y="5911"/>
+                </a:lnTo>
+                <a:lnTo>
+                  <a:pt x="171" y="5984"/>
+                </a:lnTo>
+                <a:lnTo>
+                  <a:pt x="98" y="6057"/>
+                </a:lnTo>
+                <a:lnTo>
+                  <a:pt x="49" y="6155"/>
+                </a:lnTo>
+                <a:lnTo>
+                  <a:pt x="25" y="6277"/>
+                </a:lnTo>
+                <a:lnTo>
+                  <a:pt x="0" y="6375"/>
+                </a:lnTo>
+                <a:lnTo>
+                  <a:pt x="0" y="8622"/>
+                </a:lnTo>
+                <a:lnTo>
+                  <a:pt x="25" y="8744"/>
+                </a:lnTo>
+                <a:lnTo>
+                  <a:pt x="49" y="8842"/>
+                </a:lnTo>
+                <a:lnTo>
+                  <a:pt x="98" y="8939"/>
+                </a:lnTo>
+                <a:lnTo>
+                  <a:pt x="171" y="9013"/>
+                </a:lnTo>
+                <a:lnTo>
+                  <a:pt x="244" y="9086"/>
+                </a:lnTo>
+                <a:lnTo>
+                  <a:pt x="342" y="9135"/>
+                </a:lnTo>
+                <a:lnTo>
+                  <a:pt x="464" y="9183"/>
+                </a:lnTo>
+                <a:lnTo>
+                  <a:pt x="1514" y="9183"/>
+                </a:lnTo>
+                <a:lnTo>
+                  <a:pt x="1588" y="9379"/>
+                </a:lnTo>
+                <a:lnTo>
+                  <a:pt x="1685" y="9599"/>
+                </a:lnTo>
+                <a:lnTo>
+                  <a:pt x="1930" y="10014"/>
+                </a:lnTo>
+                <a:lnTo>
+                  <a:pt x="2223" y="10405"/>
+                </a:lnTo>
+                <a:lnTo>
+                  <a:pt x="2589" y="10795"/>
+                </a:lnTo>
+                <a:lnTo>
+                  <a:pt x="2980" y="11162"/>
+                </a:lnTo>
+                <a:lnTo>
+                  <a:pt x="3419" y="11504"/>
+                </a:lnTo>
+                <a:lnTo>
+                  <a:pt x="3908" y="11821"/>
+                </a:lnTo>
+                <a:lnTo>
+                  <a:pt x="4421" y="12065"/>
+                </a:lnTo>
+                <a:lnTo>
+                  <a:pt x="4421" y="14557"/>
+                </a:lnTo>
+                <a:lnTo>
+                  <a:pt x="5105" y="14557"/>
+                </a:lnTo>
+                <a:lnTo>
+                  <a:pt x="6326" y="12896"/>
+                </a:lnTo>
+                <a:lnTo>
+                  <a:pt x="6936" y="13067"/>
+                </a:lnTo>
+                <a:lnTo>
+                  <a:pt x="7571" y="13164"/>
+                </a:lnTo>
+                <a:lnTo>
+                  <a:pt x="8231" y="13238"/>
+                </a:lnTo>
+                <a:lnTo>
+                  <a:pt x="8890" y="13262"/>
+                </a:lnTo>
+                <a:lnTo>
+                  <a:pt x="9550" y="13238"/>
+                </a:lnTo>
+                <a:lnTo>
+                  <a:pt x="10209" y="13164"/>
+                </a:lnTo>
+                <a:lnTo>
+                  <a:pt x="10844" y="13067"/>
+                </a:lnTo>
+                <a:lnTo>
+                  <a:pt x="11455" y="12896"/>
+                </a:lnTo>
+                <a:lnTo>
+                  <a:pt x="12627" y="14557"/>
+                </a:lnTo>
+                <a:lnTo>
+                  <a:pt x="13384" y="14557"/>
+                </a:lnTo>
+                <a:lnTo>
+                  <a:pt x="13384" y="12065"/>
+                </a:lnTo>
+                <a:lnTo>
+                  <a:pt x="13726" y="11919"/>
+                </a:lnTo>
+                <a:lnTo>
+                  <a:pt x="14044" y="11748"/>
+                </a:lnTo>
+                <a:lnTo>
+                  <a:pt x="14337" y="11577"/>
+                </a:lnTo>
+                <a:lnTo>
+                  <a:pt x="14630" y="11382"/>
+                </a:lnTo>
+                <a:lnTo>
+                  <a:pt x="14898" y="11162"/>
+                </a:lnTo>
+                <a:lnTo>
+                  <a:pt x="15143" y="10942"/>
+                </a:lnTo>
+                <a:lnTo>
+                  <a:pt x="15387" y="10698"/>
+                </a:lnTo>
+                <a:lnTo>
+                  <a:pt x="15607" y="10429"/>
+                </a:lnTo>
+                <a:lnTo>
+                  <a:pt x="15778" y="10160"/>
+                </a:lnTo>
+                <a:lnTo>
+                  <a:pt x="15949" y="9892"/>
+                </a:lnTo>
+                <a:lnTo>
+                  <a:pt x="16119" y="9599"/>
+                </a:lnTo>
+                <a:lnTo>
+                  <a:pt x="16242" y="9281"/>
+                </a:lnTo>
+                <a:lnTo>
+                  <a:pt x="16364" y="8964"/>
+                </a:lnTo>
+                <a:lnTo>
+                  <a:pt x="16437" y="8622"/>
+                </a:lnTo>
+                <a:lnTo>
+                  <a:pt x="16510" y="8280"/>
+                </a:lnTo>
+                <a:lnTo>
+                  <a:pt x="16559" y="7938"/>
+                </a:lnTo>
+                <a:lnTo>
+                  <a:pt x="16974" y="7938"/>
+                </a:lnTo>
+                <a:lnTo>
+                  <a:pt x="17096" y="7913"/>
+                </a:lnTo>
+                <a:lnTo>
+                  <a:pt x="17316" y="8109"/>
+                </a:lnTo>
+                <a:lnTo>
+                  <a:pt x="17536" y="8231"/>
+                </a:lnTo>
+                <a:lnTo>
+                  <a:pt x="17780" y="8329"/>
+                </a:lnTo>
+                <a:lnTo>
+                  <a:pt x="18024" y="8353"/>
+                </a:lnTo>
+                <a:lnTo>
+                  <a:pt x="18171" y="8353"/>
+                </a:lnTo>
+                <a:lnTo>
+                  <a:pt x="18318" y="8304"/>
+                </a:lnTo>
+                <a:lnTo>
+                  <a:pt x="18415" y="8255"/>
+                </a:lnTo>
+                <a:lnTo>
+                  <a:pt x="18464" y="8158"/>
+                </a:lnTo>
+                <a:lnTo>
+                  <a:pt x="18513" y="8060"/>
+                </a:lnTo>
+                <a:lnTo>
+                  <a:pt x="18488" y="7962"/>
+                </a:lnTo>
+                <a:lnTo>
+                  <a:pt x="18440" y="7865"/>
+                </a:lnTo>
+                <a:lnTo>
+                  <a:pt x="18342" y="7791"/>
+                </a:lnTo>
+                <a:lnTo>
+                  <a:pt x="18244" y="7767"/>
+                </a:lnTo>
+                <a:lnTo>
+                  <a:pt x="18147" y="7767"/>
+                </a:lnTo>
+                <a:lnTo>
+                  <a:pt x="18024" y="7791"/>
+                </a:lnTo>
+                <a:lnTo>
+                  <a:pt x="17902" y="7767"/>
+                </a:lnTo>
+                <a:lnTo>
+                  <a:pt x="17756" y="7718"/>
+                </a:lnTo>
+                <a:lnTo>
+                  <a:pt x="17634" y="7645"/>
+                </a:lnTo>
+                <a:lnTo>
+                  <a:pt x="17780" y="7523"/>
+                </a:lnTo>
+                <a:lnTo>
+                  <a:pt x="17927" y="7376"/>
+                </a:lnTo>
+                <a:lnTo>
+                  <a:pt x="18049" y="7230"/>
+                </a:lnTo>
+                <a:lnTo>
+                  <a:pt x="18122" y="7059"/>
+                </a:lnTo>
+                <a:lnTo>
+                  <a:pt x="18171" y="6888"/>
+                </a:lnTo>
+                <a:lnTo>
+                  <a:pt x="18171" y="6717"/>
+                </a:lnTo>
+                <a:lnTo>
+                  <a:pt x="18147" y="6546"/>
+                </a:lnTo>
+                <a:lnTo>
+                  <a:pt x="18073" y="6424"/>
+                </a:lnTo>
+                <a:lnTo>
+                  <a:pt x="18000" y="6326"/>
+                </a:lnTo>
+                <a:lnTo>
+                  <a:pt x="17902" y="6253"/>
+                </a:lnTo>
+                <a:lnTo>
+                  <a:pt x="17805" y="6204"/>
+                </a:lnTo>
+                <a:lnTo>
+                  <a:pt x="17683" y="6179"/>
+                </a:lnTo>
+                <a:lnTo>
+                  <a:pt x="17560" y="6179"/>
+                </a:lnTo>
+                <a:lnTo>
+                  <a:pt x="17438" y="6204"/>
+                </a:lnTo>
+                <a:lnTo>
+                  <a:pt x="17341" y="6228"/>
+                </a:lnTo>
+                <a:lnTo>
+                  <a:pt x="17243" y="6277"/>
+                </a:lnTo>
+                <a:lnTo>
+                  <a:pt x="17145" y="6326"/>
+                </a:lnTo>
+                <a:lnTo>
+                  <a:pt x="17048" y="6424"/>
+                </a:lnTo>
+                <a:lnTo>
+                  <a:pt x="16974" y="6497"/>
+                </a:lnTo>
+                <a:lnTo>
+                  <a:pt x="16925" y="6619"/>
+                </a:lnTo>
+                <a:lnTo>
+                  <a:pt x="16852" y="6790"/>
+                </a:lnTo>
+                <a:lnTo>
+                  <a:pt x="16803" y="6985"/>
+                </a:lnTo>
+                <a:lnTo>
+                  <a:pt x="16803" y="7181"/>
+                </a:lnTo>
+                <a:lnTo>
+                  <a:pt x="16828" y="7376"/>
+                </a:lnTo>
+                <a:lnTo>
+                  <a:pt x="16706" y="7376"/>
+                </a:lnTo>
+                <a:lnTo>
+                  <a:pt x="16584" y="7352"/>
+                </a:lnTo>
+                <a:lnTo>
+                  <a:pt x="16559" y="7034"/>
+                </a:lnTo>
+                <a:lnTo>
+                  <a:pt x="16535" y="6717"/>
+                </a:lnTo>
+                <a:lnTo>
+                  <a:pt x="16486" y="6399"/>
+                </a:lnTo>
+                <a:lnTo>
+                  <a:pt x="16413" y="6082"/>
+                </a:lnTo>
+                <a:lnTo>
+                  <a:pt x="16315" y="5764"/>
+                </a:lnTo>
+                <a:lnTo>
+                  <a:pt x="16217" y="5471"/>
+                </a:lnTo>
+                <a:lnTo>
+                  <a:pt x="16095" y="5178"/>
+                </a:lnTo>
+                <a:lnTo>
+                  <a:pt x="15949" y="4885"/>
+                </a:lnTo>
+                <a:lnTo>
+                  <a:pt x="15802" y="4616"/>
+                </a:lnTo>
+                <a:lnTo>
+                  <a:pt x="15631" y="4323"/>
+                </a:lnTo>
+                <a:lnTo>
+                  <a:pt x="15436" y="4079"/>
+                </a:lnTo>
+                <a:lnTo>
+                  <a:pt x="15240" y="3810"/>
+                </a:lnTo>
+                <a:lnTo>
+                  <a:pt x="15020" y="3566"/>
+                </a:lnTo>
+                <a:lnTo>
+                  <a:pt x="14801" y="3322"/>
+                </a:lnTo>
+                <a:lnTo>
+                  <a:pt x="14556" y="3102"/>
+                </a:lnTo>
+                <a:lnTo>
+                  <a:pt x="14312" y="2882"/>
+                </a:lnTo>
+                <a:lnTo>
+                  <a:pt x="14044" y="2663"/>
+                </a:lnTo>
+                <a:lnTo>
+                  <a:pt x="13750" y="2467"/>
+                </a:lnTo>
+                <a:lnTo>
+                  <a:pt x="13457" y="2272"/>
+                </a:lnTo>
+                <a:lnTo>
+                  <a:pt x="13164" y="2101"/>
+                </a:lnTo>
+                <a:lnTo>
+                  <a:pt x="12847" y="1930"/>
+                </a:lnTo>
+                <a:lnTo>
+                  <a:pt x="12529" y="1783"/>
+                </a:lnTo>
+                <a:lnTo>
+                  <a:pt x="12212" y="1637"/>
+                </a:lnTo>
+                <a:lnTo>
+                  <a:pt x="11870" y="1515"/>
+                </a:lnTo>
+                <a:lnTo>
+                  <a:pt x="11528" y="1393"/>
+                </a:lnTo>
+                <a:lnTo>
+                  <a:pt x="11162" y="1295"/>
+                </a:lnTo>
+                <a:lnTo>
+                  <a:pt x="10795" y="1222"/>
+                </a:lnTo>
+                <a:lnTo>
+                  <a:pt x="10429" y="1148"/>
+                </a:lnTo>
+                <a:lnTo>
+                  <a:pt x="10063" y="1099"/>
+                </a:lnTo>
+                <a:lnTo>
+                  <a:pt x="9672" y="1051"/>
+                </a:lnTo>
+                <a:lnTo>
+                  <a:pt x="9281" y="1026"/>
+                </a:lnTo>
+                <a:lnTo>
+                  <a:pt x="8353" y="1026"/>
+                </a:lnTo>
+                <a:lnTo>
+                  <a:pt x="7816" y="1075"/>
+                </a:lnTo>
+                <a:lnTo>
+                  <a:pt x="7278" y="1148"/>
+                </a:lnTo>
+                <a:lnTo>
+                  <a:pt x="6765" y="1270"/>
+                </a:lnTo>
+                <a:lnTo>
+                  <a:pt x="6619" y="1051"/>
+                </a:lnTo>
+                <a:lnTo>
+                  <a:pt x="6472" y="880"/>
+                </a:lnTo>
+                <a:lnTo>
+                  <a:pt x="6301" y="709"/>
+                </a:lnTo>
+                <a:lnTo>
+                  <a:pt x="6155" y="562"/>
+                </a:lnTo>
+                <a:lnTo>
+                  <a:pt x="5984" y="440"/>
+                </a:lnTo>
+                <a:lnTo>
+                  <a:pt x="5837" y="342"/>
+                </a:lnTo>
+                <a:lnTo>
+                  <a:pt x="5520" y="196"/>
+                </a:lnTo>
+                <a:lnTo>
+                  <a:pt x="5251" y="98"/>
+                </a:lnTo>
+                <a:lnTo>
+                  <a:pt x="5031" y="49"/>
+                </a:lnTo>
+                <a:lnTo>
+                  <a:pt x="4836" y="0"/>
+                </a:lnTo>
+                <a:close/>
+              </a:path>
+            </a:pathLst>
+          </a:custGeom>
+          <a:solidFill>
+            <a:schemeClr val="bg1"/>
+          </a:solidFill>
+          <a:ln>
+            <a:noFill/>
+          </a:ln>
+        </p:spPr>
+        <p:txBody>
+          <a:bodyPr wrap="square" lIns="91425" tIns="91425" rIns="91425" bIns="91425" anchor="ctr" anchorCtr="0">
+            <a:noAutofit/>
+          </a:bodyPr>
+          <a:lstStyle/>
+          <a:p>
+            <a:pPr marL="0" lvl="0" indent="0">
+              <a:spcBef>
+                <a:spcPts val="0"/>
+              </a:spcBef>
+              <a:buNone/>
+            </a:pPr>
+            <a:endParaRPr/>
+          </a:p>
+        </p:txBody>
+      </p:sp>
     </p:spTree>
   </p:cSld>
   <p:clrMapOvr>
@@ -15514,15 +17069,7 @@
           <a:p>
             <a:r>
               <a:rPr lang="en-US" sz="1100" dirty="0" smtClean="0"/>
-              <a:t>94 </a:t>
-            </a:r>
-            <a:r>
-              <a:rPr lang="en-US" sz="1100" dirty="0" smtClean="0"/>
-              <a:t>promotion IDs </a:t>
-            </a:r>
-            <a:r>
-              <a:rPr lang="en-US" sz="1100" dirty="0" smtClean="0"/>
-              <a:t>(92 in train, 4 in predict)</a:t>
+              <a:t>94 promotion IDs (92 in train, 4 in predict)</a:t>
             </a:r>
             <a:endParaRPr lang="en-SG" sz="1100" dirty="0"/>
           </a:p>
@@ -21453,15 +23000,6 @@
               </a:rPr>
               <a:t>odel selection</a:t>
             </a:r>
-            <a:endParaRPr lang="en" sz="900" dirty="0">
-              <a:solidFill>
-                <a:srgbClr val="434343"/>
-              </a:solidFill>
-              <a:latin typeface="Raleway Light"/>
-              <a:ea typeface="Raleway Light"/>
-              <a:cs typeface="Raleway Light"/>
-              <a:sym typeface="Raleway Light"/>
-            </a:endParaRPr>
           </a:p>
         </p:txBody>
       </p:sp>
@@ -21564,29 +23102,7 @@
                 <a:ea typeface="Raleway ExtraBold"/>
                 <a:cs typeface="Raleway ExtraBold"/>
               </a:rPr>
-              <a:t>&amp; </a:t>
-            </a:r>
-            <a:r>
-              <a:rPr lang="en-US" sz="1100" dirty="0">
-                <a:solidFill>
-                  <a:srgbClr val="434343"/>
-                </a:solidFill>
-                <a:latin typeface="Raleway ExtraBold"/>
-                <a:ea typeface="Raleway ExtraBold"/>
-                <a:cs typeface="Raleway ExtraBold"/>
-              </a:rPr>
-              <a:t>Discussion</a:t>
-            </a:r>
-            <a:r>
-              <a:rPr lang="en-US" sz="1100" dirty="0">
-                <a:solidFill>
-                  <a:srgbClr val="434343"/>
-                </a:solidFill>
-                <a:latin typeface="Raleway ExtraBold"/>
-                <a:ea typeface="Raleway ExtraBold"/>
-                <a:cs typeface="Raleway ExtraBold"/>
-              </a:rPr>
-              <a:t> </a:t>
+              <a:t>&amp; Discussion </a:t>
             </a:r>
             <a:endParaRPr lang="en" sz="1100" dirty="0">
               <a:solidFill>
@@ -23279,15 +24795,6 @@
               </a:rPr>
               <a:t>2</a:t>
             </a:r>
-            <a:endParaRPr lang="en" sz="7200" dirty="0">
-              <a:solidFill>
-                <a:srgbClr val="434343"/>
-              </a:solidFill>
-              <a:latin typeface="Raleway ExtraBold"/>
-              <a:ea typeface="Raleway ExtraBold"/>
-              <a:cs typeface="Raleway ExtraBold"/>
-              <a:sym typeface="Raleway ExtraBold"/>
-            </a:endParaRPr>
           </a:p>
         </p:txBody>
       </p:sp>
@@ -24462,28 +25969,6 @@
           </a:p>
         </p:txBody>
       </p:sp>
-      <p:graphicFrame>
-        <p:nvGraphicFramePr>
-          <p:cNvPr id="9" name="Diagram 8"/>
-          <p:cNvGraphicFramePr/>
-          <p:nvPr>
-            <p:extLst>
-              <p:ext uri="{D42A27DB-BD31-4B8C-83A1-F6EECF244321}">
-                <p14:modId xmlns:p14="http://schemas.microsoft.com/office/powerpoint/2010/main" val="4197905605"/>
-              </p:ext>
-            </p:extLst>
-          </p:nvPr>
-        </p:nvGraphicFramePr>
-        <p:xfrm>
-          <a:off x="827584" y="1088833"/>
-          <a:ext cx="7488832" cy="3240360"/>
-        </p:xfrm>
-        <a:graphic>
-          <a:graphicData uri="http://schemas.openxmlformats.org/drawingml/2006/diagram">
-            <dgm:relIds xmlns:dgm="http://schemas.openxmlformats.org/drawingml/2006/diagram" xmlns:r="http://schemas.openxmlformats.org/officeDocument/2006/relationships" r:dm="rId3" r:lo="rId4" r:qs="rId5" r:cs="rId6"/>
-          </a:graphicData>
-        </a:graphic>
-      </p:graphicFrame>
       <p:sp>
         <p:nvSpPr>
           <p:cNvPr id="6" name="Rectangle 5"/>
@@ -24537,876 +26022,52 @@
           </a:p>
         </p:txBody>
       </p:sp>
-      <p:sp>
-        <p:nvSpPr>
-          <p:cNvPr id="14" name="Shape 526"/>
-          <p:cNvSpPr/>
-          <p:nvPr/>
-        </p:nvSpPr>
-        <p:spPr>
-          <a:xfrm>
-            <a:off x="2570138" y="3286100"/>
-            <a:ext cx="504056" cy="576064"/>
-          </a:xfrm>
-          <a:custGeom>
-            <a:avLst/>
-            <a:gdLst/>
-            <a:ahLst/>
-            <a:cxnLst/>
-            <a:rect l="0" t="0" r="0" b="0"/>
-            <a:pathLst>
-              <a:path w="15290" h="16120" extrusionOk="0">
-                <a:moveTo>
-                  <a:pt x="7645" y="1"/>
-                </a:moveTo>
-                <a:lnTo>
-                  <a:pt x="7303" y="25"/>
-                </a:lnTo>
-                <a:lnTo>
-                  <a:pt x="7010" y="98"/>
-                </a:lnTo>
-                <a:lnTo>
-                  <a:pt x="6766" y="172"/>
-                </a:lnTo>
-                <a:lnTo>
-                  <a:pt x="6546" y="294"/>
-                </a:lnTo>
-                <a:lnTo>
-                  <a:pt x="6351" y="391"/>
-                </a:lnTo>
-                <a:lnTo>
-                  <a:pt x="6204" y="538"/>
-                </a:lnTo>
-                <a:lnTo>
-                  <a:pt x="6058" y="660"/>
-                </a:lnTo>
-                <a:lnTo>
-                  <a:pt x="5960" y="782"/>
-                </a:lnTo>
-                <a:lnTo>
-                  <a:pt x="5569" y="856"/>
-                </a:lnTo>
-                <a:lnTo>
-                  <a:pt x="5203" y="978"/>
-                </a:lnTo>
-                <a:lnTo>
-                  <a:pt x="4885" y="1149"/>
-                </a:lnTo>
-                <a:lnTo>
-                  <a:pt x="4617" y="1320"/>
-                </a:lnTo>
-                <a:lnTo>
-                  <a:pt x="4372" y="1539"/>
-                </a:lnTo>
-                <a:lnTo>
-                  <a:pt x="4177" y="1759"/>
-                </a:lnTo>
-                <a:lnTo>
-                  <a:pt x="4030" y="2028"/>
-                </a:lnTo>
-                <a:lnTo>
-                  <a:pt x="3908" y="2296"/>
-                </a:lnTo>
-                <a:lnTo>
-                  <a:pt x="3811" y="2565"/>
-                </a:lnTo>
-                <a:lnTo>
-                  <a:pt x="3737" y="2834"/>
-                </a:lnTo>
-                <a:lnTo>
-                  <a:pt x="3689" y="3127"/>
-                </a:lnTo>
-                <a:lnTo>
-                  <a:pt x="3640" y="3420"/>
-                </a:lnTo>
-                <a:lnTo>
-                  <a:pt x="3640" y="3713"/>
-                </a:lnTo>
-                <a:lnTo>
-                  <a:pt x="3640" y="3982"/>
-                </a:lnTo>
-                <a:lnTo>
-                  <a:pt x="3689" y="4495"/>
-                </a:lnTo>
-                <a:lnTo>
-                  <a:pt x="3689" y="4519"/>
-                </a:lnTo>
-                <a:lnTo>
-                  <a:pt x="3566" y="4568"/>
-                </a:lnTo>
-                <a:lnTo>
-                  <a:pt x="3469" y="4666"/>
-                </a:lnTo>
-                <a:lnTo>
-                  <a:pt x="3395" y="4812"/>
-                </a:lnTo>
-                <a:lnTo>
-                  <a:pt x="3322" y="4983"/>
-                </a:lnTo>
-                <a:lnTo>
-                  <a:pt x="3273" y="5178"/>
-                </a:lnTo>
-                <a:lnTo>
-                  <a:pt x="3249" y="5398"/>
-                </a:lnTo>
-                <a:lnTo>
-                  <a:pt x="3224" y="5642"/>
-                </a:lnTo>
-                <a:lnTo>
-                  <a:pt x="3249" y="5887"/>
-                </a:lnTo>
-                <a:lnTo>
-                  <a:pt x="3298" y="6155"/>
-                </a:lnTo>
-                <a:lnTo>
-                  <a:pt x="3347" y="6400"/>
-                </a:lnTo>
-                <a:lnTo>
-                  <a:pt x="3444" y="6619"/>
-                </a:lnTo>
-                <a:lnTo>
-                  <a:pt x="3542" y="6790"/>
-                </a:lnTo>
-                <a:lnTo>
-                  <a:pt x="3640" y="6961"/>
-                </a:lnTo>
-                <a:lnTo>
-                  <a:pt x="3762" y="7059"/>
-                </a:lnTo>
-                <a:lnTo>
-                  <a:pt x="3884" y="7132"/>
-                </a:lnTo>
-                <a:lnTo>
-                  <a:pt x="4030" y="7132"/>
-                </a:lnTo>
-                <a:lnTo>
-                  <a:pt x="4104" y="7108"/>
-                </a:lnTo>
-                <a:lnTo>
-                  <a:pt x="4275" y="7523"/>
-                </a:lnTo>
-                <a:lnTo>
-                  <a:pt x="4494" y="7889"/>
-                </a:lnTo>
-                <a:lnTo>
-                  <a:pt x="4714" y="8256"/>
-                </a:lnTo>
-                <a:lnTo>
-                  <a:pt x="4983" y="8598"/>
-                </a:lnTo>
-                <a:lnTo>
-                  <a:pt x="5252" y="8891"/>
-                </a:lnTo>
-                <a:lnTo>
-                  <a:pt x="5545" y="9159"/>
-                </a:lnTo>
-                <a:lnTo>
-                  <a:pt x="5862" y="9404"/>
-                </a:lnTo>
-                <a:lnTo>
-                  <a:pt x="6180" y="9623"/>
-                </a:lnTo>
-                <a:lnTo>
-                  <a:pt x="6180" y="10698"/>
-                </a:lnTo>
-                <a:lnTo>
-                  <a:pt x="5667" y="10747"/>
-                </a:lnTo>
-                <a:lnTo>
-                  <a:pt x="5081" y="10845"/>
-                </a:lnTo>
-                <a:lnTo>
-                  <a:pt x="4519" y="10967"/>
-                </a:lnTo>
-                <a:lnTo>
-                  <a:pt x="3957" y="11089"/>
-                </a:lnTo>
-                <a:lnTo>
-                  <a:pt x="3420" y="11260"/>
-                </a:lnTo>
-                <a:lnTo>
-                  <a:pt x="2931" y="11455"/>
-                </a:lnTo>
-                <a:lnTo>
-                  <a:pt x="2467" y="11675"/>
-                </a:lnTo>
-                <a:lnTo>
-                  <a:pt x="2028" y="11919"/>
-                </a:lnTo>
-                <a:lnTo>
-                  <a:pt x="1637" y="12188"/>
-                </a:lnTo>
-                <a:lnTo>
-                  <a:pt x="1271" y="12456"/>
-                </a:lnTo>
-                <a:lnTo>
-                  <a:pt x="953" y="12774"/>
-                </a:lnTo>
-                <a:lnTo>
-                  <a:pt x="684" y="13116"/>
-                </a:lnTo>
-                <a:lnTo>
-                  <a:pt x="440" y="13458"/>
-                </a:lnTo>
-                <a:lnTo>
-                  <a:pt x="269" y="13849"/>
-                </a:lnTo>
-                <a:lnTo>
-                  <a:pt x="123" y="14239"/>
-                </a:lnTo>
-                <a:lnTo>
-                  <a:pt x="49" y="14679"/>
-                </a:lnTo>
-                <a:lnTo>
-                  <a:pt x="1" y="15119"/>
-                </a:lnTo>
-                <a:lnTo>
-                  <a:pt x="49" y="15167"/>
-                </a:lnTo>
-                <a:lnTo>
-                  <a:pt x="245" y="15265"/>
-                </a:lnTo>
-                <a:lnTo>
-                  <a:pt x="416" y="15338"/>
-                </a:lnTo>
-                <a:lnTo>
-                  <a:pt x="636" y="15436"/>
-                </a:lnTo>
-                <a:lnTo>
-                  <a:pt x="904" y="15534"/>
-                </a:lnTo>
-                <a:lnTo>
-                  <a:pt x="1271" y="15607"/>
-                </a:lnTo>
-                <a:lnTo>
-                  <a:pt x="1710" y="15705"/>
-                </a:lnTo>
-                <a:lnTo>
-                  <a:pt x="2223" y="15802"/>
-                </a:lnTo>
-                <a:lnTo>
-                  <a:pt x="2834" y="15876"/>
-                </a:lnTo>
-                <a:lnTo>
-                  <a:pt x="3566" y="15973"/>
-                </a:lnTo>
-                <a:lnTo>
-                  <a:pt x="4397" y="16022"/>
-                </a:lnTo>
-                <a:lnTo>
-                  <a:pt x="5325" y="16071"/>
-                </a:lnTo>
-                <a:lnTo>
-                  <a:pt x="6399" y="16096"/>
-                </a:lnTo>
-                <a:lnTo>
-                  <a:pt x="7621" y="16120"/>
-                </a:lnTo>
-                <a:lnTo>
-                  <a:pt x="8817" y="16096"/>
-                </a:lnTo>
-                <a:lnTo>
-                  <a:pt x="9892" y="16071"/>
-                </a:lnTo>
-                <a:lnTo>
-                  <a:pt x="10844" y="16022"/>
-                </a:lnTo>
-                <a:lnTo>
-                  <a:pt x="11675" y="15973"/>
-                </a:lnTo>
-                <a:lnTo>
-                  <a:pt x="12408" y="15876"/>
-                </a:lnTo>
-                <a:lnTo>
-                  <a:pt x="13018" y="15802"/>
-                </a:lnTo>
-                <a:lnTo>
-                  <a:pt x="13555" y="15705"/>
-                </a:lnTo>
-                <a:lnTo>
-                  <a:pt x="13995" y="15607"/>
-                </a:lnTo>
-                <a:lnTo>
-                  <a:pt x="14361" y="15534"/>
-                </a:lnTo>
-                <a:lnTo>
-                  <a:pt x="14654" y="15436"/>
-                </a:lnTo>
-                <a:lnTo>
-                  <a:pt x="14874" y="15338"/>
-                </a:lnTo>
-                <a:lnTo>
-                  <a:pt x="15045" y="15265"/>
-                </a:lnTo>
-                <a:lnTo>
-                  <a:pt x="15216" y="15167"/>
-                </a:lnTo>
-                <a:lnTo>
-                  <a:pt x="15289" y="15119"/>
-                </a:lnTo>
-                <a:lnTo>
-                  <a:pt x="15241" y="14655"/>
-                </a:lnTo>
-                <a:lnTo>
-                  <a:pt x="15167" y="14215"/>
-                </a:lnTo>
-                <a:lnTo>
-                  <a:pt x="15045" y="13800"/>
-                </a:lnTo>
-                <a:lnTo>
-                  <a:pt x="14874" y="13409"/>
-                </a:lnTo>
-                <a:lnTo>
-                  <a:pt x="14630" y="13043"/>
-                </a:lnTo>
-                <a:lnTo>
-                  <a:pt x="14361" y="12701"/>
-                </a:lnTo>
-                <a:lnTo>
-                  <a:pt x="14044" y="12408"/>
-                </a:lnTo>
-                <a:lnTo>
-                  <a:pt x="13678" y="12115"/>
-                </a:lnTo>
-                <a:lnTo>
-                  <a:pt x="13287" y="11846"/>
-                </a:lnTo>
-                <a:lnTo>
-                  <a:pt x="12847" y="11626"/>
-                </a:lnTo>
-                <a:lnTo>
-                  <a:pt x="12359" y="11406"/>
-                </a:lnTo>
-                <a:lnTo>
-                  <a:pt x="11846" y="11235"/>
-                </a:lnTo>
-                <a:lnTo>
-                  <a:pt x="11284" y="11064"/>
-                </a:lnTo>
-                <a:lnTo>
-                  <a:pt x="10698" y="10942"/>
-                </a:lnTo>
-                <a:lnTo>
-                  <a:pt x="10063" y="10820"/>
-                </a:lnTo>
-                <a:lnTo>
-                  <a:pt x="9428" y="10747"/>
-                </a:lnTo>
-                <a:lnTo>
-                  <a:pt x="9110" y="10722"/>
-                </a:lnTo>
-                <a:lnTo>
-                  <a:pt x="9110" y="9623"/>
-                </a:lnTo>
-                <a:lnTo>
-                  <a:pt x="9428" y="9404"/>
-                </a:lnTo>
-                <a:lnTo>
-                  <a:pt x="9745" y="9159"/>
-                </a:lnTo>
-                <a:lnTo>
-                  <a:pt x="10039" y="8891"/>
-                </a:lnTo>
-                <a:lnTo>
-                  <a:pt x="10332" y="8598"/>
-                </a:lnTo>
-                <a:lnTo>
-                  <a:pt x="10576" y="8256"/>
-                </a:lnTo>
-                <a:lnTo>
-                  <a:pt x="10796" y="7889"/>
-                </a:lnTo>
-                <a:lnTo>
-                  <a:pt x="11015" y="7523"/>
-                </a:lnTo>
-                <a:lnTo>
-                  <a:pt x="11186" y="7108"/>
-                </a:lnTo>
-                <a:lnTo>
-                  <a:pt x="11260" y="7132"/>
-                </a:lnTo>
-                <a:lnTo>
-                  <a:pt x="11406" y="7132"/>
-                </a:lnTo>
-                <a:lnTo>
-                  <a:pt x="11528" y="7059"/>
-                </a:lnTo>
-                <a:lnTo>
-                  <a:pt x="11650" y="6961"/>
-                </a:lnTo>
-                <a:lnTo>
-                  <a:pt x="11748" y="6790"/>
-                </a:lnTo>
-                <a:lnTo>
-                  <a:pt x="11846" y="6619"/>
-                </a:lnTo>
-                <a:lnTo>
-                  <a:pt x="11944" y="6400"/>
-                </a:lnTo>
-                <a:lnTo>
-                  <a:pt x="11992" y="6155"/>
-                </a:lnTo>
-                <a:lnTo>
-                  <a:pt x="12041" y="5887"/>
-                </a:lnTo>
-                <a:lnTo>
-                  <a:pt x="12066" y="5642"/>
-                </a:lnTo>
-                <a:lnTo>
-                  <a:pt x="12041" y="5398"/>
-                </a:lnTo>
-                <a:lnTo>
-                  <a:pt x="12017" y="5203"/>
-                </a:lnTo>
-                <a:lnTo>
-                  <a:pt x="11968" y="5007"/>
-                </a:lnTo>
-                <a:lnTo>
-                  <a:pt x="11919" y="4836"/>
-                </a:lnTo>
-                <a:lnTo>
-                  <a:pt x="11846" y="4690"/>
-                </a:lnTo>
-                <a:lnTo>
-                  <a:pt x="11748" y="4592"/>
-                </a:lnTo>
-                <a:lnTo>
-                  <a:pt x="11626" y="4519"/>
-                </a:lnTo>
-                <a:lnTo>
-                  <a:pt x="11699" y="4153"/>
-                </a:lnTo>
-                <a:lnTo>
-                  <a:pt x="11724" y="3811"/>
-                </a:lnTo>
-                <a:lnTo>
-                  <a:pt x="11724" y="3493"/>
-                </a:lnTo>
-                <a:lnTo>
-                  <a:pt x="11724" y="3200"/>
-                </a:lnTo>
-                <a:lnTo>
-                  <a:pt x="11699" y="2907"/>
-                </a:lnTo>
-                <a:lnTo>
-                  <a:pt x="11650" y="2638"/>
-                </a:lnTo>
-                <a:lnTo>
-                  <a:pt x="11577" y="2394"/>
-                </a:lnTo>
-                <a:lnTo>
-                  <a:pt x="11504" y="2150"/>
-                </a:lnTo>
-                <a:lnTo>
-                  <a:pt x="11406" y="1930"/>
-                </a:lnTo>
-                <a:lnTo>
-                  <a:pt x="11309" y="1710"/>
-                </a:lnTo>
-                <a:lnTo>
-                  <a:pt x="11186" y="1515"/>
-                </a:lnTo>
-                <a:lnTo>
-                  <a:pt x="11040" y="1344"/>
-                </a:lnTo>
-                <a:lnTo>
-                  <a:pt x="10893" y="1173"/>
-                </a:lnTo>
-                <a:lnTo>
-                  <a:pt x="10747" y="1026"/>
-                </a:lnTo>
-                <a:lnTo>
-                  <a:pt x="10429" y="758"/>
-                </a:lnTo>
-                <a:lnTo>
-                  <a:pt x="10063" y="562"/>
-                </a:lnTo>
-                <a:lnTo>
-                  <a:pt x="9697" y="367"/>
-                </a:lnTo>
-                <a:lnTo>
-                  <a:pt x="9330" y="245"/>
-                </a:lnTo>
-                <a:lnTo>
-                  <a:pt x="8964" y="147"/>
-                </a:lnTo>
-                <a:lnTo>
-                  <a:pt x="8598" y="74"/>
-                </a:lnTo>
-                <a:lnTo>
-                  <a:pt x="8256" y="25"/>
-                </a:lnTo>
-                <a:lnTo>
-                  <a:pt x="7938" y="1"/>
-                </a:lnTo>
-                <a:close/>
-              </a:path>
-            </a:pathLst>
-          </a:custGeom>
-          <a:solidFill>
-            <a:srgbClr val="FFB600"/>
-          </a:solidFill>
-          <a:ln>
-            <a:noFill/>
-          </a:ln>
-        </p:spPr>
-        <p:txBody>
-          <a:bodyPr wrap="square" lIns="91425" tIns="91425" rIns="91425" bIns="91425" anchor="ctr" anchorCtr="0">
-            <a:noAutofit/>
-          </a:bodyPr>
-          <a:lstStyle/>
-          <a:p>
-            <a:pPr marL="0" lvl="0" indent="0">
-              <a:spcBef>
-                <a:spcPts val="0"/>
-              </a:spcBef>
-              <a:buNone/>
-            </a:pPr>
-            <a:endParaRPr/>
-          </a:p>
-        </p:txBody>
-      </p:sp>
-      <p:sp>
-        <p:nvSpPr>
-          <p:cNvPr id="15" name="Shape 456"/>
-          <p:cNvSpPr/>
-          <p:nvPr/>
-        </p:nvSpPr>
-        <p:spPr>
-          <a:xfrm>
-            <a:off x="5102736" y="3372528"/>
-            <a:ext cx="487361" cy="489636"/>
-          </a:xfrm>
-          <a:custGeom>
-            <a:avLst/>
-            <a:gdLst/>
-            <a:ahLst/>
-            <a:cxnLst/>
-            <a:rect l="0" t="0" r="0" b="0"/>
-            <a:pathLst>
-              <a:path w="16756" h="16658" extrusionOk="0">
-                <a:moveTo>
-                  <a:pt x="13287" y="2565"/>
-                </a:moveTo>
-                <a:lnTo>
-                  <a:pt x="13482" y="2590"/>
-                </a:lnTo>
-                <a:lnTo>
-                  <a:pt x="13653" y="2663"/>
-                </a:lnTo>
-                <a:lnTo>
-                  <a:pt x="13800" y="2736"/>
-                </a:lnTo>
-                <a:lnTo>
-                  <a:pt x="13922" y="2858"/>
-                </a:lnTo>
-                <a:lnTo>
-                  <a:pt x="14069" y="3005"/>
-                </a:lnTo>
-                <a:lnTo>
-                  <a:pt x="14142" y="3176"/>
-                </a:lnTo>
-                <a:lnTo>
-                  <a:pt x="14191" y="3371"/>
-                </a:lnTo>
-                <a:lnTo>
-                  <a:pt x="14215" y="3567"/>
-                </a:lnTo>
-                <a:lnTo>
-                  <a:pt x="14191" y="3738"/>
-                </a:lnTo>
-                <a:lnTo>
-                  <a:pt x="14142" y="3884"/>
-                </a:lnTo>
-                <a:lnTo>
-                  <a:pt x="14069" y="4055"/>
-                </a:lnTo>
-                <a:lnTo>
-                  <a:pt x="13922" y="4202"/>
-                </a:lnTo>
-                <a:lnTo>
-                  <a:pt x="13800" y="4348"/>
-                </a:lnTo>
-                <a:lnTo>
-                  <a:pt x="13653" y="4446"/>
-                </a:lnTo>
-                <a:lnTo>
-                  <a:pt x="13482" y="4495"/>
-                </a:lnTo>
-                <a:lnTo>
-                  <a:pt x="13067" y="4495"/>
-                </a:lnTo>
-                <a:lnTo>
-                  <a:pt x="12896" y="4446"/>
-                </a:lnTo>
-                <a:lnTo>
-                  <a:pt x="12725" y="4348"/>
-                </a:lnTo>
-                <a:lnTo>
-                  <a:pt x="12554" y="4202"/>
-                </a:lnTo>
-                <a:lnTo>
-                  <a:pt x="12481" y="4055"/>
-                </a:lnTo>
-                <a:lnTo>
-                  <a:pt x="12408" y="3884"/>
-                </a:lnTo>
-                <a:lnTo>
-                  <a:pt x="12359" y="3738"/>
-                </a:lnTo>
-                <a:lnTo>
-                  <a:pt x="12359" y="3567"/>
-                </a:lnTo>
-                <a:lnTo>
-                  <a:pt x="12359" y="3371"/>
-                </a:lnTo>
-                <a:lnTo>
-                  <a:pt x="12408" y="3176"/>
-                </a:lnTo>
-                <a:lnTo>
-                  <a:pt x="12481" y="3005"/>
-                </a:lnTo>
-                <a:lnTo>
-                  <a:pt x="12554" y="2858"/>
-                </a:lnTo>
-                <a:lnTo>
-                  <a:pt x="12725" y="2736"/>
-                </a:lnTo>
-                <a:lnTo>
-                  <a:pt x="12896" y="2663"/>
-                </a:lnTo>
-                <a:lnTo>
-                  <a:pt x="13067" y="2590"/>
-                </a:lnTo>
-                <a:lnTo>
-                  <a:pt x="13287" y="2565"/>
-                </a:lnTo>
-                <a:close/>
-                <a:moveTo>
-                  <a:pt x="10845" y="1"/>
-                </a:moveTo>
-                <a:lnTo>
-                  <a:pt x="10527" y="25"/>
-                </a:lnTo>
-                <a:lnTo>
-                  <a:pt x="10210" y="74"/>
-                </a:lnTo>
-                <a:lnTo>
-                  <a:pt x="9868" y="172"/>
-                </a:lnTo>
-                <a:lnTo>
-                  <a:pt x="9477" y="318"/>
-                </a:lnTo>
-                <a:lnTo>
-                  <a:pt x="9184" y="489"/>
-                </a:lnTo>
-                <a:lnTo>
-                  <a:pt x="8891" y="660"/>
-                </a:lnTo>
-                <a:lnTo>
-                  <a:pt x="8622" y="831"/>
-                </a:lnTo>
-                <a:lnTo>
-                  <a:pt x="8525" y="953"/>
-                </a:lnTo>
-                <a:lnTo>
-                  <a:pt x="8427" y="1051"/>
-                </a:lnTo>
-                <a:lnTo>
-                  <a:pt x="416" y="8866"/>
-                </a:lnTo>
-                <a:lnTo>
-                  <a:pt x="270" y="9086"/>
-                </a:lnTo>
-                <a:lnTo>
-                  <a:pt x="123" y="9355"/>
-                </a:lnTo>
-                <a:lnTo>
-                  <a:pt x="25" y="9624"/>
-                </a:lnTo>
-                <a:lnTo>
-                  <a:pt x="1" y="9746"/>
-                </a:lnTo>
-                <a:lnTo>
-                  <a:pt x="1" y="9917"/>
-                </a:lnTo>
-                <a:lnTo>
-                  <a:pt x="1" y="10039"/>
-                </a:lnTo>
-                <a:lnTo>
-                  <a:pt x="25" y="10136"/>
-                </a:lnTo>
-                <a:lnTo>
-                  <a:pt x="123" y="10381"/>
-                </a:lnTo>
-                <a:lnTo>
-                  <a:pt x="270" y="10625"/>
-                </a:lnTo>
-                <a:lnTo>
-                  <a:pt x="416" y="10869"/>
-                </a:lnTo>
-                <a:lnTo>
-                  <a:pt x="5911" y="16242"/>
-                </a:lnTo>
-                <a:lnTo>
-                  <a:pt x="6009" y="16340"/>
-                </a:lnTo>
-                <a:lnTo>
-                  <a:pt x="6131" y="16438"/>
-                </a:lnTo>
-                <a:lnTo>
-                  <a:pt x="6253" y="16511"/>
-                </a:lnTo>
-                <a:lnTo>
-                  <a:pt x="6400" y="16560"/>
-                </a:lnTo>
-                <a:lnTo>
-                  <a:pt x="6522" y="16609"/>
-                </a:lnTo>
-                <a:lnTo>
-                  <a:pt x="6668" y="16633"/>
-                </a:lnTo>
-                <a:lnTo>
-                  <a:pt x="6961" y="16657"/>
-                </a:lnTo>
-                <a:lnTo>
-                  <a:pt x="7206" y="16633"/>
-                </a:lnTo>
-                <a:lnTo>
-                  <a:pt x="7474" y="16560"/>
-                </a:lnTo>
-                <a:lnTo>
-                  <a:pt x="7596" y="16511"/>
-                </a:lnTo>
-                <a:lnTo>
-                  <a:pt x="7719" y="16438"/>
-                </a:lnTo>
-                <a:lnTo>
-                  <a:pt x="7816" y="16340"/>
-                </a:lnTo>
-                <a:lnTo>
-                  <a:pt x="7914" y="16242"/>
-                </a:lnTo>
-                <a:lnTo>
-                  <a:pt x="15803" y="8427"/>
-                </a:lnTo>
-                <a:lnTo>
-                  <a:pt x="15974" y="8183"/>
-                </a:lnTo>
-                <a:lnTo>
-                  <a:pt x="16169" y="7938"/>
-                </a:lnTo>
-                <a:lnTo>
-                  <a:pt x="16242" y="7792"/>
-                </a:lnTo>
-                <a:lnTo>
-                  <a:pt x="16340" y="7645"/>
-                </a:lnTo>
-                <a:lnTo>
-                  <a:pt x="16389" y="7474"/>
-                </a:lnTo>
-                <a:lnTo>
-                  <a:pt x="16438" y="7279"/>
-                </a:lnTo>
-                <a:lnTo>
-                  <a:pt x="16584" y="6961"/>
-                </a:lnTo>
-                <a:lnTo>
-                  <a:pt x="16682" y="6644"/>
-                </a:lnTo>
-                <a:lnTo>
-                  <a:pt x="16731" y="6326"/>
-                </a:lnTo>
-                <a:lnTo>
-                  <a:pt x="16755" y="6009"/>
-                </a:lnTo>
-                <a:lnTo>
-                  <a:pt x="16755" y="1491"/>
-                </a:lnTo>
-                <a:lnTo>
-                  <a:pt x="16731" y="1173"/>
-                </a:lnTo>
-                <a:lnTo>
-                  <a:pt x="16706" y="1051"/>
-                </a:lnTo>
-                <a:lnTo>
-                  <a:pt x="16657" y="905"/>
-                </a:lnTo>
-                <a:lnTo>
-                  <a:pt x="16609" y="782"/>
-                </a:lnTo>
-                <a:lnTo>
-                  <a:pt x="16535" y="660"/>
-                </a:lnTo>
-                <a:lnTo>
-                  <a:pt x="16438" y="538"/>
-                </a:lnTo>
-                <a:lnTo>
-                  <a:pt x="16340" y="416"/>
-                </a:lnTo>
-                <a:lnTo>
-                  <a:pt x="16144" y="270"/>
-                </a:lnTo>
-                <a:lnTo>
-                  <a:pt x="15900" y="123"/>
-                </a:lnTo>
-                <a:lnTo>
-                  <a:pt x="15632" y="50"/>
-                </a:lnTo>
-                <a:lnTo>
-                  <a:pt x="15509" y="1"/>
-                </a:lnTo>
-                <a:close/>
-              </a:path>
-            </a:pathLst>
-          </a:custGeom>
-          <a:solidFill>
-            <a:srgbClr val="FFB600"/>
-          </a:solidFill>
-          <a:ln>
-            <a:noFill/>
-          </a:ln>
-        </p:spPr>
-        <p:txBody>
-          <a:bodyPr wrap="square" lIns="91425" tIns="91425" rIns="91425" bIns="91425" anchor="ctr" anchorCtr="0">
-            <a:noAutofit/>
-          </a:bodyPr>
-          <a:lstStyle/>
-          <a:p>
-            <a:pPr marL="0" lvl="0" indent="0">
-              <a:spcBef>
-                <a:spcPts val="0"/>
-              </a:spcBef>
-              <a:buNone/>
-            </a:pPr>
-            <a:endParaRPr/>
-          </a:p>
-        </p:txBody>
-      </p:sp>
       <p:grpSp>
         <p:nvGrpSpPr>
-          <p:cNvPr id="16" name="Shape 419"/>
+          <p:cNvPr id="11" name="Group 10"/>
           <p:cNvGrpSpPr/>
           <p:nvPr/>
         </p:nvGrpSpPr>
         <p:grpSpPr>
           <a:xfrm>
-            <a:off x="7690678" y="3339121"/>
-            <a:ext cx="537776" cy="470022"/>
-            <a:chOff x="5983625" y="301625"/>
-            <a:chExt cx="403000" cy="395050"/>
+            <a:off x="754432" y="1357275"/>
+            <a:ext cx="6481864" cy="3158691"/>
+            <a:chOff x="818986" y="1153998"/>
+            <a:chExt cx="7488832" cy="3361968"/>
           </a:xfrm>
         </p:grpSpPr>
+        <p:graphicFrame>
+          <p:nvGraphicFramePr>
+            <p:cNvPr id="9" name="Diagram 8"/>
+            <p:cNvGraphicFramePr/>
+            <p:nvPr>
+              <p:extLst>
+                <p:ext uri="{D42A27DB-BD31-4B8C-83A1-F6EECF244321}">
+                  <p14:modId xmlns:p14="http://schemas.microsoft.com/office/powerpoint/2010/main" val="2510211394"/>
+                </p:ext>
+              </p:extLst>
+            </p:nvPr>
+          </p:nvGraphicFramePr>
+          <p:xfrm>
+            <a:off x="818986" y="1275606"/>
+            <a:ext cx="7488832" cy="3240360"/>
+          </p:xfrm>
+          <a:graphic>
+            <a:graphicData uri="http://schemas.openxmlformats.org/drawingml/2006/diagram">
+              <dgm:relIds xmlns:dgm="http://schemas.openxmlformats.org/drawingml/2006/diagram" xmlns:r="http://schemas.openxmlformats.org/officeDocument/2006/relationships" r:dm="rId3" r:lo="rId4" r:qs="rId5" r:cs="rId6"/>
+            </a:graphicData>
+          </a:graphic>
+        </p:graphicFrame>
         <p:sp>
           <p:nvSpPr>
-            <p:cNvPr id="17" name="Shape 420"/>
+            <p:cNvPr id="14" name="Shape 526"/>
             <p:cNvSpPr/>
             <p:nvPr/>
           </p:nvSpPr>
           <p:spPr>
             <a:xfrm>
-              <a:off x="5983625" y="319925"/>
-              <a:ext cx="403000" cy="67200"/>
+              <a:off x="2561539" y="3419852"/>
+              <a:ext cx="504056" cy="576064"/>
             </a:xfrm>
             <a:custGeom>
               <a:avLst/>
@@ -25415,206 +26076,489 @@
               <a:cxnLst/>
               <a:rect l="0" t="0" r="0" b="0"/>
               <a:pathLst>
-                <a:path w="16120" h="2688" extrusionOk="0">
+                <a:path w="15290" h="16120" extrusionOk="0">
                   <a:moveTo>
-                    <a:pt x="3102" y="416"/>
+                    <a:pt x="7645" y="1"/>
                   </a:moveTo>
                   <a:lnTo>
-                    <a:pt x="3273" y="465"/>
-                  </a:lnTo>
-                  <a:lnTo>
-                    <a:pt x="3444" y="562"/>
-                  </a:lnTo>
-                  <a:lnTo>
-                    <a:pt x="3566" y="660"/>
-                  </a:lnTo>
-                  <a:lnTo>
-                    <a:pt x="3688" y="807"/>
-                  </a:lnTo>
-                  <a:lnTo>
-                    <a:pt x="3762" y="953"/>
-                  </a:lnTo>
-                  <a:lnTo>
-                    <a:pt x="3810" y="1124"/>
-                  </a:lnTo>
-                  <a:lnTo>
-                    <a:pt x="3835" y="1320"/>
-                  </a:lnTo>
-                  <a:lnTo>
-                    <a:pt x="3810" y="1491"/>
-                  </a:lnTo>
-                  <a:lnTo>
-                    <a:pt x="3762" y="1661"/>
-                  </a:lnTo>
-                  <a:lnTo>
-                    <a:pt x="3688" y="1808"/>
-                  </a:lnTo>
-                  <a:lnTo>
-                    <a:pt x="3566" y="1955"/>
-                  </a:lnTo>
-                  <a:lnTo>
-                    <a:pt x="3444" y="2052"/>
-                  </a:lnTo>
-                  <a:lnTo>
-                    <a:pt x="3273" y="2150"/>
-                  </a:lnTo>
-                  <a:lnTo>
-                    <a:pt x="3102" y="2199"/>
-                  </a:lnTo>
-                  <a:lnTo>
-                    <a:pt x="2931" y="2223"/>
-                  </a:lnTo>
-                  <a:lnTo>
-                    <a:pt x="2760" y="2199"/>
-                  </a:lnTo>
-                  <a:lnTo>
-                    <a:pt x="2589" y="2150"/>
-                  </a:lnTo>
-                  <a:lnTo>
-                    <a:pt x="2418" y="2052"/>
-                  </a:lnTo>
-                  <a:lnTo>
-                    <a:pt x="2296" y="1955"/>
-                  </a:lnTo>
-                  <a:lnTo>
-                    <a:pt x="2174" y="1808"/>
-                  </a:lnTo>
-                  <a:lnTo>
-                    <a:pt x="2101" y="1661"/>
-                  </a:lnTo>
-                  <a:lnTo>
-                    <a:pt x="2052" y="1491"/>
-                  </a:lnTo>
-                  <a:lnTo>
-                    <a:pt x="2028" y="1320"/>
-                  </a:lnTo>
-                  <a:lnTo>
-                    <a:pt x="2052" y="1124"/>
-                  </a:lnTo>
-                  <a:lnTo>
-                    <a:pt x="2101" y="953"/>
-                  </a:lnTo>
-                  <a:lnTo>
-                    <a:pt x="2174" y="807"/>
-                  </a:lnTo>
-                  <a:lnTo>
-                    <a:pt x="2296" y="660"/>
-                  </a:lnTo>
-                  <a:lnTo>
-                    <a:pt x="2418" y="562"/>
-                  </a:lnTo>
-                  <a:lnTo>
-                    <a:pt x="2589" y="465"/>
-                  </a:lnTo>
-                  <a:lnTo>
-                    <a:pt x="2760" y="416"/>
-                  </a:lnTo>
-                  <a:close/>
-                  <a:moveTo>
-                    <a:pt x="13360" y="416"/>
-                  </a:moveTo>
-                  <a:lnTo>
-                    <a:pt x="13531" y="465"/>
-                  </a:lnTo>
-                  <a:lnTo>
-                    <a:pt x="13702" y="562"/>
-                  </a:lnTo>
-                  <a:lnTo>
-                    <a:pt x="13824" y="660"/>
-                  </a:lnTo>
-                  <a:lnTo>
-                    <a:pt x="13946" y="807"/>
-                  </a:lnTo>
-                  <a:lnTo>
-                    <a:pt x="14019" y="953"/>
-                  </a:lnTo>
-                  <a:lnTo>
-                    <a:pt x="14068" y="1124"/>
-                  </a:lnTo>
-                  <a:lnTo>
-                    <a:pt x="14093" y="1320"/>
-                  </a:lnTo>
-                  <a:lnTo>
-                    <a:pt x="14068" y="1491"/>
-                  </a:lnTo>
-                  <a:lnTo>
-                    <a:pt x="14019" y="1661"/>
-                  </a:lnTo>
-                  <a:lnTo>
-                    <a:pt x="13946" y="1808"/>
-                  </a:lnTo>
-                  <a:lnTo>
-                    <a:pt x="13824" y="1955"/>
-                  </a:lnTo>
-                  <a:lnTo>
-                    <a:pt x="13702" y="2052"/>
-                  </a:lnTo>
-                  <a:lnTo>
-                    <a:pt x="13531" y="2150"/>
-                  </a:lnTo>
-                  <a:lnTo>
-                    <a:pt x="13360" y="2199"/>
-                  </a:lnTo>
-                  <a:lnTo>
-                    <a:pt x="13189" y="2223"/>
-                  </a:lnTo>
-                  <a:lnTo>
-                    <a:pt x="13018" y="2199"/>
-                  </a:lnTo>
-                  <a:lnTo>
-                    <a:pt x="12847" y="2150"/>
-                  </a:lnTo>
-                  <a:lnTo>
-                    <a:pt x="12676" y="2052"/>
-                  </a:lnTo>
-                  <a:lnTo>
-                    <a:pt x="12554" y="1955"/>
-                  </a:lnTo>
-                  <a:lnTo>
-                    <a:pt x="12432" y="1808"/>
-                  </a:lnTo>
-                  <a:lnTo>
-                    <a:pt x="12359" y="1661"/>
-                  </a:lnTo>
-                  <a:lnTo>
-                    <a:pt x="12310" y="1491"/>
-                  </a:lnTo>
-                  <a:lnTo>
-                    <a:pt x="12285" y="1320"/>
-                  </a:lnTo>
-                  <a:lnTo>
-                    <a:pt x="12310" y="1124"/>
-                  </a:lnTo>
-                  <a:lnTo>
-                    <a:pt x="12359" y="953"/>
-                  </a:lnTo>
-                  <a:lnTo>
-                    <a:pt x="12432" y="807"/>
-                  </a:lnTo>
-                  <a:lnTo>
-                    <a:pt x="12554" y="660"/>
-                  </a:lnTo>
-                  <a:lnTo>
-                    <a:pt x="12676" y="562"/>
-                  </a:lnTo>
-                  <a:lnTo>
-                    <a:pt x="12847" y="465"/>
-                  </a:lnTo>
-                  <a:lnTo>
-                    <a:pt x="13018" y="416"/>
-                  </a:lnTo>
-                  <a:close/>
-                  <a:moveTo>
-                    <a:pt x="0" y="1"/>
-                  </a:moveTo>
-                  <a:lnTo>
-                    <a:pt x="0" y="2687"/>
-                  </a:lnTo>
-                  <a:lnTo>
-                    <a:pt x="16120" y="2687"/>
-                  </a:lnTo>
-                  <a:lnTo>
-                    <a:pt x="16120" y="1"/>
+                    <a:pt x="7303" y="25"/>
+                  </a:lnTo>
+                  <a:lnTo>
+                    <a:pt x="7010" y="98"/>
+                  </a:lnTo>
+                  <a:lnTo>
+                    <a:pt x="6766" y="172"/>
+                  </a:lnTo>
+                  <a:lnTo>
+                    <a:pt x="6546" y="294"/>
+                  </a:lnTo>
+                  <a:lnTo>
+                    <a:pt x="6351" y="391"/>
+                  </a:lnTo>
+                  <a:lnTo>
+                    <a:pt x="6204" y="538"/>
+                  </a:lnTo>
+                  <a:lnTo>
+                    <a:pt x="6058" y="660"/>
+                  </a:lnTo>
+                  <a:lnTo>
+                    <a:pt x="5960" y="782"/>
+                  </a:lnTo>
+                  <a:lnTo>
+                    <a:pt x="5569" y="856"/>
+                  </a:lnTo>
+                  <a:lnTo>
+                    <a:pt x="5203" y="978"/>
+                  </a:lnTo>
+                  <a:lnTo>
+                    <a:pt x="4885" y="1149"/>
+                  </a:lnTo>
+                  <a:lnTo>
+                    <a:pt x="4617" y="1320"/>
+                  </a:lnTo>
+                  <a:lnTo>
+                    <a:pt x="4372" y="1539"/>
+                  </a:lnTo>
+                  <a:lnTo>
+                    <a:pt x="4177" y="1759"/>
+                  </a:lnTo>
+                  <a:lnTo>
+                    <a:pt x="4030" y="2028"/>
+                  </a:lnTo>
+                  <a:lnTo>
+                    <a:pt x="3908" y="2296"/>
+                  </a:lnTo>
+                  <a:lnTo>
+                    <a:pt x="3811" y="2565"/>
+                  </a:lnTo>
+                  <a:lnTo>
+                    <a:pt x="3737" y="2834"/>
+                  </a:lnTo>
+                  <a:lnTo>
+                    <a:pt x="3689" y="3127"/>
+                  </a:lnTo>
+                  <a:lnTo>
+                    <a:pt x="3640" y="3420"/>
+                  </a:lnTo>
+                  <a:lnTo>
+                    <a:pt x="3640" y="3713"/>
+                  </a:lnTo>
+                  <a:lnTo>
+                    <a:pt x="3640" y="3982"/>
+                  </a:lnTo>
+                  <a:lnTo>
+                    <a:pt x="3689" y="4495"/>
+                  </a:lnTo>
+                  <a:lnTo>
+                    <a:pt x="3689" y="4519"/>
+                  </a:lnTo>
+                  <a:lnTo>
+                    <a:pt x="3566" y="4568"/>
+                  </a:lnTo>
+                  <a:lnTo>
+                    <a:pt x="3469" y="4666"/>
+                  </a:lnTo>
+                  <a:lnTo>
+                    <a:pt x="3395" y="4812"/>
+                  </a:lnTo>
+                  <a:lnTo>
+                    <a:pt x="3322" y="4983"/>
+                  </a:lnTo>
+                  <a:lnTo>
+                    <a:pt x="3273" y="5178"/>
+                  </a:lnTo>
+                  <a:lnTo>
+                    <a:pt x="3249" y="5398"/>
+                  </a:lnTo>
+                  <a:lnTo>
+                    <a:pt x="3224" y="5642"/>
+                  </a:lnTo>
+                  <a:lnTo>
+                    <a:pt x="3249" y="5887"/>
+                  </a:lnTo>
+                  <a:lnTo>
+                    <a:pt x="3298" y="6155"/>
+                  </a:lnTo>
+                  <a:lnTo>
+                    <a:pt x="3347" y="6400"/>
+                  </a:lnTo>
+                  <a:lnTo>
+                    <a:pt x="3444" y="6619"/>
+                  </a:lnTo>
+                  <a:lnTo>
+                    <a:pt x="3542" y="6790"/>
+                  </a:lnTo>
+                  <a:lnTo>
+                    <a:pt x="3640" y="6961"/>
+                  </a:lnTo>
+                  <a:lnTo>
+                    <a:pt x="3762" y="7059"/>
+                  </a:lnTo>
+                  <a:lnTo>
+                    <a:pt x="3884" y="7132"/>
+                  </a:lnTo>
+                  <a:lnTo>
+                    <a:pt x="4030" y="7132"/>
+                  </a:lnTo>
+                  <a:lnTo>
+                    <a:pt x="4104" y="7108"/>
+                  </a:lnTo>
+                  <a:lnTo>
+                    <a:pt x="4275" y="7523"/>
+                  </a:lnTo>
+                  <a:lnTo>
+                    <a:pt x="4494" y="7889"/>
+                  </a:lnTo>
+                  <a:lnTo>
+                    <a:pt x="4714" y="8256"/>
+                  </a:lnTo>
+                  <a:lnTo>
+                    <a:pt x="4983" y="8598"/>
+                  </a:lnTo>
+                  <a:lnTo>
+                    <a:pt x="5252" y="8891"/>
+                  </a:lnTo>
+                  <a:lnTo>
+                    <a:pt x="5545" y="9159"/>
+                  </a:lnTo>
+                  <a:lnTo>
+                    <a:pt x="5862" y="9404"/>
+                  </a:lnTo>
+                  <a:lnTo>
+                    <a:pt x="6180" y="9623"/>
+                  </a:lnTo>
+                  <a:lnTo>
+                    <a:pt x="6180" y="10698"/>
+                  </a:lnTo>
+                  <a:lnTo>
+                    <a:pt x="5667" y="10747"/>
+                  </a:lnTo>
+                  <a:lnTo>
+                    <a:pt x="5081" y="10845"/>
+                  </a:lnTo>
+                  <a:lnTo>
+                    <a:pt x="4519" y="10967"/>
+                  </a:lnTo>
+                  <a:lnTo>
+                    <a:pt x="3957" y="11089"/>
+                  </a:lnTo>
+                  <a:lnTo>
+                    <a:pt x="3420" y="11260"/>
+                  </a:lnTo>
+                  <a:lnTo>
+                    <a:pt x="2931" y="11455"/>
+                  </a:lnTo>
+                  <a:lnTo>
+                    <a:pt x="2467" y="11675"/>
+                  </a:lnTo>
+                  <a:lnTo>
+                    <a:pt x="2028" y="11919"/>
+                  </a:lnTo>
+                  <a:lnTo>
+                    <a:pt x="1637" y="12188"/>
+                  </a:lnTo>
+                  <a:lnTo>
+                    <a:pt x="1271" y="12456"/>
+                  </a:lnTo>
+                  <a:lnTo>
+                    <a:pt x="953" y="12774"/>
+                  </a:lnTo>
+                  <a:lnTo>
+                    <a:pt x="684" y="13116"/>
+                  </a:lnTo>
+                  <a:lnTo>
+                    <a:pt x="440" y="13458"/>
+                  </a:lnTo>
+                  <a:lnTo>
+                    <a:pt x="269" y="13849"/>
+                  </a:lnTo>
+                  <a:lnTo>
+                    <a:pt x="123" y="14239"/>
+                  </a:lnTo>
+                  <a:lnTo>
+                    <a:pt x="49" y="14679"/>
+                  </a:lnTo>
+                  <a:lnTo>
+                    <a:pt x="1" y="15119"/>
+                  </a:lnTo>
+                  <a:lnTo>
+                    <a:pt x="49" y="15167"/>
+                  </a:lnTo>
+                  <a:lnTo>
+                    <a:pt x="245" y="15265"/>
+                  </a:lnTo>
+                  <a:lnTo>
+                    <a:pt x="416" y="15338"/>
+                  </a:lnTo>
+                  <a:lnTo>
+                    <a:pt x="636" y="15436"/>
+                  </a:lnTo>
+                  <a:lnTo>
+                    <a:pt x="904" y="15534"/>
+                  </a:lnTo>
+                  <a:lnTo>
+                    <a:pt x="1271" y="15607"/>
+                  </a:lnTo>
+                  <a:lnTo>
+                    <a:pt x="1710" y="15705"/>
+                  </a:lnTo>
+                  <a:lnTo>
+                    <a:pt x="2223" y="15802"/>
+                  </a:lnTo>
+                  <a:lnTo>
+                    <a:pt x="2834" y="15876"/>
+                  </a:lnTo>
+                  <a:lnTo>
+                    <a:pt x="3566" y="15973"/>
+                  </a:lnTo>
+                  <a:lnTo>
+                    <a:pt x="4397" y="16022"/>
+                  </a:lnTo>
+                  <a:lnTo>
+                    <a:pt x="5325" y="16071"/>
+                  </a:lnTo>
+                  <a:lnTo>
+                    <a:pt x="6399" y="16096"/>
+                  </a:lnTo>
+                  <a:lnTo>
+                    <a:pt x="7621" y="16120"/>
+                  </a:lnTo>
+                  <a:lnTo>
+                    <a:pt x="8817" y="16096"/>
+                  </a:lnTo>
+                  <a:lnTo>
+                    <a:pt x="9892" y="16071"/>
+                  </a:lnTo>
+                  <a:lnTo>
+                    <a:pt x="10844" y="16022"/>
+                  </a:lnTo>
+                  <a:lnTo>
+                    <a:pt x="11675" y="15973"/>
+                  </a:lnTo>
+                  <a:lnTo>
+                    <a:pt x="12408" y="15876"/>
+                  </a:lnTo>
+                  <a:lnTo>
+                    <a:pt x="13018" y="15802"/>
+                  </a:lnTo>
+                  <a:lnTo>
+                    <a:pt x="13555" y="15705"/>
+                  </a:lnTo>
+                  <a:lnTo>
+                    <a:pt x="13995" y="15607"/>
+                  </a:lnTo>
+                  <a:lnTo>
+                    <a:pt x="14361" y="15534"/>
+                  </a:lnTo>
+                  <a:lnTo>
+                    <a:pt x="14654" y="15436"/>
+                  </a:lnTo>
+                  <a:lnTo>
+                    <a:pt x="14874" y="15338"/>
+                  </a:lnTo>
+                  <a:lnTo>
+                    <a:pt x="15045" y="15265"/>
+                  </a:lnTo>
+                  <a:lnTo>
+                    <a:pt x="15216" y="15167"/>
+                  </a:lnTo>
+                  <a:lnTo>
+                    <a:pt x="15289" y="15119"/>
+                  </a:lnTo>
+                  <a:lnTo>
+                    <a:pt x="15241" y="14655"/>
+                  </a:lnTo>
+                  <a:lnTo>
+                    <a:pt x="15167" y="14215"/>
+                  </a:lnTo>
+                  <a:lnTo>
+                    <a:pt x="15045" y="13800"/>
+                  </a:lnTo>
+                  <a:lnTo>
+                    <a:pt x="14874" y="13409"/>
+                  </a:lnTo>
+                  <a:lnTo>
+                    <a:pt x="14630" y="13043"/>
+                  </a:lnTo>
+                  <a:lnTo>
+                    <a:pt x="14361" y="12701"/>
+                  </a:lnTo>
+                  <a:lnTo>
+                    <a:pt x="14044" y="12408"/>
+                  </a:lnTo>
+                  <a:lnTo>
+                    <a:pt x="13678" y="12115"/>
+                  </a:lnTo>
+                  <a:lnTo>
+                    <a:pt x="13287" y="11846"/>
+                  </a:lnTo>
+                  <a:lnTo>
+                    <a:pt x="12847" y="11626"/>
+                  </a:lnTo>
+                  <a:lnTo>
+                    <a:pt x="12359" y="11406"/>
+                  </a:lnTo>
+                  <a:lnTo>
+                    <a:pt x="11846" y="11235"/>
+                  </a:lnTo>
+                  <a:lnTo>
+                    <a:pt x="11284" y="11064"/>
+                  </a:lnTo>
+                  <a:lnTo>
+                    <a:pt x="10698" y="10942"/>
+                  </a:lnTo>
+                  <a:lnTo>
+                    <a:pt x="10063" y="10820"/>
+                  </a:lnTo>
+                  <a:lnTo>
+                    <a:pt x="9428" y="10747"/>
+                  </a:lnTo>
+                  <a:lnTo>
+                    <a:pt x="9110" y="10722"/>
+                  </a:lnTo>
+                  <a:lnTo>
+                    <a:pt x="9110" y="9623"/>
+                  </a:lnTo>
+                  <a:lnTo>
+                    <a:pt x="9428" y="9404"/>
+                  </a:lnTo>
+                  <a:lnTo>
+                    <a:pt x="9745" y="9159"/>
+                  </a:lnTo>
+                  <a:lnTo>
+                    <a:pt x="10039" y="8891"/>
+                  </a:lnTo>
+                  <a:lnTo>
+                    <a:pt x="10332" y="8598"/>
+                  </a:lnTo>
+                  <a:lnTo>
+                    <a:pt x="10576" y="8256"/>
+                  </a:lnTo>
+                  <a:lnTo>
+                    <a:pt x="10796" y="7889"/>
+                  </a:lnTo>
+                  <a:lnTo>
+                    <a:pt x="11015" y="7523"/>
+                  </a:lnTo>
+                  <a:lnTo>
+                    <a:pt x="11186" y="7108"/>
+                  </a:lnTo>
+                  <a:lnTo>
+                    <a:pt x="11260" y="7132"/>
+                  </a:lnTo>
+                  <a:lnTo>
+                    <a:pt x="11406" y="7132"/>
+                  </a:lnTo>
+                  <a:lnTo>
+                    <a:pt x="11528" y="7059"/>
+                  </a:lnTo>
+                  <a:lnTo>
+                    <a:pt x="11650" y="6961"/>
+                  </a:lnTo>
+                  <a:lnTo>
+                    <a:pt x="11748" y="6790"/>
+                  </a:lnTo>
+                  <a:lnTo>
+                    <a:pt x="11846" y="6619"/>
+                  </a:lnTo>
+                  <a:lnTo>
+                    <a:pt x="11944" y="6400"/>
+                  </a:lnTo>
+                  <a:lnTo>
+                    <a:pt x="11992" y="6155"/>
+                  </a:lnTo>
+                  <a:lnTo>
+                    <a:pt x="12041" y="5887"/>
+                  </a:lnTo>
+                  <a:lnTo>
+                    <a:pt x="12066" y="5642"/>
+                  </a:lnTo>
+                  <a:lnTo>
+                    <a:pt x="12041" y="5398"/>
+                  </a:lnTo>
+                  <a:lnTo>
+                    <a:pt x="12017" y="5203"/>
+                  </a:lnTo>
+                  <a:lnTo>
+                    <a:pt x="11968" y="5007"/>
+                  </a:lnTo>
+                  <a:lnTo>
+                    <a:pt x="11919" y="4836"/>
+                  </a:lnTo>
+                  <a:lnTo>
+                    <a:pt x="11846" y="4690"/>
+                  </a:lnTo>
+                  <a:lnTo>
+                    <a:pt x="11748" y="4592"/>
+                  </a:lnTo>
+                  <a:lnTo>
+                    <a:pt x="11626" y="4519"/>
+                  </a:lnTo>
+                  <a:lnTo>
+                    <a:pt x="11699" y="4153"/>
+                  </a:lnTo>
+                  <a:lnTo>
+                    <a:pt x="11724" y="3811"/>
+                  </a:lnTo>
+                  <a:lnTo>
+                    <a:pt x="11724" y="3493"/>
+                  </a:lnTo>
+                  <a:lnTo>
+                    <a:pt x="11724" y="3200"/>
+                  </a:lnTo>
+                  <a:lnTo>
+                    <a:pt x="11699" y="2907"/>
+                  </a:lnTo>
+                  <a:lnTo>
+                    <a:pt x="11650" y="2638"/>
+                  </a:lnTo>
+                  <a:lnTo>
+                    <a:pt x="11577" y="2394"/>
+                  </a:lnTo>
+                  <a:lnTo>
+                    <a:pt x="11504" y="2150"/>
+                  </a:lnTo>
+                  <a:lnTo>
+                    <a:pt x="11406" y="1930"/>
+                  </a:lnTo>
+                  <a:lnTo>
+                    <a:pt x="11309" y="1710"/>
+                  </a:lnTo>
+                  <a:lnTo>
+                    <a:pt x="11186" y="1515"/>
+                  </a:lnTo>
+                  <a:lnTo>
+                    <a:pt x="11040" y="1344"/>
+                  </a:lnTo>
+                  <a:lnTo>
+                    <a:pt x="10893" y="1173"/>
+                  </a:lnTo>
+                  <a:lnTo>
+                    <a:pt x="10747" y="1026"/>
+                  </a:lnTo>
+                  <a:lnTo>
+                    <a:pt x="10429" y="758"/>
+                  </a:lnTo>
+                  <a:lnTo>
+                    <a:pt x="10063" y="562"/>
+                  </a:lnTo>
+                  <a:lnTo>
+                    <a:pt x="9697" y="367"/>
+                  </a:lnTo>
+                  <a:lnTo>
+                    <a:pt x="9330" y="245"/>
+                  </a:lnTo>
+                  <a:lnTo>
+                    <a:pt x="8964" y="147"/>
+                  </a:lnTo>
+                  <a:lnTo>
+                    <a:pt x="8598" y="74"/>
+                  </a:lnTo>
+                  <a:lnTo>
+                    <a:pt x="8256" y="25"/>
+                  </a:lnTo>
+                  <a:lnTo>
+                    <a:pt x="7938" y="1"/>
                   </a:lnTo>
                   <a:close/>
                 </a:path>
@@ -25645,14 +26589,14 @@
         </p:sp>
         <p:sp>
           <p:nvSpPr>
-            <p:cNvPr id="18" name="Shape 421"/>
+            <p:cNvPr id="15" name="Shape 456"/>
             <p:cNvSpPr/>
             <p:nvPr/>
           </p:nvSpPr>
           <p:spPr>
             <a:xfrm>
-              <a:off x="5983625" y="664900"/>
-              <a:ext cx="403000" cy="31775"/>
+              <a:off x="5094138" y="3505661"/>
+              <a:ext cx="487361" cy="489636"/>
             </a:xfrm>
             <a:custGeom>
               <a:avLst/>
@@ -25661,105 +26605,277 @@
               <a:cxnLst/>
               <a:rect l="0" t="0" r="0" b="0"/>
               <a:pathLst>
-                <a:path w="16120" h="1271" extrusionOk="0">
+                <a:path w="16756" h="16658" extrusionOk="0">
                   <a:moveTo>
-                    <a:pt x="0" y="1"/>
+                    <a:pt x="13287" y="2565"/>
                   </a:moveTo>
                   <a:lnTo>
-                    <a:pt x="0" y="489"/>
-                  </a:lnTo>
-                  <a:lnTo>
-                    <a:pt x="25" y="660"/>
-                  </a:lnTo>
-                  <a:lnTo>
-                    <a:pt x="74" y="807"/>
-                  </a:lnTo>
-                  <a:lnTo>
-                    <a:pt x="147" y="929"/>
-                  </a:lnTo>
-                  <a:lnTo>
-                    <a:pt x="220" y="1051"/>
-                  </a:lnTo>
-                  <a:lnTo>
-                    <a:pt x="342" y="1149"/>
-                  </a:lnTo>
-                  <a:lnTo>
-                    <a:pt x="489" y="1222"/>
-                  </a:lnTo>
-                  <a:lnTo>
-                    <a:pt x="635" y="1271"/>
-                  </a:lnTo>
-                  <a:lnTo>
-                    <a:pt x="15485" y="1271"/>
-                  </a:lnTo>
-                  <a:lnTo>
-                    <a:pt x="15631" y="1222"/>
-                  </a:lnTo>
-                  <a:lnTo>
-                    <a:pt x="15778" y="1149"/>
-                  </a:lnTo>
-                  <a:lnTo>
-                    <a:pt x="15900" y="1051"/>
-                  </a:lnTo>
-                  <a:lnTo>
-                    <a:pt x="15973" y="929"/>
-                  </a:lnTo>
-                  <a:lnTo>
-                    <a:pt x="16046" y="807"/>
-                  </a:lnTo>
-                  <a:lnTo>
-                    <a:pt x="16095" y="660"/>
-                  </a:lnTo>
-                  <a:lnTo>
-                    <a:pt x="16120" y="489"/>
-                  </a:lnTo>
-                  <a:lnTo>
-                    <a:pt x="16120" y="1"/>
-                  </a:lnTo>
-                  <a:lnTo>
-                    <a:pt x="16095" y="172"/>
-                  </a:lnTo>
-                  <a:lnTo>
-                    <a:pt x="16046" y="318"/>
-                  </a:lnTo>
-                  <a:lnTo>
-                    <a:pt x="15973" y="440"/>
-                  </a:lnTo>
-                  <a:lnTo>
-                    <a:pt x="15900" y="562"/>
-                  </a:lnTo>
-                  <a:lnTo>
-                    <a:pt x="15778" y="660"/>
-                  </a:lnTo>
-                  <a:lnTo>
-                    <a:pt x="15631" y="733"/>
-                  </a:lnTo>
-                  <a:lnTo>
-                    <a:pt x="15485" y="782"/>
-                  </a:lnTo>
-                  <a:lnTo>
-                    <a:pt x="635" y="782"/>
-                  </a:lnTo>
-                  <a:lnTo>
-                    <a:pt x="489" y="733"/>
-                  </a:lnTo>
-                  <a:lnTo>
-                    <a:pt x="342" y="660"/>
-                  </a:lnTo>
-                  <a:lnTo>
-                    <a:pt x="220" y="562"/>
-                  </a:lnTo>
-                  <a:lnTo>
-                    <a:pt x="147" y="440"/>
-                  </a:lnTo>
-                  <a:lnTo>
-                    <a:pt x="74" y="318"/>
-                  </a:lnTo>
-                  <a:lnTo>
-                    <a:pt x="25" y="172"/>
-                  </a:lnTo>
-                  <a:lnTo>
-                    <a:pt x="0" y="1"/>
+                    <a:pt x="13482" y="2590"/>
+                  </a:lnTo>
+                  <a:lnTo>
+                    <a:pt x="13653" y="2663"/>
+                  </a:lnTo>
+                  <a:lnTo>
+                    <a:pt x="13800" y="2736"/>
+                  </a:lnTo>
+                  <a:lnTo>
+                    <a:pt x="13922" y="2858"/>
+                  </a:lnTo>
+                  <a:lnTo>
+                    <a:pt x="14069" y="3005"/>
+                  </a:lnTo>
+                  <a:lnTo>
+                    <a:pt x="14142" y="3176"/>
+                  </a:lnTo>
+                  <a:lnTo>
+                    <a:pt x="14191" y="3371"/>
+                  </a:lnTo>
+                  <a:lnTo>
+                    <a:pt x="14215" y="3567"/>
+                  </a:lnTo>
+                  <a:lnTo>
+                    <a:pt x="14191" y="3738"/>
+                  </a:lnTo>
+                  <a:lnTo>
+                    <a:pt x="14142" y="3884"/>
+                  </a:lnTo>
+                  <a:lnTo>
+                    <a:pt x="14069" y="4055"/>
+                  </a:lnTo>
+                  <a:lnTo>
+                    <a:pt x="13922" y="4202"/>
+                  </a:lnTo>
+                  <a:lnTo>
+                    <a:pt x="13800" y="4348"/>
+                  </a:lnTo>
+                  <a:lnTo>
+                    <a:pt x="13653" y="4446"/>
+                  </a:lnTo>
+                  <a:lnTo>
+                    <a:pt x="13482" y="4495"/>
+                  </a:lnTo>
+                  <a:lnTo>
+                    <a:pt x="13067" y="4495"/>
+                  </a:lnTo>
+                  <a:lnTo>
+                    <a:pt x="12896" y="4446"/>
+                  </a:lnTo>
+                  <a:lnTo>
+                    <a:pt x="12725" y="4348"/>
+                  </a:lnTo>
+                  <a:lnTo>
+                    <a:pt x="12554" y="4202"/>
+                  </a:lnTo>
+                  <a:lnTo>
+                    <a:pt x="12481" y="4055"/>
+                  </a:lnTo>
+                  <a:lnTo>
+                    <a:pt x="12408" y="3884"/>
+                  </a:lnTo>
+                  <a:lnTo>
+                    <a:pt x="12359" y="3738"/>
+                  </a:lnTo>
+                  <a:lnTo>
+                    <a:pt x="12359" y="3567"/>
+                  </a:lnTo>
+                  <a:lnTo>
+                    <a:pt x="12359" y="3371"/>
+                  </a:lnTo>
+                  <a:lnTo>
+                    <a:pt x="12408" y="3176"/>
+                  </a:lnTo>
+                  <a:lnTo>
+                    <a:pt x="12481" y="3005"/>
+                  </a:lnTo>
+                  <a:lnTo>
+                    <a:pt x="12554" y="2858"/>
+                  </a:lnTo>
+                  <a:lnTo>
+                    <a:pt x="12725" y="2736"/>
+                  </a:lnTo>
+                  <a:lnTo>
+                    <a:pt x="12896" y="2663"/>
+                  </a:lnTo>
+                  <a:lnTo>
+                    <a:pt x="13067" y="2590"/>
+                  </a:lnTo>
+                  <a:lnTo>
+                    <a:pt x="13287" y="2565"/>
+                  </a:lnTo>
+                  <a:close/>
+                  <a:moveTo>
+                    <a:pt x="10845" y="1"/>
+                  </a:moveTo>
+                  <a:lnTo>
+                    <a:pt x="10527" y="25"/>
+                  </a:lnTo>
+                  <a:lnTo>
+                    <a:pt x="10210" y="74"/>
+                  </a:lnTo>
+                  <a:lnTo>
+                    <a:pt x="9868" y="172"/>
+                  </a:lnTo>
+                  <a:lnTo>
+                    <a:pt x="9477" y="318"/>
+                  </a:lnTo>
+                  <a:lnTo>
+                    <a:pt x="9184" y="489"/>
+                  </a:lnTo>
+                  <a:lnTo>
+                    <a:pt x="8891" y="660"/>
+                  </a:lnTo>
+                  <a:lnTo>
+                    <a:pt x="8622" y="831"/>
+                  </a:lnTo>
+                  <a:lnTo>
+                    <a:pt x="8525" y="953"/>
+                  </a:lnTo>
+                  <a:lnTo>
+                    <a:pt x="8427" y="1051"/>
+                  </a:lnTo>
+                  <a:lnTo>
+                    <a:pt x="416" y="8866"/>
+                  </a:lnTo>
+                  <a:lnTo>
+                    <a:pt x="270" y="9086"/>
+                  </a:lnTo>
+                  <a:lnTo>
+                    <a:pt x="123" y="9355"/>
+                  </a:lnTo>
+                  <a:lnTo>
+                    <a:pt x="25" y="9624"/>
+                  </a:lnTo>
+                  <a:lnTo>
+                    <a:pt x="1" y="9746"/>
+                  </a:lnTo>
+                  <a:lnTo>
+                    <a:pt x="1" y="9917"/>
+                  </a:lnTo>
+                  <a:lnTo>
+                    <a:pt x="1" y="10039"/>
+                  </a:lnTo>
+                  <a:lnTo>
+                    <a:pt x="25" y="10136"/>
+                  </a:lnTo>
+                  <a:lnTo>
+                    <a:pt x="123" y="10381"/>
+                  </a:lnTo>
+                  <a:lnTo>
+                    <a:pt x="270" y="10625"/>
+                  </a:lnTo>
+                  <a:lnTo>
+                    <a:pt x="416" y="10869"/>
+                  </a:lnTo>
+                  <a:lnTo>
+                    <a:pt x="5911" y="16242"/>
+                  </a:lnTo>
+                  <a:lnTo>
+                    <a:pt x="6009" y="16340"/>
+                  </a:lnTo>
+                  <a:lnTo>
+                    <a:pt x="6131" y="16438"/>
+                  </a:lnTo>
+                  <a:lnTo>
+                    <a:pt x="6253" y="16511"/>
+                  </a:lnTo>
+                  <a:lnTo>
+                    <a:pt x="6400" y="16560"/>
+                  </a:lnTo>
+                  <a:lnTo>
+                    <a:pt x="6522" y="16609"/>
+                  </a:lnTo>
+                  <a:lnTo>
+                    <a:pt x="6668" y="16633"/>
+                  </a:lnTo>
+                  <a:lnTo>
+                    <a:pt x="6961" y="16657"/>
+                  </a:lnTo>
+                  <a:lnTo>
+                    <a:pt x="7206" y="16633"/>
+                  </a:lnTo>
+                  <a:lnTo>
+                    <a:pt x="7474" y="16560"/>
+                  </a:lnTo>
+                  <a:lnTo>
+                    <a:pt x="7596" y="16511"/>
+                  </a:lnTo>
+                  <a:lnTo>
+                    <a:pt x="7719" y="16438"/>
+                  </a:lnTo>
+                  <a:lnTo>
+                    <a:pt x="7816" y="16340"/>
+                  </a:lnTo>
+                  <a:lnTo>
+                    <a:pt x="7914" y="16242"/>
+                  </a:lnTo>
+                  <a:lnTo>
+                    <a:pt x="15803" y="8427"/>
+                  </a:lnTo>
+                  <a:lnTo>
+                    <a:pt x="15974" y="8183"/>
+                  </a:lnTo>
+                  <a:lnTo>
+                    <a:pt x="16169" y="7938"/>
+                  </a:lnTo>
+                  <a:lnTo>
+                    <a:pt x="16242" y="7792"/>
+                  </a:lnTo>
+                  <a:lnTo>
+                    <a:pt x="16340" y="7645"/>
+                  </a:lnTo>
+                  <a:lnTo>
+                    <a:pt x="16389" y="7474"/>
+                  </a:lnTo>
+                  <a:lnTo>
+                    <a:pt x="16438" y="7279"/>
+                  </a:lnTo>
+                  <a:lnTo>
+                    <a:pt x="16584" y="6961"/>
+                  </a:lnTo>
+                  <a:lnTo>
+                    <a:pt x="16682" y="6644"/>
+                  </a:lnTo>
+                  <a:lnTo>
+                    <a:pt x="16731" y="6326"/>
+                  </a:lnTo>
+                  <a:lnTo>
+                    <a:pt x="16755" y="6009"/>
+                  </a:lnTo>
+                  <a:lnTo>
+                    <a:pt x="16755" y="1491"/>
+                  </a:lnTo>
+                  <a:lnTo>
+                    <a:pt x="16731" y="1173"/>
+                  </a:lnTo>
+                  <a:lnTo>
+                    <a:pt x="16706" y="1051"/>
+                  </a:lnTo>
+                  <a:lnTo>
+                    <a:pt x="16657" y="905"/>
+                  </a:lnTo>
+                  <a:lnTo>
+                    <a:pt x="16609" y="782"/>
+                  </a:lnTo>
+                  <a:lnTo>
+                    <a:pt x="16535" y="660"/>
+                  </a:lnTo>
+                  <a:lnTo>
+                    <a:pt x="16438" y="538"/>
+                  </a:lnTo>
+                  <a:lnTo>
+                    <a:pt x="16340" y="416"/>
+                  </a:lnTo>
+                  <a:lnTo>
+                    <a:pt x="16144" y="270"/>
+                  </a:lnTo>
+                  <a:lnTo>
+                    <a:pt x="15900" y="123"/>
+                  </a:lnTo>
+                  <a:lnTo>
+                    <a:pt x="15632" y="50"/>
+                  </a:lnTo>
+                  <a:lnTo>
+                    <a:pt x="15509" y="1"/>
                   </a:lnTo>
                   <a:close/>
                 </a:path>
@@ -25788,1316 +26904,1918 @@
             </a:p>
           </p:txBody>
         </p:sp>
+        <p:grpSp>
+          <p:nvGrpSpPr>
+            <p:cNvPr id="16" name="Shape 419"/>
+            <p:cNvGrpSpPr/>
+            <p:nvPr/>
+          </p:nvGrpSpPr>
+          <p:grpSpPr>
+            <a:xfrm>
+              <a:off x="7682080" y="3525894"/>
+              <a:ext cx="537776" cy="470022"/>
+              <a:chOff x="5983625" y="301625"/>
+              <a:chExt cx="403000" cy="395050"/>
+            </a:xfrm>
+          </p:grpSpPr>
+          <p:sp>
+            <p:nvSpPr>
+              <p:cNvPr id="17" name="Shape 420"/>
+              <p:cNvSpPr/>
+              <p:nvPr/>
+            </p:nvSpPr>
+            <p:spPr>
+              <a:xfrm>
+                <a:off x="5983625" y="319925"/>
+                <a:ext cx="403000" cy="67200"/>
+              </a:xfrm>
+              <a:custGeom>
+                <a:avLst/>
+                <a:gdLst/>
+                <a:ahLst/>
+                <a:cxnLst/>
+                <a:rect l="0" t="0" r="0" b="0"/>
+                <a:pathLst>
+                  <a:path w="16120" h="2688" extrusionOk="0">
+                    <a:moveTo>
+                      <a:pt x="3102" y="416"/>
+                    </a:moveTo>
+                    <a:lnTo>
+                      <a:pt x="3273" y="465"/>
+                    </a:lnTo>
+                    <a:lnTo>
+                      <a:pt x="3444" y="562"/>
+                    </a:lnTo>
+                    <a:lnTo>
+                      <a:pt x="3566" y="660"/>
+                    </a:lnTo>
+                    <a:lnTo>
+                      <a:pt x="3688" y="807"/>
+                    </a:lnTo>
+                    <a:lnTo>
+                      <a:pt x="3762" y="953"/>
+                    </a:lnTo>
+                    <a:lnTo>
+                      <a:pt x="3810" y="1124"/>
+                    </a:lnTo>
+                    <a:lnTo>
+                      <a:pt x="3835" y="1320"/>
+                    </a:lnTo>
+                    <a:lnTo>
+                      <a:pt x="3810" y="1491"/>
+                    </a:lnTo>
+                    <a:lnTo>
+                      <a:pt x="3762" y="1661"/>
+                    </a:lnTo>
+                    <a:lnTo>
+                      <a:pt x="3688" y="1808"/>
+                    </a:lnTo>
+                    <a:lnTo>
+                      <a:pt x="3566" y="1955"/>
+                    </a:lnTo>
+                    <a:lnTo>
+                      <a:pt x="3444" y="2052"/>
+                    </a:lnTo>
+                    <a:lnTo>
+                      <a:pt x="3273" y="2150"/>
+                    </a:lnTo>
+                    <a:lnTo>
+                      <a:pt x="3102" y="2199"/>
+                    </a:lnTo>
+                    <a:lnTo>
+                      <a:pt x="2931" y="2223"/>
+                    </a:lnTo>
+                    <a:lnTo>
+                      <a:pt x="2760" y="2199"/>
+                    </a:lnTo>
+                    <a:lnTo>
+                      <a:pt x="2589" y="2150"/>
+                    </a:lnTo>
+                    <a:lnTo>
+                      <a:pt x="2418" y="2052"/>
+                    </a:lnTo>
+                    <a:lnTo>
+                      <a:pt x="2296" y="1955"/>
+                    </a:lnTo>
+                    <a:lnTo>
+                      <a:pt x="2174" y="1808"/>
+                    </a:lnTo>
+                    <a:lnTo>
+                      <a:pt x="2101" y="1661"/>
+                    </a:lnTo>
+                    <a:lnTo>
+                      <a:pt x="2052" y="1491"/>
+                    </a:lnTo>
+                    <a:lnTo>
+                      <a:pt x="2028" y="1320"/>
+                    </a:lnTo>
+                    <a:lnTo>
+                      <a:pt x="2052" y="1124"/>
+                    </a:lnTo>
+                    <a:lnTo>
+                      <a:pt x="2101" y="953"/>
+                    </a:lnTo>
+                    <a:lnTo>
+                      <a:pt x="2174" y="807"/>
+                    </a:lnTo>
+                    <a:lnTo>
+                      <a:pt x="2296" y="660"/>
+                    </a:lnTo>
+                    <a:lnTo>
+                      <a:pt x="2418" y="562"/>
+                    </a:lnTo>
+                    <a:lnTo>
+                      <a:pt x="2589" y="465"/>
+                    </a:lnTo>
+                    <a:lnTo>
+                      <a:pt x="2760" y="416"/>
+                    </a:lnTo>
+                    <a:close/>
+                    <a:moveTo>
+                      <a:pt x="13360" y="416"/>
+                    </a:moveTo>
+                    <a:lnTo>
+                      <a:pt x="13531" y="465"/>
+                    </a:lnTo>
+                    <a:lnTo>
+                      <a:pt x="13702" y="562"/>
+                    </a:lnTo>
+                    <a:lnTo>
+                      <a:pt x="13824" y="660"/>
+                    </a:lnTo>
+                    <a:lnTo>
+                      <a:pt x="13946" y="807"/>
+                    </a:lnTo>
+                    <a:lnTo>
+                      <a:pt x="14019" y="953"/>
+                    </a:lnTo>
+                    <a:lnTo>
+                      <a:pt x="14068" y="1124"/>
+                    </a:lnTo>
+                    <a:lnTo>
+                      <a:pt x="14093" y="1320"/>
+                    </a:lnTo>
+                    <a:lnTo>
+                      <a:pt x="14068" y="1491"/>
+                    </a:lnTo>
+                    <a:lnTo>
+                      <a:pt x="14019" y="1661"/>
+                    </a:lnTo>
+                    <a:lnTo>
+                      <a:pt x="13946" y="1808"/>
+                    </a:lnTo>
+                    <a:lnTo>
+                      <a:pt x="13824" y="1955"/>
+                    </a:lnTo>
+                    <a:lnTo>
+                      <a:pt x="13702" y="2052"/>
+                    </a:lnTo>
+                    <a:lnTo>
+                      <a:pt x="13531" y="2150"/>
+                    </a:lnTo>
+                    <a:lnTo>
+                      <a:pt x="13360" y="2199"/>
+                    </a:lnTo>
+                    <a:lnTo>
+                      <a:pt x="13189" y="2223"/>
+                    </a:lnTo>
+                    <a:lnTo>
+                      <a:pt x="13018" y="2199"/>
+                    </a:lnTo>
+                    <a:lnTo>
+                      <a:pt x="12847" y="2150"/>
+                    </a:lnTo>
+                    <a:lnTo>
+                      <a:pt x="12676" y="2052"/>
+                    </a:lnTo>
+                    <a:lnTo>
+                      <a:pt x="12554" y="1955"/>
+                    </a:lnTo>
+                    <a:lnTo>
+                      <a:pt x="12432" y="1808"/>
+                    </a:lnTo>
+                    <a:lnTo>
+                      <a:pt x="12359" y="1661"/>
+                    </a:lnTo>
+                    <a:lnTo>
+                      <a:pt x="12310" y="1491"/>
+                    </a:lnTo>
+                    <a:lnTo>
+                      <a:pt x="12285" y="1320"/>
+                    </a:lnTo>
+                    <a:lnTo>
+                      <a:pt x="12310" y="1124"/>
+                    </a:lnTo>
+                    <a:lnTo>
+                      <a:pt x="12359" y="953"/>
+                    </a:lnTo>
+                    <a:lnTo>
+                      <a:pt x="12432" y="807"/>
+                    </a:lnTo>
+                    <a:lnTo>
+                      <a:pt x="12554" y="660"/>
+                    </a:lnTo>
+                    <a:lnTo>
+                      <a:pt x="12676" y="562"/>
+                    </a:lnTo>
+                    <a:lnTo>
+                      <a:pt x="12847" y="465"/>
+                    </a:lnTo>
+                    <a:lnTo>
+                      <a:pt x="13018" y="416"/>
+                    </a:lnTo>
+                    <a:close/>
+                    <a:moveTo>
+                      <a:pt x="0" y="1"/>
+                    </a:moveTo>
+                    <a:lnTo>
+                      <a:pt x="0" y="2687"/>
+                    </a:lnTo>
+                    <a:lnTo>
+                      <a:pt x="16120" y="2687"/>
+                    </a:lnTo>
+                    <a:lnTo>
+                      <a:pt x="16120" y="1"/>
+                    </a:lnTo>
+                    <a:close/>
+                  </a:path>
+                </a:pathLst>
+              </a:custGeom>
+              <a:solidFill>
+                <a:srgbClr val="FFB600"/>
+              </a:solidFill>
+              <a:ln>
+                <a:noFill/>
+              </a:ln>
+            </p:spPr>
+            <p:txBody>
+              <a:bodyPr wrap="square" lIns="91425" tIns="91425" rIns="91425" bIns="91425" anchor="ctr" anchorCtr="0">
+                <a:noAutofit/>
+              </a:bodyPr>
+              <a:lstStyle/>
+              <a:p>
+                <a:pPr marL="0" lvl="0" indent="0">
+                  <a:spcBef>
+                    <a:spcPts val="0"/>
+                  </a:spcBef>
+                  <a:buNone/>
+                </a:pPr>
+                <a:endParaRPr/>
+              </a:p>
+            </p:txBody>
+          </p:sp>
+          <p:sp>
+            <p:nvSpPr>
+              <p:cNvPr id="18" name="Shape 421"/>
+              <p:cNvSpPr/>
+              <p:nvPr/>
+            </p:nvSpPr>
+            <p:spPr>
+              <a:xfrm>
+                <a:off x="5983625" y="664900"/>
+                <a:ext cx="403000" cy="31775"/>
+              </a:xfrm>
+              <a:custGeom>
+                <a:avLst/>
+                <a:gdLst/>
+                <a:ahLst/>
+                <a:cxnLst/>
+                <a:rect l="0" t="0" r="0" b="0"/>
+                <a:pathLst>
+                  <a:path w="16120" h="1271" extrusionOk="0">
+                    <a:moveTo>
+                      <a:pt x="0" y="1"/>
+                    </a:moveTo>
+                    <a:lnTo>
+                      <a:pt x="0" y="489"/>
+                    </a:lnTo>
+                    <a:lnTo>
+                      <a:pt x="25" y="660"/>
+                    </a:lnTo>
+                    <a:lnTo>
+                      <a:pt x="74" y="807"/>
+                    </a:lnTo>
+                    <a:lnTo>
+                      <a:pt x="147" y="929"/>
+                    </a:lnTo>
+                    <a:lnTo>
+                      <a:pt x="220" y="1051"/>
+                    </a:lnTo>
+                    <a:lnTo>
+                      <a:pt x="342" y="1149"/>
+                    </a:lnTo>
+                    <a:lnTo>
+                      <a:pt x="489" y="1222"/>
+                    </a:lnTo>
+                    <a:lnTo>
+                      <a:pt x="635" y="1271"/>
+                    </a:lnTo>
+                    <a:lnTo>
+                      <a:pt x="15485" y="1271"/>
+                    </a:lnTo>
+                    <a:lnTo>
+                      <a:pt x="15631" y="1222"/>
+                    </a:lnTo>
+                    <a:lnTo>
+                      <a:pt x="15778" y="1149"/>
+                    </a:lnTo>
+                    <a:lnTo>
+                      <a:pt x="15900" y="1051"/>
+                    </a:lnTo>
+                    <a:lnTo>
+                      <a:pt x="15973" y="929"/>
+                    </a:lnTo>
+                    <a:lnTo>
+                      <a:pt x="16046" y="807"/>
+                    </a:lnTo>
+                    <a:lnTo>
+                      <a:pt x="16095" y="660"/>
+                    </a:lnTo>
+                    <a:lnTo>
+                      <a:pt x="16120" y="489"/>
+                    </a:lnTo>
+                    <a:lnTo>
+                      <a:pt x="16120" y="1"/>
+                    </a:lnTo>
+                    <a:lnTo>
+                      <a:pt x="16095" y="172"/>
+                    </a:lnTo>
+                    <a:lnTo>
+                      <a:pt x="16046" y="318"/>
+                    </a:lnTo>
+                    <a:lnTo>
+                      <a:pt x="15973" y="440"/>
+                    </a:lnTo>
+                    <a:lnTo>
+                      <a:pt x="15900" y="562"/>
+                    </a:lnTo>
+                    <a:lnTo>
+                      <a:pt x="15778" y="660"/>
+                    </a:lnTo>
+                    <a:lnTo>
+                      <a:pt x="15631" y="733"/>
+                    </a:lnTo>
+                    <a:lnTo>
+                      <a:pt x="15485" y="782"/>
+                    </a:lnTo>
+                    <a:lnTo>
+                      <a:pt x="635" y="782"/>
+                    </a:lnTo>
+                    <a:lnTo>
+                      <a:pt x="489" y="733"/>
+                    </a:lnTo>
+                    <a:lnTo>
+                      <a:pt x="342" y="660"/>
+                    </a:lnTo>
+                    <a:lnTo>
+                      <a:pt x="220" y="562"/>
+                    </a:lnTo>
+                    <a:lnTo>
+                      <a:pt x="147" y="440"/>
+                    </a:lnTo>
+                    <a:lnTo>
+                      <a:pt x="74" y="318"/>
+                    </a:lnTo>
+                    <a:lnTo>
+                      <a:pt x="25" y="172"/>
+                    </a:lnTo>
+                    <a:lnTo>
+                      <a:pt x="0" y="1"/>
+                    </a:lnTo>
+                    <a:close/>
+                  </a:path>
+                </a:pathLst>
+              </a:custGeom>
+              <a:solidFill>
+                <a:srgbClr val="FFB600"/>
+              </a:solidFill>
+              <a:ln>
+                <a:noFill/>
+              </a:ln>
+            </p:spPr>
+            <p:txBody>
+              <a:bodyPr wrap="square" lIns="91425" tIns="91425" rIns="91425" bIns="91425" anchor="ctr" anchorCtr="0">
+                <a:noAutofit/>
+              </a:bodyPr>
+              <a:lstStyle/>
+              <a:p>
+                <a:pPr marL="0" lvl="0" indent="0">
+                  <a:spcBef>
+                    <a:spcPts val="0"/>
+                  </a:spcBef>
+                  <a:buNone/>
+                </a:pPr>
+                <a:endParaRPr/>
+              </a:p>
+            </p:txBody>
+          </p:sp>
+          <p:sp>
+            <p:nvSpPr>
+              <p:cNvPr id="19" name="Shape 422"/>
+              <p:cNvSpPr/>
+              <p:nvPr/>
+            </p:nvSpPr>
+            <p:spPr>
+              <a:xfrm>
+                <a:off x="6041025" y="301625"/>
+                <a:ext cx="29325" cy="63500"/>
+              </a:xfrm>
+              <a:custGeom>
+                <a:avLst/>
+                <a:gdLst/>
+                <a:ahLst/>
+                <a:cxnLst/>
+                <a:rect l="0" t="0" r="0" b="0"/>
+                <a:pathLst>
+                  <a:path w="1173" h="2540" extrusionOk="0">
+                    <a:moveTo>
+                      <a:pt x="391" y="0"/>
+                    </a:moveTo>
+                    <a:lnTo>
+                      <a:pt x="293" y="49"/>
+                    </a:lnTo>
+                    <a:lnTo>
+                      <a:pt x="220" y="73"/>
+                    </a:lnTo>
+                    <a:lnTo>
+                      <a:pt x="147" y="147"/>
+                    </a:lnTo>
+                    <a:lnTo>
+                      <a:pt x="74" y="220"/>
+                    </a:lnTo>
+                    <a:lnTo>
+                      <a:pt x="49" y="293"/>
+                    </a:lnTo>
+                    <a:lnTo>
+                      <a:pt x="0" y="391"/>
+                    </a:lnTo>
+                    <a:lnTo>
+                      <a:pt x="0" y="488"/>
+                    </a:lnTo>
+                    <a:lnTo>
+                      <a:pt x="0" y="2052"/>
+                    </a:lnTo>
+                    <a:lnTo>
+                      <a:pt x="0" y="2149"/>
+                    </a:lnTo>
+                    <a:lnTo>
+                      <a:pt x="49" y="2247"/>
+                    </a:lnTo>
+                    <a:lnTo>
+                      <a:pt x="74" y="2320"/>
+                    </a:lnTo>
+                    <a:lnTo>
+                      <a:pt x="147" y="2393"/>
+                    </a:lnTo>
+                    <a:lnTo>
+                      <a:pt x="220" y="2467"/>
+                    </a:lnTo>
+                    <a:lnTo>
+                      <a:pt x="293" y="2491"/>
+                    </a:lnTo>
+                    <a:lnTo>
+                      <a:pt x="391" y="2540"/>
+                    </a:lnTo>
+                    <a:lnTo>
+                      <a:pt x="782" y="2540"/>
+                    </a:lnTo>
+                    <a:lnTo>
+                      <a:pt x="879" y="2491"/>
+                    </a:lnTo>
+                    <a:lnTo>
+                      <a:pt x="953" y="2467"/>
+                    </a:lnTo>
+                    <a:lnTo>
+                      <a:pt x="1026" y="2393"/>
+                    </a:lnTo>
+                    <a:lnTo>
+                      <a:pt x="1099" y="2320"/>
+                    </a:lnTo>
+                    <a:lnTo>
+                      <a:pt x="1124" y="2247"/>
+                    </a:lnTo>
+                    <a:lnTo>
+                      <a:pt x="1173" y="2149"/>
+                    </a:lnTo>
+                    <a:lnTo>
+                      <a:pt x="1173" y="2052"/>
+                    </a:lnTo>
+                    <a:lnTo>
+                      <a:pt x="1173" y="488"/>
+                    </a:lnTo>
+                    <a:lnTo>
+                      <a:pt x="1173" y="391"/>
+                    </a:lnTo>
+                    <a:lnTo>
+                      <a:pt x="1124" y="293"/>
+                    </a:lnTo>
+                    <a:lnTo>
+                      <a:pt x="1099" y="220"/>
+                    </a:lnTo>
+                    <a:lnTo>
+                      <a:pt x="1026" y="147"/>
+                    </a:lnTo>
+                    <a:lnTo>
+                      <a:pt x="953" y="73"/>
+                    </a:lnTo>
+                    <a:lnTo>
+                      <a:pt x="879" y="49"/>
+                    </a:lnTo>
+                    <a:lnTo>
+                      <a:pt x="782" y="0"/>
+                    </a:lnTo>
+                    <a:close/>
+                  </a:path>
+                </a:pathLst>
+              </a:custGeom>
+              <a:solidFill>
+                <a:srgbClr val="FFB600"/>
+              </a:solidFill>
+              <a:ln>
+                <a:noFill/>
+              </a:ln>
+            </p:spPr>
+            <p:txBody>
+              <a:bodyPr wrap="square" lIns="91425" tIns="91425" rIns="91425" bIns="91425" anchor="ctr" anchorCtr="0">
+                <a:noAutofit/>
+              </a:bodyPr>
+              <a:lstStyle/>
+              <a:p>
+                <a:pPr marL="0" lvl="0" indent="0">
+                  <a:spcBef>
+                    <a:spcPts val="0"/>
+                  </a:spcBef>
+                  <a:buNone/>
+                </a:pPr>
+                <a:endParaRPr/>
+              </a:p>
+            </p:txBody>
+          </p:sp>
+          <p:sp>
+            <p:nvSpPr>
+              <p:cNvPr id="20" name="Shape 423"/>
+              <p:cNvSpPr/>
+              <p:nvPr/>
+            </p:nvSpPr>
+            <p:spPr>
+              <a:xfrm>
+                <a:off x="6297450" y="301625"/>
+                <a:ext cx="29350" cy="63500"/>
+              </a:xfrm>
+              <a:custGeom>
+                <a:avLst/>
+                <a:gdLst/>
+                <a:ahLst/>
+                <a:cxnLst/>
+                <a:rect l="0" t="0" r="0" b="0"/>
+                <a:pathLst>
+                  <a:path w="1174" h="2540" extrusionOk="0">
+                    <a:moveTo>
+                      <a:pt x="392" y="0"/>
+                    </a:moveTo>
+                    <a:lnTo>
+                      <a:pt x="294" y="49"/>
+                    </a:lnTo>
+                    <a:lnTo>
+                      <a:pt x="221" y="73"/>
+                    </a:lnTo>
+                    <a:lnTo>
+                      <a:pt x="147" y="147"/>
+                    </a:lnTo>
+                    <a:lnTo>
+                      <a:pt x="74" y="220"/>
+                    </a:lnTo>
+                    <a:lnTo>
+                      <a:pt x="50" y="293"/>
+                    </a:lnTo>
+                    <a:lnTo>
+                      <a:pt x="1" y="391"/>
+                    </a:lnTo>
+                    <a:lnTo>
+                      <a:pt x="1" y="488"/>
+                    </a:lnTo>
+                    <a:lnTo>
+                      <a:pt x="1" y="2052"/>
+                    </a:lnTo>
+                    <a:lnTo>
+                      <a:pt x="1" y="2149"/>
+                    </a:lnTo>
+                    <a:lnTo>
+                      <a:pt x="50" y="2247"/>
+                    </a:lnTo>
+                    <a:lnTo>
+                      <a:pt x="74" y="2320"/>
+                    </a:lnTo>
+                    <a:lnTo>
+                      <a:pt x="147" y="2393"/>
+                    </a:lnTo>
+                    <a:lnTo>
+                      <a:pt x="221" y="2467"/>
+                    </a:lnTo>
+                    <a:lnTo>
+                      <a:pt x="294" y="2491"/>
+                    </a:lnTo>
+                    <a:lnTo>
+                      <a:pt x="392" y="2540"/>
+                    </a:lnTo>
+                    <a:lnTo>
+                      <a:pt x="782" y="2540"/>
+                    </a:lnTo>
+                    <a:lnTo>
+                      <a:pt x="880" y="2491"/>
+                    </a:lnTo>
+                    <a:lnTo>
+                      <a:pt x="953" y="2467"/>
+                    </a:lnTo>
+                    <a:lnTo>
+                      <a:pt x="1027" y="2393"/>
+                    </a:lnTo>
+                    <a:lnTo>
+                      <a:pt x="1100" y="2320"/>
+                    </a:lnTo>
+                    <a:lnTo>
+                      <a:pt x="1124" y="2247"/>
+                    </a:lnTo>
+                    <a:lnTo>
+                      <a:pt x="1173" y="2149"/>
+                    </a:lnTo>
+                    <a:lnTo>
+                      <a:pt x="1173" y="2052"/>
+                    </a:lnTo>
+                    <a:lnTo>
+                      <a:pt x="1173" y="488"/>
+                    </a:lnTo>
+                    <a:lnTo>
+                      <a:pt x="1173" y="391"/>
+                    </a:lnTo>
+                    <a:lnTo>
+                      <a:pt x="1124" y="293"/>
+                    </a:lnTo>
+                    <a:lnTo>
+                      <a:pt x="1100" y="220"/>
+                    </a:lnTo>
+                    <a:lnTo>
+                      <a:pt x="1027" y="147"/>
+                    </a:lnTo>
+                    <a:lnTo>
+                      <a:pt x="953" y="73"/>
+                    </a:lnTo>
+                    <a:lnTo>
+                      <a:pt x="880" y="49"/>
+                    </a:lnTo>
+                    <a:lnTo>
+                      <a:pt x="782" y="0"/>
+                    </a:lnTo>
+                    <a:close/>
+                  </a:path>
+                </a:pathLst>
+              </a:custGeom>
+              <a:solidFill>
+                <a:srgbClr val="FFB600"/>
+              </a:solidFill>
+              <a:ln>
+                <a:noFill/>
+              </a:ln>
+            </p:spPr>
+            <p:txBody>
+              <a:bodyPr wrap="square" lIns="91425" tIns="91425" rIns="91425" bIns="91425" anchor="ctr" anchorCtr="0">
+                <a:noAutofit/>
+              </a:bodyPr>
+              <a:lstStyle/>
+              <a:p>
+                <a:pPr marL="0" lvl="0" indent="0">
+                  <a:spcBef>
+                    <a:spcPts val="0"/>
+                  </a:spcBef>
+                  <a:buNone/>
+                </a:pPr>
+                <a:endParaRPr/>
+              </a:p>
+            </p:txBody>
+          </p:sp>
+          <p:sp>
+            <p:nvSpPr>
+              <p:cNvPr id="21" name="Shape 424"/>
+              <p:cNvSpPr/>
+              <p:nvPr/>
+            </p:nvSpPr>
+            <p:spPr>
+              <a:xfrm>
+                <a:off x="6097200" y="509200"/>
+                <a:ext cx="50700" cy="53775"/>
+              </a:xfrm>
+              <a:custGeom>
+                <a:avLst/>
+                <a:gdLst/>
+                <a:ahLst/>
+                <a:cxnLst/>
+                <a:rect l="0" t="0" r="0" b="0"/>
+                <a:pathLst>
+                  <a:path w="2028" h="2151" extrusionOk="0">
+                    <a:moveTo>
+                      <a:pt x="0" y="1"/>
+                    </a:moveTo>
+                    <a:lnTo>
+                      <a:pt x="0" y="2150"/>
+                    </a:lnTo>
+                    <a:lnTo>
+                      <a:pt x="2027" y="2150"/>
+                    </a:lnTo>
+                    <a:lnTo>
+                      <a:pt x="2027" y="1"/>
+                    </a:lnTo>
+                    <a:close/>
+                  </a:path>
+                </a:pathLst>
+              </a:custGeom>
+              <a:solidFill>
+                <a:srgbClr val="FFB600"/>
+              </a:solidFill>
+              <a:ln>
+                <a:noFill/>
+              </a:ln>
+            </p:spPr>
+            <p:txBody>
+              <a:bodyPr wrap="square" lIns="91425" tIns="91425" rIns="91425" bIns="91425" anchor="ctr" anchorCtr="0">
+                <a:noAutofit/>
+              </a:bodyPr>
+              <a:lstStyle/>
+              <a:p>
+                <a:pPr marL="0" lvl="0" indent="0">
+                  <a:spcBef>
+                    <a:spcPts val="0"/>
+                  </a:spcBef>
+                  <a:buNone/>
+                </a:pPr>
+                <a:endParaRPr/>
+              </a:p>
+            </p:txBody>
+          </p:sp>
+          <p:sp>
+            <p:nvSpPr>
+              <p:cNvPr id="22" name="Shape 425"/>
+              <p:cNvSpPr/>
+              <p:nvPr/>
+            </p:nvSpPr>
+            <p:spPr>
+              <a:xfrm>
+                <a:off x="6097200" y="448150"/>
+                <a:ext cx="50700" cy="48875"/>
+              </a:xfrm>
+              <a:custGeom>
+                <a:avLst/>
+                <a:gdLst/>
+                <a:ahLst/>
+                <a:cxnLst/>
+                <a:rect l="0" t="0" r="0" b="0"/>
+                <a:pathLst>
+                  <a:path w="2028" h="1955" extrusionOk="0">
+                    <a:moveTo>
+                      <a:pt x="0" y="1"/>
+                    </a:moveTo>
+                    <a:lnTo>
+                      <a:pt x="0" y="1954"/>
+                    </a:lnTo>
+                    <a:lnTo>
+                      <a:pt x="2027" y="1954"/>
+                    </a:lnTo>
+                    <a:lnTo>
+                      <a:pt x="2027" y="1"/>
+                    </a:lnTo>
+                    <a:close/>
+                  </a:path>
+                </a:pathLst>
+              </a:custGeom>
+              <a:solidFill>
+                <a:srgbClr val="FFB600"/>
+              </a:solidFill>
+              <a:ln>
+                <a:noFill/>
+              </a:ln>
+            </p:spPr>
+            <p:txBody>
+              <a:bodyPr wrap="square" lIns="91425" tIns="91425" rIns="91425" bIns="91425" anchor="ctr" anchorCtr="0">
+                <a:noAutofit/>
+              </a:bodyPr>
+              <a:lstStyle/>
+              <a:p>
+                <a:pPr marL="0" lvl="0" indent="0">
+                  <a:spcBef>
+                    <a:spcPts val="0"/>
+                  </a:spcBef>
+                  <a:buNone/>
+                </a:pPr>
+                <a:endParaRPr/>
+              </a:p>
+            </p:txBody>
+          </p:sp>
+          <p:sp>
+            <p:nvSpPr>
+              <p:cNvPr id="23" name="Shape 426"/>
+              <p:cNvSpPr/>
+              <p:nvPr/>
+            </p:nvSpPr>
+            <p:spPr>
+              <a:xfrm>
+                <a:off x="6097200" y="575150"/>
+                <a:ext cx="50700" cy="48875"/>
+              </a:xfrm>
+              <a:custGeom>
+                <a:avLst/>
+                <a:gdLst/>
+                <a:ahLst/>
+                <a:cxnLst/>
+                <a:rect l="0" t="0" r="0" b="0"/>
+                <a:pathLst>
+                  <a:path w="2028" h="1955" extrusionOk="0">
+                    <a:moveTo>
+                      <a:pt x="0" y="1"/>
+                    </a:moveTo>
+                    <a:lnTo>
+                      <a:pt x="0" y="1954"/>
+                    </a:lnTo>
+                    <a:lnTo>
+                      <a:pt x="2027" y="1954"/>
+                    </a:lnTo>
+                    <a:lnTo>
+                      <a:pt x="2027" y="1"/>
+                    </a:lnTo>
+                    <a:close/>
+                  </a:path>
+                </a:pathLst>
+              </a:custGeom>
+              <a:solidFill>
+                <a:srgbClr val="FFB600"/>
+              </a:solidFill>
+              <a:ln>
+                <a:noFill/>
+              </a:ln>
+            </p:spPr>
+            <p:txBody>
+              <a:bodyPr wrap="square" lIns="91425" tIns="91425" rIns="91425" bIns="91425" anchor="ctr" anchorCtr="0">
+                <a:noAutofit/>
+              </a:bodyPr>
+              <a:lstStyle/>
+              <a:p>
+                <a:pPr marL="0" lvl="0" indent="0">
+                  <a:spcBef>
+                    <a:spcPts val="0"/>
+                  </a:spcBef>
+                  <a:buNone/>
+                </a:pPr>
+                <a:endParaRPr/>
+              </a:p>
+            </p:txBody>
+          </p:sp>
+          <p:sp>
+            <p:nvSpPr>
+              <p:cNvPr id="24" name="Shape 427"/>
+              <p:cNvSpPr/>
+              <p:nvPr/>
+            </p:nvSpPr>
+            <p:spPr>
+              <a:xfrm>
+                <a:off x="6160075" y="575150"/>
+                <a:ext cx="50100" cy="48875"/>
+              </a:xfrm>
+              <a:custGeom>
+                <a:avLst/>
+                <a:gdLst/>
+                <a:ahLst/>
+                <a:cxnLst/>
+                <a:rect l="0" t="0" r="0" b="0"/>
+                <a:pathLst>
+                  <a:path w="2004" h="1955" extrusionOk="0">
+                    <a:moveTo>
+                      <a:pt x="1" y="1"/>
+                    </a:moveTo>
+                    <a:lnTo>
+                      <a:pt x="1" y="1954"/>
+                    </a:lnTo>
+                    <a:lnTo>
+                      <a:pt x="2003" y="1954"/>
+                    </a:lnTo>
+                    <a:lnTo>
+                      <a:pt x="2003" y="1"/>
+                    </a:lnTo>
+                    <a:close/>
+                  </a:path>
+                </a:pathLst>
+              </a:custGeom>
+              <a:solidFill>
+                <a:srgbClr val="FFB600"/>
+              </a:solidFill>
+              <a:ln>
+                <a:noFill/>
+              </a:ln>
+            </p:spPr>
+            <p:txBody>
+              <a:bodyPr wrap="square" lIns="91425" tIns="91425" rIns="91425" bIns="91425" anchor="ctr" anchorCtr="0">
+                <a:noAutofit/>
+              </a:bodyPr>
+              <a:lstStyle/>
+              <a:p>
+                <a:pPr marL="0" lvl="0" indent="0">
+                  <a:spcBef>
+                    <a:spcPts val="0"/>
+                  </a:spcBef>
+                  <a:buNone/>
+                </a:pPr>
+                <a:endParaRPr/>
+              </a:p>
+            </p:txBody>
+          </p:sp>
+          <p:sp>
+            <p:nvSpPr>
+              <p:cNvPr id="25" name="Shape 428"/>
+              <p:cNvSpPr/>
+              <p:nvPr/>
+            </p:nvSpPr>
+            <p:spPr>
+              <a:xfrm>
+                <a:off x="6034300" y="509200"/>
+                <a:ext cx="50700" cy="53775"/>
+              </a:xfrm>
+              <a:custGeom>
+                <a:avLst/>
+                <a:gdLst/>
+                <a:ahLst/>
+                <a:cxnLst/>
+                <a:rect l="0" t="0" r="0" b="0"/>
+                <a:pathLst>
+                  <a:path w="2028" h="2151" extrusionOk="0">
+                    <a:moveTo>
+                      <a:pt x="1" y="1"/>
+                    </a:moveTo>
+                    <a:lnTo>
+                      <a:pt x="1" y="2150"/>
+                    </a:lnTo>
+                    <a:lnTo>
+                      <a:pt x="2028" y="2150"/>
+                    </a:lnTo>
+                    <a:lnTo>
+                      <a:pt x="2028" y="1"/>
+                    </a:lnTo>
+                    <a:close/>
+                  </a:path>
+                </a:pathLst>
+              </a:custGeom>
+              <a:solidFill>
+                <a:srgbClr val="FFB600"/>
+              </a:solidFill>
+              <a:ln>
+                <a:noFill/>
+              </a:ln>
+            </p:spPr>
+            <p:txBody>
+              <a:bodyPr wrap="square" lIns="91425" tIns="91425" rIns="91425" bIns="91425" anchor="ctr" anchorCtr="0">
+                <a:noAutofit/>
+              </a:bodyPr>
+              <a:lstStyle/>
+              <a:p>
+                <a:pPr marL="0" lvl="0" indent="0">
+                  <a:spcBef>
+                    <a:spcPts val="0"/>
+                  </a:spcBef>
+                  <a:buNone/>
+                </a:pPr>
+                <a:endParaRPr/>
+              </a:p>
+            </p:txBody>
+          </p:sp>
+          <p:sp>
+            <p:nvSpPr>
+              <p:cNvPr id="26" name="Shape 429"/>
+              <p:cNvSpPr/>
+              <p:nvPr/>
+            </p:nvSpPr>
+            <p:spPr>
+              <a:xfrm>
+                <a:off x="6034300" y="575150"/>
+                <a:ext cx="50700" cy="48875"/>
+              </a:xfrm>
+              <a:custGeom>
+                <a:avLst/>
+                <a:gdLst/>
+                <a:ahLst/>
+                <a:cxnLst/>
+                <a:rect l="0" t="0" r="0" b="0"/>
+                <a:pathLst>
+                  <a:path w="2028" h="1955" extrusionOk="0">
+                    <a:moveTo>
+                      <a:pt x="1" y="1"/>
+                    </a:moveTo>
+                    <a:lnTo>
+                      <a:pt x="1" y="1954"/>
+                    </a:lnTo>
+                    <a:lnTo>
+                      <a:pt x="2028" y="1954"/>
+                    </a:lnTo>
+                    <a:lnTo>
+                      <a:pt x="2028" y="1"/>
+                    </a:lnTo>
+                    <a:close/>
+                  </a:path>
+                </a:pathLst>
+              </a:custGeom>
+              <a:solidFill>
+                <a:srgbClr val="FFB600"/>
+              </a:solidFill>
+              <a:ln>
+                <a:noFill/>
+              </a:ln>
+            </p:spPr>
+            <p:txBody>
+              <a:bodyPr wrap="square" lIns="91425" tIns="91425" rIns="91425" bIns="91425" anchor="ctr" anchorCtr="0">
+                <a:noAutofit/>
+              </a:bodyPr>
+              <a:lstStyle/>
+              <a:p>
+                <a:pPr marL="0" lvl="0" indent="0">
+                  <a:spcBef>
+                    <a:spcPts val="0"/>
+                  </a:spcBef>
+                  <a:buNone/>
+                </a:pPr>
+                <a:endParaRPr/>
+              </a:p>
+            </p:txBody>
+          </p:sp>
+          <p:sp>
+            <p:nvSpPr>
+              <p:cNvPr id="27" name="Shape 430"/>
+              <p:cNvSpPr/>
+              <p:nvPr/>
+            </p:nvSpPr>
+            <p:spPr>
+              <a:xfrm>
+                <a:off x="6034300" y="448150"/>
+                <a:ext cx="50700" cy="48875"/>
+              </a:xfrm>
+              <a:custGeom>
+                <a:avLst/>
+                <a:gdLst/>
+                <a:ahLst/>
+                <a:cxnLst/>
+                <a:rect l="0" t="0" r="0" b="0"/>
+                <a:pathLst>
+                  <a:path w="2028" h="1955" extrusionOk="0">
+                    <a:moveTo>
+                      <a:pt x="1" y="1"/>
+                    </a:moveTo>
+                    <a:lnTo>
+                      <a:pt x="1" y="1954"/>
+                    </a:lnTo>
+                    <a:lnTo>
+                      <a:pt x="2028" y="1954"/>
+                    </a:lnTo>
+                    <a:lnTo>
+                      <a:pt x="2028" y="1"/>
+                    </a:lnTo>
+                    <a:close/>
+                  </a:path>
+                </a:pathLst>
+              </a:custGeom>
+              <a:solidFill>
+                <a:srgbClr val="FFB600"/>
+              </a:solidFill>
+              <a:ln>
+                <a:noFill/>
+              </a:ln>
+            </p:spPr>
+            <p:txBody>
+              <a:bodyPr wrap="square" lIns="91425" tIns="91425" rIns="91425" bIns="91425" anchor="ctr" anchorCtr="0">
+                <a:noAutofit/>
+              </a:bodyPr>
+              <a:lstStyle/>
+              <a:p>
+                <a:pPr marL="0" lvl="0" indent="0">
+                  <a:spcBef>
+                    <a:spcPts val="0"/>
+                  </a:spcBef>
+                  <a:buNone/>
+                </a:pPr>
+                <a:endParaRPr/>
+              </a:p>
+            </p:txBody>
+          </p:sp>
+          <p:sp>
+            <p:nvSpPr>
+              <p:cNvPr id="28" name="Shape 431"/>
+              <p:cNvSpPr/>
+              <p:nvPr/>
+            </p:nvSpPr>
+            <p:spPr>
+              <a:xfrm>
+                <a:off x="6160075" y="509200"/>
+                <a:ext cx="50100" cy="53775"/>
+              </a:xfrm>
+              <a:custGeom>
+                <a:avLst/>
+                <a:gdLst/>
+                <a:ahLst/>
+                <a:cxnLst/>
+                <a:rect l="0" t="0" r="0" b="0"/>
+                <a:pathLst>
+                  <a:path w="2004" h="2151" extrusionOk="0">
+                    <a:moveTo>
+                      <a:pt x="1" y="1"/>
+                    </a:moveTo>
+                    <a:lnTo>
+                      <a:pt x="1" y="2150"/>
+                    </a:lnTo>
+                    <a:lnTo>
+                      <a:pt x="2003" y="2150"/>
+                    </a:lnTo>
+                    <a:lnTo>
+                      <a:pt x="2003" y="1"/>
+                    </a:lnTo>
+                    <a:close/>
+                  </a:path>
+                </a:pathLst>
+              </a:custGeom>
+              <a:solidFill>
+                <a:srgbClr val="FFB600"/>
+              </a:solidFill>
+              <a:ln>
+                <a:noFill/>
+              </a:ln>
+            </p:spPr>
+            <p:txBody>
+              <a:bodyPr wrap="square" lIns="91425" tIns="91425" rIns="91425" bIns="91425" anchor="ctr" anchorCtr="0">
+                <a:noAutofit/>
+              </a:bodyPr>
+              <a:lstStyle/>
+              <a:p>
+                <a:pPr marL="0" lvl="0" indent="0">
+                  <a:spcBef>
+                    <a:spcPts val="0"/>
+                  </a:spcBef>
+                  <a:buNone/>
+                </a:pPr>
+                <a:endParaRPr/>
+              </a:p>
+            </p:txBody>
+          </p:sp>
+          <p:sp>
+            <p:nvSpPr>
+              <p:cNvPr id="29" name="Shape 432"/>
+              <p:cNvSpPr/>
+              <p:nvPr/>
+            </p:nvSpPr>
+            <p:spPr>
+              <a:xfrm>
+                <a:off x="5983625" y="399300"/>
+                <a:ext cx="403000" cy="272950"/>
+              </a:xfrm>
+              <a:custGeom>
+                <a:avLst/>
+                <a:gdLst/>
+                <a:ahLst/>
+                <a:cxnLst/>
+                <a:rect l="0" t="0" r="0" b="0"/>
+                <a:pathLst>
+                  <a:path w="16120" h="10918" extrusionOk="0">
+                    <a:moveTo>
+                      <a:pt x="14434" y="1466"/>
+                    </a:moveTo>
+                    <a:lnTo>
+                      <a:pt x="14508" y="1515"/>
+                    </a:lnTo>
+                    <a:lnTo>
+                      <a:pt x="14557" y="1613"/>
+                    </a:lnTo>
+                    <a:lnTo>
+                      <a:pt x="14581" y="1710"/>
+                    </a:lnTo>
+                    <a:lnTo>
+                      <a:pt x="14581" y="9233"/>
+                    </a:lnTo>
+                    <a:lnTo>
+                      <a:pt x="14557" y="9330"/>
+                    </a:lnTo>
+                    <a:lnTo>
+                      <a:pt x="14508" y="9404"/>
+                    </a:lnTo>
+                    <a:lnTo>
+                      <a:pt x="14434" y="9452"/>
+                    </a:lnTo>
+                    <a:lnTo>
+                      <a:pt x="14337" y="9477"/>
+                    </a:lnTo>
+                    <a:lnTo>
+                      <a:pt x="1783" y="9477"/>
+                    </a:lnTo>
+                    <a:lnTo>
+                      <a:pt x="1686" y="9452"/>
+                    </a:lnTo>
+                    <a:lnTo>
+                      <a:pt x="1612" y="9404"/>
+                    </a:lnTo>
+                    <a:lnTo>
+                      <a:pt x="1564" y="9330"/>
+                    </a:lnTo>
+                    <a:lnTo>
+                      <a:pt x="1539" y="9233"/>
+                    </a:lnTo>
+                    <a:lnTo>
+                      <a:pt x="1539" y="1710"/>
+                    </a:lnTo>
+                    <a:lnTo>
+                      <a:pt x="1564" y="1613"/>
+                    </a:lnTo>
+                    <a:lnTo>
+                      <a:pt x="1612" y="1515"/>
+                    </a:lnTo>
+                    <a:lnTo>
+                      <a:pt x="1686" y="1466"/>
+                    </a:lnTo>
+                    <a:close/>
+                    <a:moveTo>
+                      <a:pt x="0" y="1"/>
+                    </a:moveTo>
+                    <a:lnTo>
+                      <a:pt x="0" y="10332"/>
+                    </a:lnTo>
+                    <a:lnTo>
+                      <a:pt x="25" y="10429"/>
+                    </a:lnTo>
+                    <a:lnTo>
+                      <a:pt x="74" y="10527"/>
+                    </a:lnTo>
+                    <a:lnTo>
+                      <a:pt x="147" y="10625"/>
+                    </a:lnTo>
+                    <a:lnTo>
+                      <a:pt x="220" y="10722"/>
+                    </a:lnTo>
+                    <a:lnTo>
+                      <a:pt x="342" y="10796"/>
+                    </a:lnTo>
+                    <a:lnTo>
+                      <a:pt x="489" y="10869"/>
+                    </a:lnTo>
+                    <a:lnTo>
+                      <a:pt x="635" y="10918"/>
+                    </a:lnTo>
+                    <a:lnTo>
+                      <a:pt x="15485" y="10918"/>
+                    </a:lnTo>
+                    <a:lnTo>
+                      <a:pt x="15631" y="10869"/>
+                    </a:lnTo>
+                    <a:lnTo>
+                      <a:pt x="15778" y="10796"/>
+                    </a:lnTo>
+                    <a:lnTo>
+                      <a:pt x="15900" y="10698"/>
+                    </a:lnTo>
+                    <a:lnTo>
+                      <a:pt x="15973" y="10576"/>
+                    </a:lnTo>
+                    <a:lnTo>
+                      <a:pt x="16046" y="10454"/>
+                    </a:lnTo>
+                    <a:lnTo>
+                      <a:pt x="16095" y="10307"/>
+                    </a:lnTo>
+                    <a:lnTo>
+                      <a:pt x="16120" y="10136"/>
+                    </a:lnTo>
+                    <a:lnTo>
+                      <a:pt x="16120" y="1"/>
+                    </a:lnTo>
+                    <a:close/>
+                  </a:path>
+                </a:pathLst>
+              </a:custGeom>
+              <a:solidFill>
+                <a:srgbClr val="FFB600"/>
+              </a:solidFill>
+              <a:ln>
+                <a:noFill/>
+              </a:ln>
+            </p:spPr>
+            <p:txBody>
+              <a:bodyPr wrap="square" lIns="91425" tIns="91425" rIns="91425" bIns="91425" anchor="ctr" anchorCtr="0">
+                <a:noAutofit/>
+              </a:bodyPr>
+              <a:lstStyle/>
+              <a:p>
+                <a:pPr marL="0" lvl="0" indent="0">
+                  <a:spcBef>
+                    <a:spcPts val="0"/>
+                  </a:spcBef>
+                  <a:buNone/>
+                </a:pPr>
+                <a:endParaRPr/>
+              </a:p>
+            </p:txBody>
+          </p:sp>
+          <p:sp>
+            <p:nvSpPr>
+              <p:cNvPr id="30" name="Shape 433"/>
+              <p:cNvSpPr/>
+              <p:nvPr/>
+            </p:nvSpPr>
+            <p:spPr>
+              <a:xfrm>
+                <a:off x="6285250" y="575150"/>
+                <a:ext cx="50700" cy="48875"/>
+              </a:xfrm>
+              <a:custGeom>
+                <a:avLst/>
+                <a:gdLst/>
+                <a:ahLst/>
+                <a:cxnLst/>
+                <a:rect l="0" t="0" r="0" b="0"/>
+                <a:pathLst>
+                  <a:path w="2028" h="1955" extrusionOk="0">
+                    <a:moveTo>
+                      <a:pt x="0" y="1"/>
+                    </a:moveTo>
+                    <a:lnTo>
+                      <a:pt x="0" y="1954"/>
+                    </a:lnTo>
+                    <a:lnTo>
+                      <a:pt x="2028" y="1954"/>
+                    </a:lnTo>
+                    <a:lnTo>
+                      <a:pt x="2028" y="1"/>
+                    </a:lnTo>
+                    <a:close/>
+                  </a:path>
+                </a:pathLst>
+              </a:custGeom>
+              <a:solidFill>
+                <a:srgbClr val="FFB600"/>
+              </a:solidFill>
+              <a:ln>
+                <a:noFill/>
+              </a:ln>
+            </p:spPr>
+            <p:txBody>
+              <a:bodyPr wrap="square" lIns="91425" tIns="91425" rIns="91425" bIns="91425" anchor="ctr" anchorCtr="0">
+                <a:noAutofit/>
+              </a:bodyPr>
+              <a:lstStyle/>
+              <a:p>
+                <a:pPr marL="0" lvl="0" indent="0">
+                  <a:spcBef>
+                    <a:spcPts val="0"/>
+                  </a:spcBef>
+                  <a:buNone/>
+                </a:pPr>
+                <a:endParaRPr/>
+              </a:p>
+            </p:txBody>
+          </p:sp>
+          <p:sp>
+            <p:nvSpPr>
+              <p:cNvPr id="31" name="Shape 434"/>
+              <p:cNvSpPr/>
+              <p:nvPr/>
+            </p:nvSpPr>
+            <p:spPr>
+              <a:xfrm>
+                <a:off x="6285250" y="509200"/>
+                <a:ext cx="50700" cy="53775"/>
+              </a:xfrm>
+              <a:custGeom>
+                <a:avLst/>
+                <a:gdLst/>
+                <a:ahLst/>
+                <a:cxnLst/>
+                <a:rect l="0" t="0" r="0" b="0"/>
+                <a:pathLst>
+                  <a:path w="2028" h="2151" extrusionOk="0">
+                    <a:moveTo>
+                      <a:pt x="0" y="1"/>
+                    </a:moveTo>
+                    <a:lnTo>
+                      <a:pt x="0" y="2150"/>
+                    </a:lnTo>
+                    <a:lnTo>
+                      <a:pt x="2028" y="2150"/>
+                    </a:lnTo>
+                    <a:lnTo>
+                      <a:pt x="2028" y="1"/>
+                    </a:lnTo>
+                    <a:close/>
+                  </a:path>
+                </a:pathLst>
+              </a:custGeom>
+              <a:solidFill>
+                <a:srgbClr val="FFB600"/>
+              </a:solidFill>
+              <a:ln>
+                <a:noFill/>
+              </a:ln>
+            </p:spPr>
+            <p:txBody>
+              <a:bodyPr wrap="square" lIns="91425" tIns="91425" rIns="91425" bIns="91425" anchor="ctr" anchorCtr="0">
+                <a:noAutofit/>
+              </a:bodyPr>
+              <a:lstStyle/>
+              <a:p>
+                <a:pPr marL="0" lvl="0" indent="0">
+                  <a:spcBef>
+                    <a:spcPts val="0"/>
+                  </a:spcBef>
+                  <a:buNone/>
+                </a:pPr>
+                <a:endParaRPr/>
+              </a:p>
+            </p:txBody>
+          </p:sp>
+          <p:sp>
+            <p:nvSpPr>
+              <p:cNvPr id="32" name="Shape 435"/>
+              <p:cNvSpPr/>
+              <p:nvPr/>
+            </p:nvSpPr>
+            <p:spPr>
+              <a:xfrm>
+                <a:off x="6285250" y="448150"/>
+                <a:ext cx="50700" cy="48875"/>
+              </a:xfrm>
+              <a:custGeom>
+                <a:avLst/>
+                <a:gdLst/>
+                <a:ahLst/>
+                <a:cxnLst/>
+                <a:rect l="0" t="0" r="0" b="0"/>
+                <a:pathLst>
+                  <a:path w="2028" h="1955" extrusionOk="0">
+                    <a:moveTo>
+                      <a:pt x="0" y="1"/>
+                    </a:moveTo>
+                    <a:lnTo>
+                      <a:pt x="0" y="1954"/>
+                    </a:lnTo>
+                    <a:lnTo>
+                      <a:pt x="2028" y="1954"/>
+                    </a:lnTo>
+                    <a:lnTo>
+                      <a:pt x="2028" y="1"/>
+                    </a:lnTo>
+                    <a:close/>
+                  </a:path>
+                </a:pathLst>
+              </a:custGeom>
+              <a:solidFill>
+                <a:srgbClr val="FFB600"/>
+              </a:solidFill>
+              <a:ln>
+                <a:noFill/>
+              </a:ln>
+            </p:spPr>
+            <p:txBody>
+              <a:bodyPr wrap="square" lIns="91425" tIns="91425" rIns="91425" bIns="91425" anchor="ctr" anchorCtr="0">
+                <a:noAutofit/>
+              </a:bodyPr>
+              <a:lstStyle/>
+              <a:p>
+                <a:pPr marL="0" lvl="0" indent="0">
+                  <a:spcBef>
+                    <a:spcPts val="0"/>
+                  </a:spcBef>
+                  <a:buNone/>
+                </a:pPr>
+                <a:endParaRPr/>
+              </a:p>
+            </p:txBody>
+          </p:sp>
+          <p:sp>
+            <p:nvSpPr>
+              <p:cNvPr id="33" name="Shape 436"/>
+              <p:cNvSpPr/>
+              <p:nvPr/>
+            </p:nvSpPr>
+            <p:spPr>
+              <a:xfrm>
+                <a:off x="6222350" y="575150"/>
+                <a:ext cx="50700" cy="48875"/>
+              </a:xfrm>
+              <a:custGeom>
+                <a:avLst/>
+                <a:gdLst/>
+                <a:ahLst/>
+                <a:cxnLst/>
+                <a:rect l="0" t="0" r="0" b="0"/>
+                <a:pathLst>
+                  <a:path w="2028" h="1955" extrusionOk="0">
+                    <a:moveTo>
+                      <a:pt x="1" y="1"/>
+                    </a:moveTo>
+                    <a:lnTo>
+                      <a:pt x="1" y="1954"/>
+                    </a:lnTo>
+                    <a:lnTo>
+                      <a:pt x="2028" y="1954"/>
+                    </a:lnTo>
+                    <a:lnTo>
+                      <a:pt x="2028" y="1"/>
+                    </a:lnTo>
+                    <a:close/>
+                  </a:path>
+                </a:pathLst>
+              </a:custGeom>
+              <a:solidFill>
+                <a:srgbClr val="FFB600"/>
+              </a:solidFill>
+              <a:ln>
+                <a:noFill/>
+              </a:ln>
+            </p:spPr>
+            <p:txBody>
+              <a:bodyPr wrap="square" lIns="91425" tIns="91425" rIns="91425" bIns="91425" anchor="ctr" anchorCtr="0">
+                <a:noAutofit/>
+              </a:bodyPr>
+              <a:lstStyle/>
+              <a:p>
+                <a:pPr marL="0" lvl="0" indent="0">
+                  <a:spcBef>
+                    <a:spcPts val="0"/>
+                  </a:spcBef>
+                  <a:buNone/>
+                </a:pPr>
+                <a:endParaRPr/>
+              </a:p>
+            </p:txBody>
+          </p:sp>
+          <p:sp>
+            <p:nvSpPr>
+              <p:cNvPr id="34" name="Shape 437"/>
+              <p:cNvSpPr/>
+              <p:nvPr/>
+            </p:nvSpPr>
+            <p:spPr>
+              <a:xfrm>
+                <a:off x="6160075" y="448150"/>
+                <a:ext cx="50100" cy="48875"/>
+              </a:xfrm>
+              <a:custGeom>
+                <a:avLst/>
+                <a:gdLst/>
+                <a:ahLst/>
+                <a:cxnLst/>
+                <a:rect l="0" t="0" r="0" b="0"/>
+                <a:pathLst>
+                  <a:path w="2004" h="1955" extrusionOk="0">
+                    <a:moveTo>
+                      <a:pt x="1" y="1"/>
+                    </a:moveTo>
+                    <a:lnTo>
+                      <a:pt x="1" y="1954"/>
+                    </a:lnTo>
+                    <a:lnTo>
+                      <a:pt x="2003" y="1954"/>
+                    </a:lnTo>
+                    <a:lnTo>
+                      <a:pt x="2003" y="1"/>
+                    </a:lnTo>
+                    <a:close/>
+                  </a:path>
+                </a:pathLst>
+              </a:custGeom>
+              <a:solidFill>
+                <a:srgbClr val="FFB600"/>
+              </a:solidFill>
+              <a:ln>
+                <a:noFill/>
+              </a:ln>
+            </p:spPr>
+            <p:txBody>
+              <a:bodyPr wrap="square" lIns="91425" tIns="91425" rIns="91425" bIns="91425" anchor="ctr" anchorCtr="0">
+                <a:noAutofit/>
+              </a:bodyPr>
+              <a:lstStyle/>
+              <a:p>
+                <a:pPr marL="0" lvl="0" indent="0">
+                  <a:spcBef>
+                    <a:spcPts val="0"/>
+                  </a:spcBef>
+                  <a:buNone/>
+                </a:pPr>
+                <a:endParaRPr/>
+              </a:p>
+            </p:txBody>
+          </p:sp>
+          <p:sp>
+            <p:nvSpPr>
+              <p:cNvPr id="35" name="Shape 438"/>
+              <p:cNvSpPr/>
+              <p:nvPr/>
+            </p:nvSpPr>
+            <p:spPr>
+              <a:xfrm>
+                <a:off x="6222350" y="509200"/>
+                <a:ext cx="50700" cy="53775"/>
+              </a:xfrm>
+              <a:custGeom>
+                <a:avLst/>
+                <a:gdLst/>
+                <a:ahLst/>
+                <a:cxnLst/>
+                <a:rect l="0" t="0" r="0" b="0"/>
+                <a:pathLst>
+                  <a:path w="2028" h="2151" extrusionOk="0">
+                    <a:moveTo>
+                      <a:pt x="1" y="1"/>
+                    </a:moveTo>
+                    <a:lnTo>
+                      <a:pt x="1" y="2150"/>
+                    </a:lnTo>
+                    <a:lnTo>
+                      <a:pt x="2028" y="2150"/>
+                    </a:lnTo>
+                    <a:lnTo>
+                      <a:pt x="2028" y="1"/>
+                    </a:lnTo>
+                    <a:close/>
+                  </a:path>
+                </a:pathLst>
+              </a:custGeom>
+              <a:solidFill>
+                <a:srgbClr val="FFB600"/>
+              </a:solidFill>
+              <a:ln>
+                <a:noFill/>
+              </a:ln>
+            </p:spPr>
+            <p:txBody>
+              <a:bodyPr wrap="square" lIns="91425" tIns="91425" rIns="91425" bIns="91425" anchor="ctr" anchorCtr="0">
+                <a:noAutofit/>
+              </a:bodyPr>
+              <a:lstStyle/>
+              <a:p>
+                <a:pPr marL="0" lvl="0" indent="0">
+                  <a:spcBef>
+                    <a:spcPts val="0"/>
+                  </a:spcBef>
+                  <a:buNone/>
+                </a:pPr>
+                <a:endParaRPr/>
+              </a:p>
+            </p:txBody>
+          </p:sp>
+          <p:sp>
+            <p:nvSpPr>
+              <p:cNvPr id="36" name="Shape 439"/>
+              <p:cNvSpPr/>
+              <p:nvPr/>
+            </p:nvSpPr>
+            <p:spPr>
+              <a:xfrm>
+                <a:off x="6222350" y="448150"/>
+                <a:ext cx="50700" cy="48875"/>
+              </a:xfrm>
+              <a:custGeom>
+                <a:avLst/>
+                <a:gdLst/>
+                <a:ahLst/>
+                <a:cxnLst/>
+                <a:rect l="0" t="0" r="0" b="0"/>
+                <a:pathLst>
+                  <a:path w="2028" h="1955" extrusionOk="0">
+                    <a:moveTo>
+                      <a:pt x="1" y="1"/>
+                    </a:moveTo>
+                    <a:lnTo>
+                      <a:pt x="1" y="1954"/>
+                    </a:lnTo>
+                    <a:lnTo>
+                      <a:pt x="2028" y="1954"/>
+                    </a:lnTo>
+                    <a:lnTo>
+                      <a:pt x="2028" y="1"/>
+                    </a:lnTo>
+                    <a:close/>
+                  </a:path>
+                </a:pathLst>
+              </a:custGeom>
+              <a:solidFill>
+                <a:srgbClr val="FFB600"/>
+              </a:solidFill>
+              <a:ln>
+                <a:noFill/>
+              </a:ln>
+            </p:spPr>
+            <p:txBody>
+              <a:bodyPr wrap="square" lIns="91425" tIns="91425" rIns="91425" bIns="91425" anchor="ctr" anchorCtr="0">
+                <a:noAutofit/>
+              </a:bodyPr>
+              <a:lstStyle/>
+              <a:p>
+                <a:pPr marL="0" lvl="0" indent="0">
+                  <a:spcBef>
+                    <a:spcPts val="0"/>
+                  </a:spcBef>
+                  <a:buNone/>
+                </a:pPr>
+                <a:endParaRPr/>
+              </a:p>
+            </p:txBody>
+          </p:sp>
+        </p:grpSp>
         <p:sp>
           <p:nvSpPr>
-            <p:cNvPr id="19" name="Shape 422"/>
+            <p:cNvPr id="5" name="Curved Up Arrow 4"/>
             <p:cNvSpPr/>
             <p:nvPr/>
           </p:nvSpPr>
           <p:spPr>
             <a:xfrm>
-              <a:off x="6041025" y="301625"/>
-              <a:ext cx="29325" cy="63500"/>
+              <a:off x="1890789" y="3958111"/>
+              <a:ext cx="2448272" cy="504056"/>
             </a:xfrm>
-            <a:custGeom>
+            <a:prstGeom prst="curvedUpArrow">
               <a:avLst/>
-              <a:gdLst/>
-              <a:ahLst/>
-              <a:cxnLst/>
-              <a:rect l="0" t="0" r="0" b="0"/>
-              <a:pathLst>
-                <a:path w="1173" h="2540" extrusionOk="0">
-                  <a:moveTo>
-                    <a:pt x="391" y="0"/>
-                  </a:moveTo>
-                  <a:lnTo>
-                    <a:pt x="293" y="49"/>
-                  </a:lnTo>
-                  <a:lnTo>
-                    <a:pt x="220" y="73"/>
-                  </a:lnTo>
-                  <a:lnTo>
-                    <a:pt x="147" y="147"/>
-                  </a:lnTo>
-                  <a:lnTo>
-                    <a:pt x="74" y="220"/>
-                  </a:lnTo>
-                  <a:lnTo>
-                    <a:pt x="49" y="293"/>
-                  </a:lnTo>
-                  <a:lnTo>
-                    <a:pt x="0" y="391"/>
-                  </a:lnTo>
-                  <a:lnTo>
-                    <a:pt x="0" y="488"/>
-                  </a:lnTo>
-                  <a:lnTo>
-                    <a:pt x="0" y="2052"/>
-                  </a:lnTo>
-                  <a:lnTo>
-                    <a:pt x="0" y="2149"/>
-                  </a:lnTo>
-                  <a:lnTo>
-                    <a:pt x="49" y="2247"/>
-                  </a:lnTo>
-                  <a:lnTo>
-                    <a:pt x="74" y="2320"/>
-                  </a:lnTo>
-                  <a:lnTo>
-                    <a:pt x="147" y="2393"/>
-                  </a:lnTo>
-                  <a:lnTo>
-                    <a:pt x="220" y="2467"/>
-                  </a:lnTo>
-                  <a:lnTo>
-                    <a:pt x="293" y="2491"/>
-                  </a:lnTo>
-                  <a:lnTo>
-                    <a:pt x="391" y="2540"/>
-                  </a:lnTo>
-                  <a:lnTo>
-                    <a:pt x="782" y="2540"/>
-                  </a:lnTo>
-                  <a:lnTo>
-                    <a:pt x="879" y="2491"/>
-                  </a:lnTo>
-                  <a:lnTo>
-                    <a:pt x="953" y="2467"/>
-                  </a:lnTo>
-                  <a:lnTo>
-                    <a:pt x="1026" y="2393"/>
-                  </a:lnTo>
-                  <a:lnTo>
-                    <a:pt x="1099" y="2320"/>
-                  </a:lnTo>
-                  <a:lnTo>
-                    <a:pt x="1124" y="2247"/>
-                  </a:lnTo>
-                  <a:lnTo>
-                    <a:pt x="1173" y="2149"/>
-                  </a:lnTo>
-                  <a:lnTo>
-                    <a:pt x="1173" y="2052"/>
-                  </a:lnTo>
-                  <a:lnTo>
-                    <a:pt x="1173" y="488"/>
-                  </a:lnTo>
-                  <a:lnTo>
-                    <a:pt x="1173" y="391"/>
-                  </a:lnTo>
-                  <a:lnTo>
-                    <a:pt x="1124" y="293"/>
-                  </a:lnTo>
-                  <a:lnTo>
-                    <a:pt x="1099" y="220"/>
-                  </a:lnTo>
-                  <a:lnTo>
-                    <a:pt x="1026" y="147"/>
-                  </a:lnTo>
-                  <a:lnTo>
-                    <a:pt x="953" y="73"/>
-                  </a:lnTo>
-                  <a:lnTo>
-                    <a:pt x="879" y="49"/>
-                  </a:lnTo>
-                  <a:lnTo>
-                    <a:pt x="782" y="0"/>
-                  </a:lnTo>
-                  <a:close/>
-                </a:path>
-              </a:pathLst>
-            </a:custGeom>
-            <a:solidFill>
-              <a:srgbClr val="FFB600"/>
-            </a:solidFill>
-            <a:ln>
-              <a:noFill/>
-            </a:ln>
+            </a:prstGeom>
           </p:spPr>
+          <p:style>
+            <a:lnRef idx="2">
+              <a:schemeClr val="accent1">
+                <a:shade val="50000"/>
+              </a:schemeClr>
+            </a:lnRef>
+            <a:fillRef idx="1">
+              <a:schemeClr val="accent1"/>
+            </a:fillRef>
+            <a:effectRef idx="0">
+              <a:schemeClr val="accent1"/>
+            </a:effectRef>
+            <a:fontRef idx="minor">
+              <a:schemeClr val="lt1"/>
+            </a:fontRef>
+          </p:style>
           <p:txBody>
-            <a:bodyPr wrap="square" lIns="91425" tIns="91425" rIns="91425" bIns="91425" anchor="ctr" anchorCtr="0">
-              <a:noAutofit/>
-            </a:bodyPr>
+            <a:bodyPr rtlCol="0" anchor="ctr"/>
             <a:lstStyle/>
             <a:p>
-              <a:pPr marL="0" lvl="0" indent="0">
-                <a:spcBef>
-                  <a:spcPts val="0"/>
-                </a:spcBef>
-                <a:buNone/>
-              </a:pPr>
-              <a:endParaRPr/>
+              <a:pPr algn="ctr"/>
+              <a:endParaRPr lang="en-SG">
+                <a:solidFill>
+                  <a:schemeClr val="tx1"/>
+                </a:solidFill>
+              </a:endParaRPr>
             </a:p>
           </p:txBody>
         </p:sp>
         <p:sp>
           <p:nvSpPr>
-            <p:cNvPr id="20" name="Shape 423"/>
+            <p:cNvPr id="8" name="Curved Down Arrow 7"/>
             <p:cNvSpPr/>
             <p:nvPr/>
           </p:nvSpPr>
           <p:spPr>
             <a:xfrm>
-              <a:off x="6297450" y="301625"/>
-              <a:ext cx="29350" cy="63500"/>
+              <a:off x="4572000" y="1153999"/>
+              <a:ext cx="2664296" cy="481647"/>
             </a:xfrm>
-            <a:custGeom>
+            <a:prstGeom prst="curvedDownArrow">
               <a:avLst/>
-              <a:gdLst/>
-              <a:ahLst/>
-              <a:cxnLst/>
-              <a:rect l="0" t="0" r="0" b="0"/>
-              <a:pathLst>
-                <a:path w="1174" h="2540" extrusionOk="0">
-                  <a:moveTo>
-                    <a:pt x="392" y="0"/>
-                  </a:moveTo>
-                  <a:lnTo>
-                    <a:pt x="294" y="49"/>
-                  </a:lnTo>
-                  <a:lnTo>
-                    <a:pt x="221" y="73"/>
-                  </a:lnTo>
-                  <a:lnTo>
-                    <a:pt x="147" y="147"/>
-                  </a:lnTo>
-                  <a:lnTo>
-                    <a:pt x="74" y="220"/>
-                  </a:lnTo>
-                  <a:lnTo>
-                    <a:pt x="50" y="293"/>
-                  </a:lnTo>
-                  <a:lnTo>
-                    <a:pt x="1" y="391"/>
-                  </a:lnTo>
-                  <a:lnTo>
-                    <a:pt x="1" y="488"/>
-                  </a:lnTo>
-                  <a:lnTo>
-                    <a:pt x="1" y="2052"/>
-                  </a:lnTo>
-                  <a:lnTo>
-                    <a:pt x="1" y="2149"/>
-                  </a:lnTo>
-                  <a:lnTo>
-                    <a:pt x="50" y="2247"/>
-                  </a:lnTo>
-                  <a:lnTo>
-                    <a:pt x="74" y="2320"/>
-                  </a:lnTo>
-                  <a:lnTo>
-                    <a:pt x="147" y="2393"/>
-                  </a:lnTo>
-                  <a:lnTo>
-                    <a:pt x="221" y="2467"/>
-                  </a:lnTo>
-                  <a:lnTo>
-                    <a:pt x="294" y="2491"/>
-                  </a:lnTo>
-                  <a:lnTo>
-                    <a:pt x="392" y="2540"/>
-                  </a:lnTo>
-                  <a:lnTo>
-                    <a:pt x="782" y="2540"/>
-                  </a:lnTo>
-                  <a:lnTo>
-                    <a:pt x="880" y="2491"/>
-                  </a:lnTo>
-                  <a:lnTo>
-                    <a:pt x="953" y="2467"/>
-                  </a:lnTo>
-                  <a:lnTo>
-                    <a:pt x="1027" y="2393"/>
-                  </a:lnTo>
-                  <a:lnTo>
-                    <a:pt x="1100" y="2320"/>
-                  </a:lnTo>
-                  <a:lnTo>
-                    <a:pt x="1124" y="2247"/>
-                  </a:lnTo>
-                  <a:lnTo>
-                    <a:pt x="1173" y="2149"/>
-                  </a:lnTo>
-                  <a:lnTo>
-                    <a:pt x="1173" y="2052"/>
-                  </a:lnTo>
-                  <a:lnTo>
-                    <a:pt x="1173" y="488"/>
-                  </a:lnTo>
-                  <a:lnTo>
-                    <a:pt x="1173" y="391"/>
-                  </a:lnTo>
-                  <a:lnTo>
-                    <a:pt x="1124" y="293"/>
-                  </a:lnTo>
-                  <a:lnTo>
-                    <a:pt x="1100" y="220"/>
-                  </a:lnTo>
-                  <a:lnTo>
-                    <a:pt x="1027" y="147"/>
-                  </a:lnTo>
-                  <a:lnTo>
-                    <a:pt x="953" y="73"/>
-                  </a:lnTo>
-                  <a:lnTo>
-                    <a:pt x="880" y="49"/>
-                  </a:lnTo>
-                  <a:lnTo>
-                    <a:pt x="782" y="0"/>
-                  </a:lnTo>
-                  <a:close/>
-                </a:path>
-              </a:pathLst>
-            </a:custGeom>
-            <a:solidFill>
-              <a:srgbClr val="FFB600"/>
-            </a:solidFill>
-            <a:ln>
-              <a:noFill/>
-            </a:ln>
+            </a:prstGeom>
           </p:spPr>
+          <p:style>
+            <a:lnRef idx="2">
+              <a:schemeClr val="accent1">
+                <a:shade val="50000"/>
+              </a:schemeClr>
+            </a:lnRef>
+            <a:fillRef idx="1">
+              <a:schemeClr val="accent1"/>
+            </a:fillRef>
+            <a:effectRef idx="0">
+              <a:schemeClr val="accent1"/>
+            </a:effectRef>
+            <a:fontRef idx="minor">
+              <a:schemeClr val="lt1"/>
+            </a:fontRef>
+          </p:style>
           <p:txBody>
-            <a:bodyPr wrap="square" lIns="91425" tIns="91425" rIns="91425" bIns="91425" anchor="ctr" anchorCtr="0">
-              <a:noAutofit/>
-            </a:bodyPr>
+            <a:bodyPr rtlCol="0" anchor="ctr"/>
             <a:lstStyle/>
             <a:p>
-              <a:pPr marL="0" lvl="0" indent="0">
-                <a:spcBef>
-                  <a:spcPts val="0"/>
-                </a:spcBef>
-                <a:buNone/>
-              </a:pPr>
-              <a:endParaRPr/>
+              <a:pPr algn="ctr"/>
+              <a:endParaRPr lang="en-SG">
+                <a:solidFill>
+                  <a:schemeClr val="tx1"/>
+                </a:solidFill>
+              </a:endParaRPr>
             </a:p>
           </p:txBody>
         </p:sp>
         <p:sp>
           <p:nvSpPr>
-            <p:cNvPr id="21" name="Shape 424"/>
+            <p:cNvPr id="37" name="Curved Down Arrow 36"/>
             <p:cNvSpPr/>
             <p:nvPr/>
           </p:nvSpPr>
           <p:spPr>
-            <a:xfrm>
-              <a:off x="6097200" y="509200"/>
-              <a:ext cx="50700" cy="53775"/>
+            <a:xfrm flipH="1">
+              <a:off x="1733448" y="1153998"/>
+              <a:ext cx="2664296" cy="481647"/>
             </a:xfrm>
-            <a:custGeom>
+            <a:prstGeom prst="curvedDownArrow">
               <a:avLst/>
-              <a:gdLst/>
-              <a:ahLst/>
-              <a:cxnLst/>
-              <a:rect l="0" t="0" r="0" b="0"/>
-              <a:pathLst>
-                <a:path w="2028" h="2151" extrusionOk="0">
-                  <a:moveTo>
-                    <a:pt x="0" y="1"/>
-                  </a:moveTo>
-                  <a:lnTo>
-                    <a:pt x="0" y="2150"/>
-                  </a:lnTo>
-                  <a:lnTo>
-                    <a:pt x="2027" y="2150"/>
-                  </a:lnTo>
-                  <a:lnTo>
-                    <a:pt x="2027" y="1"/>
-                  </a:lnTo>
-                  <a:close/>
-                </a:path>
-              </a:pathLst>
-            </a:custGeom>
-            <a:solidFill>
-              <a:srgbClr val="FFB600"/>
-            </a:solidFill>
-            <a:ln>
-              <a:noFill/>
-            </a:ln>
+            </a:prstGeom>
           </p:spPr>
+          <p:style>
+            <a:lnRef idx="2">
+              <a:schemeClr val="accent1">
+                <a:shade val="50000"/>
+              </a:schemeClr>
+            </a:lnRef>
+            <a:fillRef idx="1">
+              <a:schemeClr val="accent1"/>
+            </a:fillRef>
+            <a:effectRef idx="0">
+              <a:schemeClr val="accent1"/>
+            </a:effectRef>
+            <a:fontRef idx="minor">
+              <a:schemeClr val="lt1"/>
+            </a:fontRef>
+          </p:style>
           <p:txBody>
-            <a:bodyPr wrap="square" lIns="91425" tIns="91425" rIns="91425" bIns="91425" anchor="ctr" anchorCtr="0">
-              <a:noAutofit/>
-            </a:bodyPr>
+            <a:bodyPr rtlCol="0" anchor="ctr"/>
             <a:lstStyle/>
             <a:p>
-              <a:pPr marL="0" lvl="0" indent="0">
-                <a:spcBef>
-                  <a:spcPts val="0"/>
-                </a:spcBef>
-                <a:buNone/>
-              </a:pPr>
-              <a:endParaRPr/>
-            </a:p>
-          </p:txBody>
-        </p:sp>
-        <p:sp>
-          <p:nvSpPr>
-            <p:cNvPr id="22" name="Shape 425"/>
-            <p:cNvSpPr/>
-            <p:nvPr/>
-          </p:nvSpPr>
-          <p:spPr>
-            <a:xfrm>
-              <a:off x="6097200" y="448150"/>
-              <a:ext cx="50700" cy="48875"/>
-            </a:xfrm>
-            <a:custGeom>
-              <a:avLst/>
-              <a:gdLst/>
-              <a:ahLst/>
-              <a:cxnLst/>
-              <a:rect l="0" t="0" r="0" b="0"/>
-              <a:pathLst>
-                <a:path w="2028" h="1955" extrusionOk="0">
-                  <a:moveTo>
-                    <a:pt x="0" y="1"/>
-                  </a:moveTo>
-                  <a:lnTo>
-                    <a:pt x="0" y="1954"/>
-                  </a:lnTo>
-                  <a:lnTo>
-                    <a:pt x="2027" y="1954"/>
-                  </a:lnTo>
-                  <a:lnTo>
-                    <a:pt x="2027" y="1"/>
-                  </a:lnTo>
-                  <a:close/>
-                </a:path>
-              </a:pathLst>
-            </a:custGeom>
-            <a:solidFill>
-              <a:srgbClr val="FFB600"/>
-            </a:solidFill>
-            <a:ln>
-              <a:noFill/>
-            </a:ln>
-          </p:spPr>
-          <p:txBody>
-            <a:bodyPr wrap="square" lIns="91425" tIns="91425" rIns="91425" bIns="91425" anchor="ctr" anchorCtr="0">
-              <a:noAutofit/>
-            </a:bodyPr>
-            <a:lstStyle/>
-            <a:p>
-              <a:pPr marL="0" lvl="0" indent="0">
-                <a:spcBef>
-                  <a:spcPts val="0"/>
-                </a:spcBef>
-                <a:buNone/>
-              </a:pPr>
-              <a:endParaRPr/>
-            </a:p>
-          </p:txBody>
-        </p:sp>
-        <p:sp>
-          <p:nvSpPr>
-            <p:cNvPr id="23" name="Shape 426"/>
-            <p:cNvSpPr/>
-            <p:nvPr/>
-          </p:nvSpPr>
-          <p:spPr>
-            <a:xfrm>
-              <a:off x="6097200" y="575150"/>
-              <a:ext cx="50700" cy="48875"/>
-            </a:xfrm>
-            <a:custGeom>
-              <a:avLst/>
-              <a:gdLst/>
-              <a:ahLst/>
-              <a:cxnLst/>
-              <a:rect l="0" t="0" r="0" b="0"/>
-              <a:pathLst>
-                <a:path w="2028" h="1955" extrusionOk="0">
-                  <a:moveTo>
-                    <a:pt x="0" y="1"/>
-                  </a:moveTo>
-                  <a:lnTo>
-                    <a:pt x="0" y="1954"/>
-                  </a:lnTo>
-                  <a:lnTo>
-                    <a:pt x="2027" y="1954"/>
-                  </a:lnTo>
-                  <a:lnTo>
-                    <a:pt x="2027" y="1"/>
-                  </a:lnTo>
-                  <a:close/>
-                </a:path>
-              </a:pathLst>
-            </a:custGeom>
-            <a:solidFill>
-              <a:srgbClr val="FFB600"/>
-            </a:solidFill>
-            <a:ln>
-              <a:noFill/>
-            </a:ln>
-          </p:spPr>
-          <p:txBody>
-            <a:bodyPr wrap="square" lIns="91425" tIns="91425" rIns="91425" bIns="91425" anchor="ctr" anchorCtr="0">
-              <a:noAutofit/>
-            </a:bodyPr>
-            <a:lstStyle/>
-            <a:p>
-              <a:pPr marL="0" lvl="0" indent="0">
-                <a:spcBef>
-                  <a:spcPts val="0"/>
-                </a:spcBef>
-                <a:buNone/>
-              </a:pPr>
-              <a:endParaRPr/>
-            </a:p>
-          </p:txBody>
-        </p:sp>
-        <p:sp>
-          <p:nvSpPr>
-            <p:cNvPr id="24" name="Shape 427"/>
-            <p:cNvSpPr/>
-            <p:nvPr/>
-          </p:nvSpPr>
-          <p:spPr>
-            <a:xfrm>
-              <a:off x="6160075" y="575150"/>
-              <a:ext cx="50100" cy="48875"/>
-            </a:xfrm>
-            <a:custGeom>
-              <a:avLst/>
-              <a:gdLst/>
-              <a:ahLst/>
-              <a:cxnLst/>
-              <a:rect l="0" t="0" r="0" b="0"/>
-              <a:pathLst>
-                <a:path w="2004" h="1955" extrusionOk="0">
-                  <a:moveTo>
-                    <a:pt x="1" y="1"/>
-                  </a:moveTo>
-                  <a:lnTo>
-                    <a:pt x="1" y="1954"/>
-                  </a:lnTo>
-                  <a:lnTo>
-                    <a:pt x="2003" y="1954"/>
-                  </a:lnTo>
-                  <a:lnTo>
-                    <a:pt x="2003" y="1"/>
-                  </a:lnTo>
-                  <a:close/>
-                </a:path>
-              </a:pathLst>
-            </a:custGeom>
-            <a:solidFill>
-              <a:srgbClr val="FFB600"/>
-            </a:solidFill>
-            <a:ln>
-              <a:noFill/>
-            </a:ln>
-          </p:spPr>
-          <p:txBody>
-            <a:bodyPr wrap="square" lIns="91425" tIns="91425" rIns="91425" bIns="91425" anchor="ctr" anchorCtr="0">
-              <a:noAutofit/>
-            </a:bodyPr>
-            <a:lstStyle/>
-            <a:p>
-              <a:pPr marL="0" lvl="0" indent="0">
-                <a:spcBef>
-                  <a:spcPts val="0"/>
-                </a:spcBef>
-                <a:buNone/>
-              </a:pPr>
-              <a:endParaRPr/>
-            </a:p>
-          </p:txBody>
-        </p:sp>
-        <p:sp>
-          <p:nvSpPr>
-            <p:cNvPr id="25" name="Shape 428"/>
-            <p:cNvSpPr/>
-            <p:nvPr/>
-          </p:nvSpPr>
-          <p:spPr>
-            <a:xfrm>
-              <a:off x="6034300" y="509200"/>
-              <a:ext cx="50700" cy="53775"/>
-            </a:xfrm>
-            <a:custGeom>
-              <a:avLst/>
-              <a:gdLst/>
-              <a:ahLst/>
-              <a:cxnLst/>
-              <a:rect l="0" t="0" r="0" b="0"/>
-              <a:pathLst>
-                <a:path w="2028" h="2151" extrusionOk="0">
-                  <a:moveTo>
-                    <a:pt x="1" y="1"/>
-                  </a:moveTo>
-                  <a:lnTo>
-                    <a:pt x="1" y="2150"/>
-                  </a:lnTo>
-                  <a:lnTo>
-                    <a:pt x="2028" y="2150"/>
-                  </a:lnTo>
-                  <a:lnTo>
-                    <a:pt x="2028" y="1"/>
-                  </a:lnTo>
-                  <a:close/>
-                </a:path>
-              </a:pathLst>
-            </a:custGeom>
-            <a:solidFill>
-              <a:srgbClr val="FFB600"/>
-            </a:solidFill>
-            <a:ln>
-              <a:noFill/>
-            </a:ln>
-          </p:spPr>
-          <p:txBody>
-            <a:bodyPr wrap="square" lIns="91425" tIns="91425" rIns="91425" bIns="91425" anchor="ctr" anchorCtr="0">
-              <a:noAutofit/>
-            </a:bodyPr>
-            <a:lstStyle/>
-            <a:p>
-              <a:pPr marL="0" lvl="0" indent="0">
-                <a:spcBef>
-                  <a:spcPts val="0"/>
-                </a:spcBef>
-                <a:buNone/>
-              </a:pPr>
-              <a:endParaRPr/>
-            </a:p>
-          </p:txBody>
-        </p:sp>
-        <p:sp>
-          <p:nvSpPr>
-            <p:cNvPr id="26" name="Shape 429"/>
-            <p:cNvSpPr/>
-            <p:nvPr/>
-          </p:nvSpPr>
-          <p:spPr>
-            <a:xfrm>
-              <a:off x="6034300" y="575150"/>
-              <a:ext cx="50700" cy="48875"/>
-            </a:xfrm>
-            <a:custGeom>
-              <a:avLst/>
-              <a:gdLst/>
-              <a:ahLst/>
-              <a:cxnLst/>
-              <a:rect l="0" t="0" r="0" b="0"/>
-              <a:pathLst>
-                <a:path w="2028" h="1955" extrusionOk="0">
-                  <a:moveTo>
-                    <a:pt x="1" y="1"/>
-                  </a:moveTo>
-                  <a:lnTo>
-                    <a:pt x="1" y="1954"/>
-                  </a:lnTo>
-                  <a:lnTo>
-                    <a:pt x="2028" y="1954"/>
-                  </a:lnTo>
-                  <a:lnTo>
-                    <a:pt x="2028" y="1"/>
-                  </a:lnTo>
-                  <a:close/>
-                </a:path>
-              </a:pathLst>
-            </a:custGeom>
-            <a:solidFill>
-              <a:srgbClr val="FFB600"/>
-            </a:solidFill>
-            <a:ln>
-              <a:noFill/>
-            </a:ln>
-          </p:spPr>
-          <p:txBody>
-            <a:bodyPr wrap="square" lIns="91425" tIns="91425" rIns="91425" bIns="91425" anchor="ctr" anchorCtr="0">
-              <a:noAutofit/>
-            </a:bodyPr>
-            <a:lstStyle/>
-            <a:p>
-              <a:pPr marL="0" lvl="0" indent="0">
-                <a:spcBef>
-                  <a:spcPts val="0"/>
-                </a:spcBef>
-                <a:buNone/>
-              </a:pPr>
-              <a:endParaRPr/>
-            </a:p>
-          </p:txBody>
-        </p:sp>
-        <p:sp>
-          <p:nvSpPr>
-            <p:cNvPr id="27" name="Shape 430"/>
-            <p:cNvSpPr/>
-            <p:nvPr/>
-          </p:nvSpPr>
-          <p:spPr>
-            <a:xfrm>
-              <a:off x="6034300" y="448150"/>
-              <a:ext cx="50700" cy="48875"/>
-            </a:xfrm>
-            <a:custGeom>
-              <a:avLst/>
-              <a:gdLst/>
-              <a:ahLst/>
-              <a:cxnLst/>
-              <a:rect l="0" t="0" r="0" b="0"/>
-              <a:pathLst>
-                <a:path w="2028" h="1955" extrusionOk="0">
-                  <a:moveTo>
-                    <a:pt x="1" y="1"/>
-                  </a:moveTo>
-                  <a:lnTo>
-                    <a:pt x="1" y="1954"/>
-                  </a:lnTo>
-                  <a:lnTo>
-                    <a:pt x="2028" y="1954"/>
-                  </a:lnTo>
-                  <a:lnTo>
-                    <a:pt x="2028" y="1"/>
-                  </a:lnTo>
-                  <a:close/>
-                </a:path>
-              </a:pathLst>
-            </a:custGeom>
-            <a:solidFill>
-              <a:srgbClr val="FFB600"/>
-            </a:solidFill>
-            <a:ln>
-              <a:noFill/>
-            </a:ln>
-          </p:spPr>
-          <p:txBody>
-            <a:bodyPr wrap="square" lIns="91425" tIns="91425" rIns="91425" bIns="91425" anchor="ctr" anchorCtr="0">
-              <a:noAutofit/>
-            </a:bodyPr>
-            <a:lstStyle/>
-            <a:p>
-              <a:pPr marL="0" lvl="0" indent="0">
-                <a:spcBef>
-                  <a:spcPts val="0"/>
-                </a:spcBef>
-                <a:buNone/>
-              </a:pPr>
-              <a:endParaRPr/>
-            </a:p>
-          </p:txBody>
-        </p:sp>
-        <p:sp>
-          <p:nvSpPr>
-            <p:cNvPr id="28" name="Shape 431"/>
-            <p:cNvSpPr/>
-            <p:nvPr/>
-          </p:nvSpPr>
-          <p:spPr>
-            <a:xfrm>
-              <a:off x="6160075" y="509200"/>
-              <a:ext cx="50100" cy="53775"/>
-            </a:xfrm>
-            <a:custGeom>
-              <a:avLst/>
-              <a:gdLst/>
-              <a:ahLst/>
-              <a:cxnLst/>
-              <a:rect l="0" t="0" r="0" b="0"/>
-              <a:pathLst>
-                <a:path w="2004" h="2151" extrusionOk="0">
-                  <a:moveTo>
-                    <a:pt x="1" y="1"/>
-                  </a:moveTo>
-                  <a:lnTo>
-                    <a:pt x="1" y="2150"/>
-                  </a:lnTo>
-                  <a:lnTo>
-                    <a:pt x="2003" y="2150"/>
-                  </a:lnTo>
-                  <a:lnTo>
-                    <a:pt x="2003" y="1"/>
-                  </a:lnTo>
-                  <a:close/>
-                </a:path>
-              </a:pathLst>
-            </a:custGeom>
-            <a:solidFill>
-              <a:srgbClr val="FFB600"/>
-            </a:solidFill>
-            <a:ln>
-              <a:noFill/>
-            </a:ln>
-          </p:spPr>
-          <p:txBody>
-            <a:bodyPr wrap="square" lIns="91425" tIns="91425" rIns="91425" bIns="91425" anchor="ctr" anchorCtr="0">
-              <a:noAutofit/>
-            </a:bodyPr>
-            <a:lstStyle/>
-            <a:p>
-              <a:pPr marL="0" lvl="0" indent="0">
-                <a:spcBef>
-                  <a:spcPts val="0"/>
-                </a:spcBef>
-                <a:buNone/>
-              </a:pPr>
-              <a:endParaRPr/>
-            </a:p>
-          </p:txBody>
-        </p:sp>
-        <p:sp>
-          <p:nvSpPr>
-            <p:cNvPr id="29" name="Shape 432"/>
-            <p:cNvSpPr/>
-            <p:nvPr/>
-          </p:nvSpPr>
-          <p:spPr>
-            <a:xfrm>
-              <a:off x="5983625" y="399300"/>
-              <a:ext cx="403000" cy="272950"/>
-            </a:xfrm>
-            <a:custGeom>
-              <a:avLst/>
-              <a:gdLst/>
-              <a:ahLst/>
-              <a:cxnLst/>
-              <a:rect l="0" t="0" r="0" b="0"/>
-              <a:pathLst>
-                <a:path w="16120" h="10918" extrusionOk="0">
-                  <a:moveTo>
-                    <a:pt x="14434" y="1466"/>
-                  </a:moveTo>
-                  <a:lnTo>
-                    <a:pt x="14508" y="1515"/>
-                  </a:lnTo>
-                  <a:lnTo>
-                    <a:pt x="14557" y="1613"/>
-                  </a:lnTo>
-                  <a:lnTo>
-                    <a:pt x="14581" y="1710"/>
-                  </a:lnTo>
-                  <a:lnTo>
-                    <a:pt x="14581" y="9233"/>
-                  </a:lnTo>
-                  <a:lnTo>
-                    <a:pt x="14557" y="9330"/>
-                  </a:lnTo>
-                  <a:lnTo>
-                    <a:pt x="14508" y="9404"/>
-                  </a:lnTo>
-                  <a:lnTo>
-                    <a:pt x="14434" y="9452"/>
-                  </a:lnTo>
-                  <a:lnTo>
-                    <a:pt x="14337" y="9477"/>
-                  </a:lnTo>
-                  <a:lnTo>
-                    <a:pt x="1783" y="9477"/>
-                  </a:lnTo>
-                  <a:lnTo>
-                    <a:pt x="1686" y="9452"/>
-                  </a:lnTo>
-                  <a:lnTo>
-                    <a:pt x="1612" y="9404"/>
-                  </a:lnTo>
-                  <a:lnTo>
-                    <a:pt x="1564" y="9330"/>
-                  </a:lnTo>
-                  <a:lnTo>
-                    <a:pt x="1539" y="9233"/>
-                  </a:lnTo>
-                  <a:lnTo>
-                    <a:pt x="1539" y="1710"/>
-                  </a:lnTo>
-                  <a:lnTo>
-                    <a:pt x="1564" y="1613"/>
-                  </a:lnTo>
-                  <a:lnTo>
-                    <a:pt x="1612" y="1515"/>
-                  </a:lnTo>
-                  <a:lnTo>
-                    <a:pt x="1686" y="1466"/>
-                  </a:lnTo>
-                  <a:close/>
-                  <a:moveTo>
-                    <a:pt x="0" y="1"/>
-                  </a:moveTo>
-                  <a:lnTo>
-                    <a:pt x="0" y="10332"/>
-                  </a:lnTo>
-                  <a:lnTo>
-                    <a:pt x="25" y="10429"/>
-                  </a:lnTo>
-                  <a:lnTo>
-                    <a:pt x="74" y="10527"/>
-                  </a:lnTo>
-                  <a:lnTo>
-                    <a:pt x="147" y="10625"/>
-                  </a:lnTo>
-                  <a:lnTo>
-                    <a:pt x="220" y="10722"/>
-                  </a:lnTo>
-                  <a:lnTo>
-                    <a:pt x="342" y="10796"/>
-                  </a:lnTo>
-                  <a:lnTo>
-                    <a:pt x="489" y="10869"/>
-                  </a:lnTo>
-                  <a:lnTo>
-                    <a:pt x="635" y="10918"/>
-                  </a:lnTo>
-                  <a:lnTo>
-                    <a:pt x="15485" y="10918"/>
-                  </a:lnTo>
-                  <a:lnTo>
-                    <a:pt x="15631" y="10869"/>
-                  </a:lnTo>
-                  <a:lnTo>
-                    <a:pt x="15778" y="10796"/>
-                  </a:lnTo>
-                  <a:lnTo>
-                    <a:pt x="15900" y="10698"/>
-                  </a:lnTo>
-                  <a:lnTo>
-                    <a:pt x="15973" y="10576"/>
-                  </a:lnTo>
-                  <a:lnTo>
-                    <a:pt x="16046" y="10454"/>
-                  </a:lnTo>
-                  <a:lnTo>
-                    <a:pt x="16095" y="10307"/>
-                  </a:lnTo>
-                  <a:lnTo>
-                    <a:pt x="16120" y="10136"/>
-                  </a:lnTo>
-                  <a:lnTo>
-                    <a:pt x="16120" y="1"/>
-                  </a:lnTo>
-                  <a:close/>
-                </a:path>
-              </a:pathLst>
-            </a:custGeom>
-            <a:solidFill>
-              <a:srgbClr val="FFB600"/>
-            </a:solidFill>
-            <a:ln>
-              <a:noFill/>
-            </a:ln>
-          </p:spPr>
-          <p:txBody>
-            <a:bodyPr wrap="square" lIns="91425" tIns="91425" rIns="91425" bIns="91425" anchor="ctr" anchorCtr="0">
-              <a:noAutofit/>
-            </a:bodyPr>
-            <a:lstStyle/>
-            <a:p>
-              <a:pPr marL="0" lvl="0" indent="0">
-                <a:spcBef>
-                  <a:spcPts val="0"/>
-                </a:spcBef>
-                <a:buNone/>
-              </a:pPr>
-              <a:endParaRPr/>
-            </a:p>
-          </p:txBody>
-        </p:sp>
-        <p:sp>
-          <p:nvSpPr>
-            <p:cNvPr id="30" name="Shape 433"/>
-            <p:cNvSpPr/>
-            <p:nvPr/>
-          </p:nvSpPr>
-          <p:spPr>
-            <a:xfrm>
-              <a:off x="6285250" y="575150"/>
-              <a:ext cx="50700" cy="48875"/>
-            </a:xfrm>
-            <a:custGeom>
-              <a:avLst/>
-              <a:gdLst/>
-              <a:ahLst/>
-              <a:cxnLst/>
-              <a:rect l="0" t="0" r="0" b="0"/>
-              <a:pathLst>
-                <a:path w="2028" h="1955" extrusionOk="0">
-                  <a:moveTo>
-                    <a:pt x="0" y="1"/>
-                  </a:moveTo>
-                  <a:lnTo>
-                    <a:pt x="0" y="1954"/>
-                  </a:lnTo>
-                  <a:lnTo>
-                    <a:pt x="2028" y="1954"/>
-                  </a:lnTo>
-                  <a:lnTo>
-                    <a:pt x="2028" y="1"/>
-                  </a:lnTo>
-                  <a:close/>
-                </a:path>
-              </a:pathLst>
-            </a:custGeom>
-            <a:solidFill>
-              <a:srgbClr val="FFB600"/>
-            </a:solidFill>
-            <a:ln>
-              <a:noFill/>
-            </a:ln>
-          </p:spPr>
-          <p:txBody>
-            <a:bodyPr wrap="square" lIns="91425" tIns="91425" rIns="91425" bIns="91425" anchor="ctr" anchorCtr="0">
-              <a:noAutofit/>
-            </a:bodyPr>
-            <a:lstStyle/>
-            <a:p>
-              <a:pPr marL="0" lvl="0" indent="0">
-                <a:spcBef>
-                  <a:spcPts val="0"/>
-                </a:spcBef>
-                <a:buNone/>
-              </a:pPr>
-              <a:endParaRPr/>
-            </a:p>
-          </p:txBody>
-        </p:sp>
-        <p:sp>
-          <p:nvSpPr>
-            <p:cNvPr id="31" name="Shape 434"/>
-            <p:cNvSpPr/>
-            <p:nvPr/>
-          </p:nvSpPr>
-          <p:spPr>
-            <a:xfrm>
-              <a:off x="6285250" y="509200"/>
-              <a:ext cx="50700" cy="53775"/>
-            </a:xfrm>
-            <a:custGeom>
-              <a:avLst/>
-              <a:gdLst/>
-              <a:ahLst/>
-              <a:cxnLst/>
-              <a:rect l="0" t="0" r="0" b="0"/>
-              <a:pathLst>
-                <a:path w="2028" h="2151" extrusionOk="0">
-                  <a:moveTo>
-                    <a:pt x="0" y="1"/>
-                  </a:moveTo>
-                  <a:lnTo>
-                    <a:pt x="0" y="2150"/>
-                  </a:lnTo>
-                  <a:lnTo>
-                    <a:pt x="2028" y="2150"/>
-                  </a:lnTo>
-                  <a:lnTo>
-                    <a:pt x="2028" y="1"/>
-                  </a:lnTo>
-                  <a:close/>
-                </a:path>
-              </a:pathLst>
-            </a:custGeom>
-            <a:solidFill>
-              <a:srgbClr val="FFB600"/>
-            </a:solidFill>
-            <a:ln>
-              <a:noFill/>
-            </a:ln>
-          </p:spPr>
-          <p:txBody>
-            <a:bodyPr wrap="square" lIns="91425" tIns="91425" rIns="91425" bIns="91425" anchor="ctr" anchorCtr="0">
-              <a:noAutofit/>
-            </a:bodyPr>
-            <a:lstStyle/>
-            <a:p>
-              <a:pPr marL="0" lvl="0" indent="0">
-                <a:spcBef>
-                  <a:spcPts val="0"/>
-                </a:spcBef>
-                <a:buNone/>
-              </a:pPr>
-              <a:endParaRPr/>
-            </a:p>
-          </p:txBody>
-        </p:sp>
-        <p:sp>
-          <p:nvSpPr>
-            <p:cNvPr id="32" name="Shape 435"/>
-            <p:cNvSpPr/>
-            <p:nvPr/>
-          </p:nvSpPr>
-          <p:spPr>
-            <a:xfrm>
-              <a:off x="6285250" y="448150"/>
-              <a:ext cx="50700" cy="48875"/>
-            </a:xfrm>
-            <a:custGeom>
-              <a:avLst/>
-              <a:gdLst/>
-              <a:ahLst/>
-              <a:cxnLst/>
-              <a:rect l="0" t="0" r="0" b="0"/>
-              <a:pathLst>
-                <a:path w="2028" h="1955" extrusionOk="0">
-                  <a:moveTo>
-                    <a:pt x="0" y="1"/>
-                  </a:moveTo>
-                  <a:lnTo>
-                    <a:pt x="0" y="1954"/>
-                  </a:lnTo>
-                  <a:lnTo>
-                    <a:pt x="2028" y="1954"/>
-                  </a:lnTo>
-                  <a:lnTo>
-                    <a:pt x="2028" y="1"/>
-                  </a:lnTo>
-                  <a:close/>
-                </a:path>
-              </a:pathLst>
-            </a:custGeom>
-            <a:solidFill>
-              <a:srgbClr val="FFB600"/>
-            </a:solidFill>
-            <a:ln>
-              <a:noFill/>
-            </a:ln>
-          </p:spPr>
-          <p:txBody>
-            <a:bodyPr wrap="square" lIns="91425" tIns="91425" rIns="91425" bIns="91425" anchor="ctr" anchorCtr="0">
-              <a:noAutofit/>
-            </a:bodyPr>
-            <a:lstStyle/>
-            <a:p>
-              <a:pPr marL="0" lvl="0" indent="0">
-                <a:spcBef>
-                  <a:spcPts val="0"/>
-                </a:spcBef>
-                <a:buNone/>
-              </a:pPr>
-              <a:endParaRPr/>
-            </a:p>
-          </p:txBody>
-        </p:sp>
-        <p:sp>
-          <p:nvSpPr>
-            <p:cNvPr id="33" name="Shape 436"/>
-            <p:cNvSpPr/>
-            <p:nvPr/>
-          </p:nvSpPr>
-          <p:spPr>
-            <a:xfrm>
-              <a:off x="6222350" y="575150"/>
-              <a:ext cx="50700" cy="48875"/>
-            </a:xfrm>
-            <a:custGeom>
-              <a:avLst/>
-              <a:gdLst/>
-              <a:ahLst/>
-              <a:cxnLst/>
-              <a:rect l="0" t="0" r="0" b="0"/>
-              <a:pathLst>
-                <a:path w="2028" h="1955" extrusionOk="0">
-                  <a:moveTo>
-                    <a:pt x="1" y="1"/>
-                  </a:moveTo>
-                  <a:lnTo>
-                    <a:pt x="1" y="1954"/>
-                  </a:lnTo>
-                  <a:lnTo>
-                    <a:pt x="2028" y="1954"/>
-                  </a:lnTo>
-                  <a:lnTo>
-                    <a:pt x="2028" y="1"/>
-                  </a:lnTo>
-                  <a:close/>
-                </a:path>
-              </a:pathLst>
-            </a:custGeom>
-            <a:solidFill>
-              <a:srgbClr val="FFB600"/>
-            </a:solidFill>
-            <a:ln>
-              <a:noFill/>
-            </a:ln>
-          </p:spPr>
-          <p:txBody>
-            <a:bodyPr wrap="square" lIns="91425" tIns="91425" rIns="91425" bIns="91425" anchor="ctr" anchorCtr="0">
-              <a:noAutofit/>
-            </a:bodyPr>
-            <a:lstStyle/>
-            <a:p>
-              <a:pPr marL="0" lvl="0" indent="0">
-                <a:spcBef>
-                  <a:spcPts val="0"/>
-                </a:spcBef>
-                <a:buNone/>
-              </a:pPr>
-              <a:endParaRPr/>
-            </a:p>
-          </p:txBody>
-        </p:sp>
-        <p:sp>
-          <p:nvSpPr>
-            <p:cNvPr id="34" name="Shape 437"/>
-            <p:cNvSpPr/>
-            <p:nvPr/>
-          </p:nvSpPr>
-          <p:spPr>
-            <a:xfrm>
-              <a:off x="6160075" y="448150"/>
-              <a:ext cx="50100" cy="48875"/>
-            </a:xfrm>
-            <a:custGeom>
-              <a:avLst/>
-              <a:gdLst/>
-              <a:ahLst/>
-              <a:cxnLst/>
-              <a:rect l="0" t="0" r="0" b="0"/>
-              <a:pathLst>
-                <a:path w="2004" h="1955" extrusionOk="0">
-                  <a:moveTo>
-                    <a:pt x="1" y="1"/>
-                  </a:moveTo>
-                  <a:lnTo>
-                    <a:pt x="1" y="1954"/>
-                  </a:lnTo>
-                  <a:lnTo>
-                    <a:pt x="2003" y="1954"/>
-                  </a:lnTo>
-                  <a:lnTo>
-                    <a:pt x="2003" y="1"/>
-                  </a:lnTo>
-                  <a:close/>
-                </a:path>
-              </a:pathLst>
-            </a:custGeom>
-            <a:solidFill>
-              <a:srgbClr val="FFB600"/>
-            </a:solidFill>
-            <a:ln>
-              <a:noFill/>
-            </a:ln>
-          </p:spPr>
-          <p:txBody>
-            <a:bodyPr wrap="square" lIns="91425" tIns="91425" rIns="91425" bIns="91425" anchor="ctr" anchorCtr="0">
-              <a:noAutofit/>
-            </a:bodyPr>
-            <a:lstStyle/>
-            <a:p>
-              <a:pPr marL="0" lvl="0" indent="0">
-                <a:spcBef>
-                  <a:spcPts val="0"/>
-                </a:spcBef>
-                <a:buNone/>
-              </a:pPr>
-              <a:endParaRPr/>
-            </a:p>
-          </p:txBody>
-        </p:sp>
-        <p:sp>
-          <p:nvSpPr>
-            <p:cNvPr id="35" name="Shape 438"/>
-            <p:cNvSpPr/>
-            <p:nvPr/>
-          </p:nvSpPr>
-          <p:spPr>
-            <a:xfrm>
-              <a:off x="6222350" y="509200"/>
-              <a:ext cx="50700" cy="53775"/>
-            </a:xfrm>
-            <a:custGeom>
-              <a:avLst/>
-              <a:gdLst/>
-              <a:ahLst/>
-              <a:cxnLst/>
-              <a:rect l="0" t="0" r="0" b="0"/>
-              <a:pathLst>
-                <a:path w="2028" h="2151" extrusionOk="0">
-                  <a:moveTo>
-                    <a:pt x="1" y="1"/>
-                  </a:moveTo>
-                  <a:lnTo>
-                    <a:pt x="1" y="2150"/>
-                  </a:lnTo>
-                  <a:lnTo>
-                    <a:pt x="2028" y="2150"/>
-                  </a:lnTo>
-                  <a:lnTo>
-                    <a:pt x="2028" y="1"/>
-                  </a:lnTo>
-                  <a:close/>
-                </a:path>
-              </a:pathLst>
-            </a:custGeom>
-            <a:solidFill>
-              <a:srgbClr val="FFB600"/>
-            </a:solidFill>
-            <a:ln>
-              <a:noFill/>
-            </a:ln>
-          </p:spPr>
-          <p:txBody>
-            <a:bodyPr wrap="square" lIns="91425" tIns="91425" rIns="91425" bIns="91425" anchor="ctr" anchorCtr="0">
-              <a:noAutofit/>
-            </a:bodyPr>
-            <a:lstStyle/>
-            <a:p>
-              <a:pPr marL="0" lvl="0" indent="0">
-                <a:spcBef>
-                  <a:spcPts val="0"/>
-                </a:spcBef>
-                <a:buNone/>
-              </a:pPr>
-              <a:endParaRPr/>
-            </a:p>
-          </p:txBody>
-        </p:sp>
-        <p:sp>
-          <p:nvSpPr>
-            <p:cNvPr id="36" name="Shape 439"/>
-            <p:cNvSpPr/>
-            <p:nvPr/>
-          </p:nvSpPr>
-          <p:spPr>
-            <a:xfrm>
-              <a:off x="6222350" y="448150"/>
-              <a:ext cx="50700" cy="48875"/>
-            </a:xfrm>
-            <a:custGeom>
-              <a:avLst/>
-              <a:gdLst/>
-              <a:ahLst/>
-              <a:cxnLst/>
-              <a:rect l="0" t="0" r="0" b="0"/>
-              <a:pathLst>
-                <a:path w="2028" h="1955" extrusionOk="0">
-                  <a:moveTo>
-                    <a:pt x="1" y="1"/>
-                  </a:moveTo>
-                  <a:lnTo>
-                    <a:pt x="1" y="1954"/>
-                  </a:lnTo>
-                  <a:lnTo>
-                    <a:pt x="2028" y="1954"/>
-                  </a:lnTo>
-                  <a:lnTo>
-                    <a:pt x="2028" y="1"/>
-                  </a:lnTo>
-                  <a:close/>
-                </a:path>
-              </a:pathLst>
-            </a:custGeom>
-            <a:solidFill>
-              <a:srgbClr val="FFB600"/>
-            </a:solidFill>
-            <a:ln>
-              <a:noFill/>
-            </a:ln>
-          </p:spPr>
-          <p:txBody>
-            <a:bodyPr wrap="square" lIns="91425" tIns="91425" rIns="91425" bIns="91425" anchor="ctr" anchorCtr="0">
-              <a:noAutofit/>
-            </a:bodyPr>
-            <a:lstStyle/>
-            <a:p>
-              <a:pPr marL="0" lvl="0" indent="0">
-                <a:spcBef>
-                  <a:spcPts val="0"/>
-                </a:spcBef>
-                <a:buNone/>
-              </a:pPr>
-              <a:endParaRPr/>
+              <a:pPr algn="ctr"/>
+              <a:endParaRPr lang="en-SG">
+                <a:solidFill>
+                  <a:schemeClr val="tx1"/>
+                </a:solidFill>
+              </a:endParaRPr>
             </a:p>
           </p:txBody>
         </p:sp>
       </p:grpSp>
+      <p:pic>
+        <p:nvPicPr>
+          <p:cNvPr id="2050" name="Picture 2"/>
+          <p:cNvPicPr>
+            <a:picLocks noChangeAspect="1" noChangeArrowheads="1"/>
+          </p:cNvPicPr>
+          <p:nvPr/>
+        </p:nvPicPr>
+        <p:blipFill>
+          <a:blip r:embed="rId8">
+            <a:extLst>
+              <a:ext uri="{28A0092B-C50C-407E-A947-70E740481C1C}">
+                <a14:useLocalDpi xmlns:a14="http://schemas.microsoft.com/office/drawing/2010/main" val="0"/>
+              </a:ext>
+            </a:extLst>
+          </a:blip>
+          <a:srcRect/>
+          <a:stretch>
+            <a:fillRect/>
+          </a:stretch>
+        </p:blipFill>
+        <p:spPr bwMode="auto">
+          <a:xfrm>
+            <a:off x="7328183" y="1648485"/>
+            <a:ext cx="1332170" cy="2378875"/>
+          </a:xfrm>
+          <a:prstGeom prst="rect">
+            <a:avLst/>
+          </a:prstGeom>
+          <a:noFill/>
+          <a:ln>
+            <a:noFill/>
+          </a:ln>
+          <a:effectLst/>
+          <a:extLst>
+            <a:ext uri="{909E8E84-426E-40DD-AFC4-6F175D3DCCD1}">
+              <a14:hiddenFill xmlns:a14="http://schemas.microsoft.com/office/drawing/2010/main">
+                <a:solidFill>
+                  <a:schemeClr val="accent1"/>
+                </a:solidFill>
+              </a14:hiddenFill>
+            </a:ext>
+            <a:ext uri="{91240B29-F687-4F45-9708-019B960494DF}">
+              <a14:hiddenLine xmlns:a14="http://schemas.microsoft.com/office/drawing/2010/main" w="9525">
+                <a:solidFill>
+                  <a:schemeClr val="tx1"/>
+                </a:solidFill>
+                <a:miter lim="800000"/>
+                <a:headEnd/>
+                <a:tailEnd/>
+              </a14:hiddenLine>
+            </a:ext>
+            <a:ext uri="{AF507438-7753-43E0-B8FC-AC1667EBCBE1}">
+              <a14:hiddenEffects xmlns:a14="http://schemas.microsoft.com/office/drawing/2010/main">
+                <a:effectLst>
+                  <a:outerShdw dist="35921" dir="2700000" algn="ctr" rotWithShape="0">
+                    <a:schemeClr val="bg2"/>
+                  </a:outerShdw>
+                </a:effectLst>
+              </a14:hiddenEffects>
+            </a:ext>
+          </a:extLst>
+        </p:spPr>
+      </p:pic>
     </p:spTree>
     <p:extLst>
       <p:ext uri="{BB962C8B-B14F-4D97-AF65-F5344CB8AC3E}">
@@ -27920,15 +29638,6 @@
               </a:rPr>
               <a:t>odel selection</a:t>
             </a:r>
-            <a:endParaRPr lang="en" sz="900" dirty="0">
-              <a:solidFill>
-                <a:srgbClr val="434343"/>
-              </a:solidFill>
-              <a:latin typeface="Raleway Light"/>
-              <a:ea typeface="Raleway Light"/>
-              <a:cs typeface="Raleway Light"/>
-              <a:sym typeface="Raleway Light"/>
-            </a:endParaRPr>
           </a:p>
         </p:txBody>
       </p:sp>
@@ -28031,29 +29740,7 @@
                 <a:ea typeface="Raleway ExtraBold"/>
                 <a:cs typeface="Raleway ExtraBold"/>
               </a:rPr>
-              <a:t>&amp; </a:t>
-            </a:r>
-            <a:r>
-              <a:rPr lang="en-US" sz="1100" dirty="0">
-                <a:solidFill>
-                  <a:srgbClr val="434343"/>
-                </a:solidFill>
-                <a:latin typeface="Raleway ExtraBold"/>
-                <a:ea typeface="Raleway ExtraBold"/>
-                <a:cs typeface="Raleway ExtraBold"/>
-              </a:rPr>
-              <a:t>Discussion</a:t>
-            </a:r>
-            <a:r>
-              <a:rPr lang="en-US" sz="1100" dirty="0">
-                <a:solidFill>
-                  <a:srgbClr val="434343"/>
-                </a:solidFill>
-                <a:latin typeface="Raleway ExtraBold"/>
-                <a:ea typeface="Raleway ExtraBold"/>
-                <a:cs typeface="Raleway ExtraBold"/>
-              </a:rPr>
-              <a:t> </a:t>
+              <a:t>&amp; Discussion </a:t>
             </a:r>
             <a:endParaRPr lang="en" sz="1100" dirty="0">
               <a:solidFill>
@@ -29740,15 +31427,6 @@
               </a:rPr>
               <a:t>2</a:t>
             </a:r>
-            <a:endParaRPr lang="en" sz="7200" dirty="0">
-              <a:solidFill>
-                <a:srgbClr val="434343"/>
-              </a:solidFill>
-              <a:latin typeface="Raleway ExtraBold"/>
-              <a:ea typeface="Raleway ExtraBold"/>
-              <a:cs typeface="Raleway ExtraBold"/>
-              <a:sym typeface="Raleway ExtraBold"/>
-            </a:endParaRPr>
           </a:p>
         </p:txBody>
       </p:sp>
@@ -30531,7 +32209,7 @@
         </p:nvGraphicFramePr>
         <p:xfrm>
           <a:off x="758593" y="2956460"/>
-          <a:ext cx="3465498" cy="951548"/>
+          <a:ext cx="3465498" cy="963930"/>
         </p:xfrm>
         <a:graphic>
           <a:graphicData uri="http://schemas.openxmlformats.org/drawingml/2006/table">
@@ -33643,15 +35321,6 @@
               </a:rPr>
               <a:t>odel selection</a:t>
             </a:r>
-            <a:endParaRPr lang="en" sz="900" dirty="0">
-              <a:solidFill>
-                <a:srgbClr val="434343"/>
-              </a:solidFill>
-              <a:latin typeface="Raleway Light"/>
-              <a:ea typeface="Raleway Light"/>
-              <a:cs typeface="Raleway Light"/>
-              <a:sym typeface="Raleway Light"/>
-            </a:endParaRPr>
           </a:p>
         </p:txBody>
       </p:sp>
@@ -33748,29 +35417,7 @@
                 <a:ea typeface="Raleway ExtraBold"/>
                 <a:cs typeface="Raleway ExtraBold"/>
               </a:rPr>
-              <a:t>&amp; </a:t>
-            </a:r>
-            <a:r>
-              <a:rPr lang="en-US" sz="1100" dirty="0">
-                <a:solidFill>
-                  <a:srgbClr val="434343"/>
-                </a:solidFill>
-                <a:latin typeface="Raleway ExtraBold"/>
-                <a:ea typeface="Raleway ExtraBold"/>
-                <a:cs typeface="Raleway ExtraBold"/>
-              </a:rPr>
-              <a:t>Discussion</a:t>
-            </a:r>
-            <a:r>
-              <a:rPr lang="en-US" sz="1100" dirty="0">
-                <a:solidFill>
-                  <a:srgbClr val="434343"/>
-                </a:solidFill>
-                <a:latin typeface="Raleway ExtraBold"/>
-                <a:ea typeface="Raleway ExtraBold"/>
-                <a:cs typeface="Raleway ExtraBold"/>
-              </a:rPr>
-              <a:t> </a:t>
+              <a:t>&amp; Discussion </a:t>
             </a:r>
             <a:endParaRPr lang="en" sz="1100" dirty="0">
               <a:solidFill>
@@ -35457,15 +37104,6 @@
               </a:rPr>
               <a:t>2</a:t>
             </a:r>
-            <a:endParaRPr lang="en" sz="7200" dirty="0">
-              <a:solidFill>
-                <a:srgbClr val="434343"/>
-              </a:solidFill>
-              <a:latin typeface="Raleway ExtraBold"/>
-              <a:ea typeface="Raleway ExtraBold"/>
-              <a:cs typeface="Raleway ExtraBold"/>
-              <a:sym typeface="Raleway ExtraBold"/>
-            </a:endParaRPr>
           </a:p>
         </p:txBody>
       </p:sp>
@@ -37379,6 +39017,596 @@
           </a:p>
         </p:txBody>
       </p:sp>
+      <p:pic>
+        <p:nvPicPr>
+          <p:cNvPr id="1026" name="Picture 2"/>
+          <p:cNvPicPr>
+            <a:picLocks noChangeAspect="1" noChangeArrowheads="1"/>
+          </p:cNvPicPr>
+          <p:nvPr/>
+        </p:nvPicPr>
+        <p:blipFill>
+          <a:blip r:embed="rId6">
+            <a:extLst>
+              <a:ext uri="{28A0092B-C50C-407E-A947-70E740481C1C}">
+                <a14:useLocalDpi xmlns:a14="http://schemas.microsoft.com/office/drawing/2010/main" val="0"/>
+              </a:ext>
+            </a:extLst>
+          </a:blip>
+          <a:srcRect/>
+          <a:stretch>
+            <a:fillRect/>
+          </a:stretch>
+        </p:blipFill>
+        <p:spPr bwMode="auto">
+          <a:xfrm>
+            <a:off x="1331640" y="4367173"/>
+            <a:ext cx="2000250" cy="161925"/>
+          </a:xfrm>
+          <a:prstGeom prst="rect">
+            <a:avLst/>
+          </a:prstGeom>
+          <a:noFill/>
+          <a:ln>
+            <a:noFill/>
+          </a:ln>
+          <a:effectLst/>
+          <a:extLst>
+            <a:ext uri="{909E8E84-426E-40DD-AFC4-6F175D3DCCD1}">
+              <a14:hiddenFill xmlns:a14="http://schemas.microsoft.com/office/drawing/2010/main">
+                <a:solidFill>
+                  <a:schemeClr val="accent1"/>
+                </a:solidFill>
+              </a14:hiddenFill>
+            </a:ext>
+            <a:ext uri="{91240B29-F687-4F45-9708-019B960494DF}">
+              <a14:hiddenLine xmlns:a14="http://schemas.microsoft.com/office/drawing/2010/main" w="9525">
+                <a:solidFill>
+                  <a:schemeClr val="tx1"/>
+                </a:solidFill>
+                <a:miter lim="800000"/>
+                <a:headEnd/>
+                <a:tailEnd/>
+              </a14:hiddenLine>
+            </a:ext>
+            <a:ext uri="{AF507438-7753-43E0-B8FC-AC1667EBCBE1}">
+              <a14:hiddenEffects xmlns:a14="http://schemas.microsoft.com/office/drawing/2010/main">
+                <a:effectLst>
+                  <a:outerShdw dist="35921" dir="2700000" algn="ctr" rotWithShape="0">
+                    <a:schemeClr val="bg2"/>
+                  </a:outerShdw>
+                </a:effectLst>
+              </a14:hiddenEffects>
+            </a:ext>
+          </a:extLst>
+        </p:spPr>
+      </p:pic>
+      <p:graphicFrame>
+        <p:nvGraphicFramePr>
+          <p:cNvPr id="2" name="Table 1"/>
+          <p:cNvGraphicFramePr>
+            <a:graphicFrameLocks noGrp="1"/>
+          </p:cNvGraphicFramePr>
+          <p:nvPr>
+            <p:extLst>
+              <p:ext uri="{D42A27DB-BD31-4B8C-83A1-F6EECF244321}">
+                <p14:modId xmlns:p14="http://schemas.microsoft.com/office/powerpoint/2010/main" val="2982054907"/>
+              </p:ext>
+            </p:extLst>
+          </p:nvPr>
+        </p:nvGraphicFramePr>
+        <p:xfrm>
+          <a:off x="6971621" y="1635646"/>
+          <a:ext cx="1584176" cy="914400"/>
+        </p:xfrm>
+        <a:graphic>
+          <a:graphicData uri="http://schemas.openxmlformats.org/drawingml/2006/table">
+            <a:tbl>
+              <a:tblPr firstRow="1" bandRow="1">
+                <a:tableStyleId>{2D5ABB26-0587-4C30-8999-92F81FD0307C}</a:tableStyleId>
+              </a:tblPr>
+              <a:tblGrid>
+                <a:gridCol w="260047"/>
+                <a:gridCol w="460033"/>
+                <a:gridCol w="432048"/>
+                <a:gridCol w="432048"/>
+              </a:tblGrid>
+              <a:tr h="232791">
+                <a:tc>
+                  <a:txBody>
+                    <a:bodyPr/>
+                    <a:lstStyle/>
+                    <a:p>
+                      <a:endParaRPr lang="en-SG" dirty="0"/>
+                    </a:p>
+                  </a:txBody>
+                  <a:tcPr>
+                    <a:lnR w="12700" cap="flat" cmpd="sng" algn="ctr">
+                      <a:solidFill>
+                        <a:schemeClr val="tx1"/>
+                      </a:solidFill>
+                      <a:prstDash val="solid"/>
+                      <a:round/>
+                      <a:headEnd type="none" w="med" len="med"/>
+                      <a:tailEnd type="none" w="med" len="med"/>
+                    </a:lnR>
+                    <a:lnB w="12700" cap="flat" cmpd="sng" algn="ctr">
+                      <a:solidFill>
+                        <a:schemeClr val="tx1"/>
+                      </a:solidFill>
+                      <a:prstDash val="solid"/>
+                      <a:round/>
+                      <a:headEnd type="none" w="med" len="med"/>
+                      <a:tailEnd type="none" w="med" len="med"/>
+                    </a:lnB>
+                  </a:tcPr>
+                </a:tc>
+                <a:tc>
+                  <a:txBody>
+                    <a:bodyPr/>
+                    <a:lstStyle/>
+                    <a:p>
+                      <a:r>
+                        <a:rPr lang="en-US" dirty="0" smtClean="0"/>
+                        <a:t>0</a:t>
+                      </a:r>
+                      <a:endParaRPr lang="en-SG" dirty="0">
+                        <a:solidFill>
+                          <a:srgbClr val="FFC000"/>
+                        </a:solidFill>
+                      </a:endParaRPr>
+                    </a:p>
+                  </a:txBody>
+                  <a:tcPr>
+                    <a:lnL w="12700" cap="flat" cmpd="sng" algn="ctr">
+                      <a:solidFill>
+                        <a:schemeClr val="tx1"/>
+                      </a:solidFill>
+                      <a:prstDash val="solid"/>
+                      <a:round/>
+                      <a:headEnd type="none" w="med" len="med"/>
+                      <a:tailEnd type="none" w="med" len="med"/>
+                    </a:lnL>
+                    <a:lnR w="12700" cap="flat" cmpd="sng" algn="ctr">
+                      <a:solidFill>
+                        <a:schemeClr val="tx1"/>
+                      </a:solidFill>
+                      <a:prstDash val="solid"/>
+                      <a:round/>
+                      <a:headEnd type="none" w="med" len="med"/>
+                      <a:tailEnd type="none" w="med" len="med"/>
+                    </a:lnR>
+                    <a:lnB w="12700" cap="flat" cmpd="sng" algn="ctr">
+                      <a:solidFill>
+                        <a:schemeClr val="tx1"/>
+                      </a:solidFill>
+                      <a:prstDash val="solid"/>
+                      <a:round/>
+                      <a:headEnd type="none" w="med" len="med"/>
+                      <a:tailEnd type="none" w="med" len="med"/>
+                    </a:lnB>
+                  </a:tcPr>
+                </a:tc>
+                <a:tc>
+                  <a:txBody>
+                    <a:bodyPr/>
+                    <a:lstStyle/>
+                    <a:p>
+                      <a:r>
+                        <a:rPr lang="en-US" dirty="0" smtClean="0"/>
+                        <a:t>1</a:t>
+                      </a:r>
+                      <a:endParaRPr lang="en-SG" dirty="0">
+                        <a:solidFill>
+                          <a:srgbClr val="FFC000"/>
+                        </a:solidFill>
+                      </a:endParaRPr>
+                    </a:p>
+                  </a:txBody>
+                  <a:tcPr>
+                    <a:lnL w="12700" cap="flat" cmpd="sng" algn="ctr">
+                      <a:solidFill>
+                        <a:schemeClr val="tx1"/>
+                      </a:solidFill>
+                      <a:prstDash val="solid"/>
+                      <a:round/>
+                      <a:headEnd type="none" w="med" len="med"/>
+                      <a:tailEnd type="none" w="med" len="med"/>
+                    </a:lnL>
+                    <a:lnR w="12700" cap="flat" cmpd="sng" algn="ctr">
+                      <a:solidFill>
+                        <a:schemeClr val="tx1"/>
+                      </a:solidFill>
+                      <a:prstDash val="solid"/>
+                      <a:round/>
+                      <a:headEnd type="none" w="med" len="med"/>
+                      <a:tailEnd type="none" w="med" len="med"/>
+                    </a:lnR>
+                    <a:lnB w="12700" cap="flat" cmpd="sng" algn="ctr">
+                      <a:solidFill>
+                        <a:schemeClr val="tx1"/>
+                      </a:solidFill>
+                      <a:prstDash val="solid"/>
+                      <a:round/>
+                      <a:headEnd type="none" w="med" len="med"/>
+                      <a:tailEnd type="none" w="med" len="med"/>
+                    </a:lnB>
+                  </a:tcPr>
+                </a:tc>
+                <a:tc>
+                  <a:txBody>
+                    <a:bodyPr/>
+                    <a:lstStyle/>
+                    <a:p>
+                      <a:endParaRPr lang="en-SG" dirty="0"/>
+                    </a:p>
+                  </a:txBody>
+                  <a:tcPr>
+                    <a:lnL w="12700" cap="flat" cmpd="sng" algn="ctr">
+                      <a:solidFill>
+                        <a:schemeClr val="tx1"/>
+                      </a:solidFill>
+                      <a:prstDash val="solid"/>
+                      <a:round/>
+                      <a:headEnd type="none" w="med" len="med"/>
+                      <a:tailEnd type="none" w="med" len="med"/>
+                    </a:lnL>
+                    <a:lnB w="12700" cap="flat" cmpd="sng" algn="ctr">
+                      <a:solidFill>
+                        <a:schemeClr val="tx1"/>
+                      </a:solidFill>
+                      <a:prstDash val="solid"/>
+                      <a:round/>
+                      <a:headEnd type="none" w="med" len="med"/>
+                      <a:tailEnd type="none" w="med" len="med"/>
+                    </a:lnB>
+                  </a:tcPr>
+                </a:tc>
+              </a:tr>
+              <a:tr h="242800">
+                <a:tc>
+                  <a:txBody>
+                    <a:bodyPr/>
+                    <a:lstStyle/>
+                    <a:p>
+                      <a:r>
+                        <a:rPr lang="en-US" dirty="0" smtClean="0"/>
+                        <a:t>0</a:t>
+                      </a:r>
+                      <a:endParaRPr lang="en-SG" dirty="0"/>
+                    </a:p>
+                  </a:txBody>
+                  <a:tcPr>
+                    <a:lnR w="12700" cap="flat" cmpd="sng" algn="ctr">
+                      <a:solidFill>
+                        <a:schemeClr val="tx1"/>
+                      </a:solidFill>
+                      <a:prstDash val="solid"/>
+                      <a:round/>
+                      <a:headEnd type="none" w="med" len="med"/>
+                      <a:tailEnd type="none" w="med" len="med"/>
+                    </a:lnR>
+                    <a:lnT w="12700" cap="flat" cmpd="sng" algn="ctr">
+                      <a:solidFill>
+                        <a:schemeClr val="tx1"/>
+                      </a:solidFill>
+                      <a:prstDash val="solid"/>
+                      <a:round/>
+                      <a:headEnd type="none" w="med" len="med"/>
+                      <a:tailEnd type="none" w="med" len="med"/>
+                    </a:lnT>
+                    <a:lnB w="12700" cap="flat" cmpd="sng" algn="ctr">
+                      <a:solidFill>
+                        <a:schemeClr val="tx1"/>
+                      </a:solidFill>
+                      <a:prstDash val="solid"/>
+                      <a:round/>
+                      <a:headEnd type="none" w="med" len="med"/>
+                      <a:tailEnd type="none" w="med" len="med"/>
+                    </a:lnB>
+                  </a:tcPr>
+                </a:tc>
+                <a:tc>
+                  <a:txBody>
+                    <a:bodyPr/>
+                    <a:lstStyle/>
+                    <a:p>
+                      <a:r>
+                        <a:rPr lang="en-US" dirty="0" smtClean="0"/>
+                        <a:t>30</a:t>
+                      </a:r>
+                      <a:endParaRPr lang="en-SG" dirty="0"/>
+                    </a:p>
+                  </a:txBody>
+                  <a:tcPr>
+                    <a:lnL w="12700" cap="flat" cmpd="sng" algn="ctr">
+                      <a:solidFill>
+                        <a:schemeClr val="tx1"/>
+                      </a:solidFill>
+                      <a:prstDash val="solid"/>
+                      <a:round/>
+                      <a:headEnd type="none" w="med" len="med"/>
+                      <a:tailEnd type="none" w="med" len="med"/>
+                    </a:lnL>
+                    <a:lnR w="12700" cap="flat" cmpd="sng" algn="ctr">
+                      <a:solidFill>
+                        <a:schemeClr val="tx1"/>
+                      </a:solidFill>
+                      <a:prstDash val="solid"/>
+                      <a:round/>
+                      <a:headEnd type="none" w="med" len="med"/>
+                      <a:tailEnd type="none" w="med" len="med"/>
+                    </a:lnR>
+                    <a:lnT w="12700" cap="flat" cmpd="sng" algn="ctr">
+                      <a:solidFill>
+                        <a:schemeClr val="tx1"/>
+                      </a:solidFill>
+                      <a:prstDash val="solid"/>
+                      <a:round/>
+                      <a:headEnd type="none" w="med" len="med"/>
+                      <a:tailEnd type="none" w="med" len="med"/>
+                    </a:lnT>
+                    <a:lnB w="12700" cap="flat" cmpd="sng" algn="ctr">
+                      <a:solidFill>
+                        <a:schemeClr val="tx1"/>
+                      </a:solidFill>
+                      <a:prstDash val="solid"/>
+                      <a:round/>
+                      <a:headEnd type="none" w="med" len="med"/>
+                      <a:tailEnd type="none" w="med" len="med"/>
+                    </a:lnB>
+                  </a:tcPr>
+                </a:tc>
+                <a:tc>
+                  <a:txBody>
+                    <a:bodyPr/>
+                    <a:lstStyle/>
+                    <a:p>
+                      <a:r>
+                        <a:rPr lang="en-US" dirty="0" smtClean="0"/>
+                        <a:t>3</a:t>
+                      </a:r>
+                      <a:endParaRPr lang="en-SG" dirty="0"/>
+                    </a:p>
+                  </a:txBody>
+                  <a:tcPr>
+                    <a:lnL w="12700" cap="flat" cmpd="sng" algn="ctr">
+                      <a:solidFill>
+                        <a:schemeClr val="tx1"/>
+                      </a:solidFill>
+                      <a:prstDash val="solid"/>
+                      <a:round/>
+                      <a:headEnd type="none" w="med" len="med"/>
+                      <a:tailEnd type="none" w="med" len="med"/>
+                    </a:lnL>
+                    <a:lnR w="12700" cap="flat" cmpd="sng" algn="ctr">
+                      <a:solidFill>
+                        <a:schemeClr val="tx1"/>
+                      </a:solidFill>
+                      <a:prstDash val="solid"/>
+                      <a:round/>
+                      <a:headEnd type="none" w="med" len="med"/>
+                      <a:tailEnd type="none" w="med" len="med"/>
+                    </a:lnR>
+                    <a:lnT w="12700" cap="flat" cmpd="sng" algn="ctr">
+                      <a:solidFill>
+                        <a:schemeClr val="tx1"/>
+                      </a:solidFill>
+                      <a:prstDash val="solid"/>
+                      <a:round/>
+                      <a:headEnd type="none" w="med" len="med"/>
+                      <a:tailEnd type="none" w="med" len="med"/>
+                    </a:lnT>
+                    <a:lnB w="12700" cap="flat" cmpd="sng" algn="ctr">
+                      <a:solidFill>
+                        <a:schemeClr val="tx1"/>
+                      </a:solidFill>
+                      <a:prstDash val="solid"/>
+                      <a:round/>
+                      <a:headEnd type="none" w="med" len="med"/>
+                      <a:tailEnd type="none" w="med" len="med"/>
+                    </a:lnB>
+                  </a:tcPr>
+                </a:tc>
+                <a:tc>
+                  <a:txBody>
+                    <a:bodyPr/>
+                    <a:lstStyle/>
+                    <a:p>
+                      <a:r>
+                        <a:rPr lang="en-US" dirty="0" smtClean="0"/>
+                        <a:t>33</a:t>
+                      </a:r>
+                      <a:endParaRPr lang="en-SG" dirty="0"/>
+                    </a:p>
+                  </a:txBody>
+                  <a:tcPr>
+                    <a:lnL w="12700" cap="flat" cmpd="sng" algn="ctr">
+                      <a:solidFill>
+                        <a:schemeClr val="tx1"/>
+                      </a:solidFill>
+                      <a:prstDash val="solid"/>
+                      <a:round/>
+                      <a:headEnd type="none" w="med" len="med"/>
+                      <a:tailEnd type="none" w="med" len="med"/>
+                    </a:lnL>
+                    <a:lnT w="12700" cap="flat" cmpd="sng" algn="ctr">
+                      <a:solidFill>
+                        <a:schemeClr val="tx1"/>
+                      </a:solidFill>
+                      <a:prstDash val="solid"/>
+                      <a:round/>
+                      <a:headEnd type="none" w="med" len="med"/>
+                      <a:tailEnd type="none" w="med" len="med"/>
+                    </a:lnT>
+                    <a:lnB w="12700" cap="flat" cmpd="sng" algn="ctr">
+                      <a:solidFill>
+                        <a:schemeClr val="tx1"/>
+                      </a:solidFill>
+                      <a:prstDash val="solid"/>
+                      <a:round/>
+                      <a:headEnd type="none" w="med" len="med"/>
+                      <a:tailEnd type="none" w="med" len="med"/>
+                    </a:lnB>
+                  </a:tcPr>
+                </a:tc>
+              </a:tr>
+              <a:tr h="226032">
+                <a:tc>
+                  <a:txBody>
+                    <a:bodyPr/>
+                    <a:lstStyle/>
+                    <a:p>
+                      <a:r>
+                        <a:rPr lang="en-US" dirty="0" smtClean="0"/>
+                        <a:t>1</a:t>
+                      </a:r>
+                      <a:endParaRPr lang="en-SG" dirty="0"/>
+                    </a:p>
+                  </a:txBody>
+                  <a:tcPr>
+                    <a:lnR w="12700" cap="flat" cmpd="sng" algn="ctr">
+                      <a:solidFill>
+                        <a:schemeClr val="tx1"/>
+                      </a:solidFill>
+                      <a:prstDash val="solid"/>
+                      <a:round/>
+                      <a:headEnd type="none" w="med" len="med"/>
+                      <a:tailEnd type="none" w="med" len="med"/>
+                    </a:lnR>
+                    <a:lnT w="12700" cap="flat" cmpd="sng" algn="ctr">
+                      <a:solidFill>
+                        <a:schemeClr val="tx1"/>
+                      </a:solidFill>
+                      <a:prstDash val="solid"/>
+                      <a:round/>
+                      <a:headEnd type="none" w="med" len="med"/>
+                      <a:tailEnd type="none" w="med" len="med"/>
+                    </a:lnT>
+                  </a:tcPr>
+                </a:tc>
+                <a:tc>
+                  <a:txBody>
+                    <a:bodyPr/>
+                    <a:lstStyle/>
+                    <a:p>
+                      <a:r>
+                        <a:rPr lang="en-US" dirty="0" smtClean="0"/>
+                        <a:t>0.4</a:t>
+                      </a:r>
+                      <a:endParaRPr lang="en-SG" dirty="0"/>
+                    </a:p>
+                  </a:txBody>
+                  <a:tcPr>
+                    <a:lnL w="12700" cap="flat" cmpd="sng" algn="ctr">
+                      <a:solidFill>
+                        <a:schemeClr val="tx1"/>
+                      </a:solidFill>
+                      <a:prstDash val="solid"/>
+                      <a:round/>
+                      <a:headEnd type="none" w="med" len="med"/>
+                      <a:tailEnd type="none" w="med" len="med"/>
+                    </a:lnL>
+                    <a:lnR w="12700" cap="flat" cmpd="sng" algn="ctr">
+                      <a:solidFill>
+                        <a:schemeClr val="tx1"/>
+                      </a:solidFill>
+                      <a:prstDash val="solid"/>
+                      <a:round/>
+                      <a:headEnd type="none" w="med" len="med"/>
+                      <a:tailEnd type="none" w="med" len="med"/>
+                    </a:lnR>
+                    <a:lnT w="12700" cap="flat" cmpd="sng" algn="ctr">
+                      <a:solidFill>
+                        <a:schemeClr val="tx1"/>
+                      </a:solidFill>
+                      <a:prstDash val="solid"/>
+                      <a:round/>
+                      <a:headEnd type="none" w="med" len="med"/>
+                      <a:tailEnd type="none" w="med" len="med"/>
+                    </a:lnT>
+                  </a:tcPr>
+                </a:tc>
+                <a:tc>
+                  <a:txBody>
+                    <a:bodyPr/>
+                    <a:lstStyle/>
+                    <a:p>
+                      <a:r>
+                        <a:rPr lang="en-US" dirty="0" smtClean="0"/>
+                        <a:t>0.6</a:t>
+                      </a:r>
+                      <a:endParaRPr lang="en-SG" dirty="0"/>
+                    </a:p>
+                  </a:txBody>
+                  <a:tcPr>
+                    <a:lnL w="12700" cap="flat" cmpd="sng" algn="ctr">
+                      <a:solidFill>
+                        <a:schemeClr val="tx1"/>
+                      </a:solidFill>
+                      <a:prstDash val="solid"/>
+                      <a:round/>
+                      <a:headEnd type="none" w="med" len="med"/>
+                      <a:tailEnd type="none" w="med" len="med"/>
+                    </a:lnL>
+                    <a:lnR w="12700" cap="flat" cmpd="sng" algn="ctr">
+                      <a:solidFill>
+                        <a:schemeClr val="tx1"/>
+                      </a:solidFill>
+                      <a:prstDash val="solid"/>
+                      <a:round/>
+                      <a:headEnd type="none" w="med" len="med"/>
+                      <a:tailEnd type="none" w="med" len="med"/>
+                    </a:lnR>
+                    <a:lnT w="12700" cap="flat" cmpd="sng" algn="ctr">
+                      <a:solidFill>
+                        <a:schemeClr val="tx1"/>
+                      </a:solidFill>
+                      <a:prstDash val="solid"/>
+                      <a:round/>
+                      <a:headEnd type="none" w="med" len="med"/>
+                      <a:tailEnd type="none" w="med" len="med"/>
+                    </a:lnT>
+                  </a:tcPr>
+                </a:tc>
+                <a:tc>
+                  <a:txBody>
+                    <a:bodyPr/>
+                    <a:lstStyle/>
+                    <a:p>
+                      <a:r>
+                        <a:rPr lang="en-US" dirty="0" smtClean="0"/>
+                        <a:t>1</a:t>
+                      </a:r>
+                      <a:endParaRPr lang="en-SG" dirty="0"/>
+                    </a:p>
+                  </a:txBody>
+                  <a:tcPr>
+                    <a:lnL w="12700" cap="flat" cmpd="sng" algn="ctr">
+                      <a:solidFill>
+                        <a:schemeClr val="tx1"/>
+                      </a:solidFill>
+                      <a:prstDash val="solid"/>
+                      <a:round/>
+                      <a:headEnd type="none" w="med" len="med"/>
+                      <a:tailEnd type="none" w="med" len="med"/>
+                    </a:lnL>
+                    <a:lnT w="12700" cap="flat" cmpd="sng" algn="ctr">
+                      <a:solidFill>
+                        <a:schemeClr val="tx1"/>
+                      </a:solidFill>
+                      <a:prstDash val="solid"/>
+                      <a:round/>
+                      <a:headEnd type="none" w="med" len="med"/>
+                      <a:tailEnd type="none" w="med" len="med"/>
+                    </a:lnT>
+                  </a:tcPr>
+                </a:tc>
+              </a:tr>
+            </a:tbl>
+          </a:graphicData>
+        </a:graphic>
+      </p:graphicFrame>
     </p:spTree>
     <p:extLst>
       <p:ext uri="{BB962C8B-B14F-4D97-AF65-F5344CB8AC3E}">
@@ -37514,7 +39742,23 @@
             <a:pPr marL="285750" indent="-285750"/>
             <a:r>
               <a:rPr lang="en-US" sz="1600" dirty="0"/>
-              <a:t>RF, GBDT, LR and some blending techniques </a:t>
+              <a:t>RF, GBDT, LR </a:t>
+            </a:r>
+            <a:endParaRPr lang="en-US" sz="1600" dirty="0" smtClean="0"/>
+          </a:p>
+          <a:p>
+            <a:pPr marL="285750" indent="-285750"/>
+            <a:r>
+              <a:rPr lang="en-SG" sz="1600" dirty="0" smtClean="0"/>
+              <a:t>Ensemble</a:t>
+            </a:r>
+            <a:r>
+              <a:rPr lang="en-SG" sz="1600" b="1" dirty="0"/>
+              <a:t> </a:t>
+            </a:r>
+            <a:r>
+              <a:rPr lang="en-US" sz="1600" dirty="0" smtClean="0"/>
+              <a:t>methods </a:t>
             </a:r>
             <a:endParaRPr lang="en-SG" sz="1600" b="1" dirty="0"/>
           </a:p>
@@ -40114,15 +42358,6 @@
               </a:rPr>
               <a:t>odel selection</a:t>
             </a:r>
-            <a:endParaRPr lang="en" sz="900" dirty="0">
-              <a:solidFill>
-                <a:srgbClr val="434343"/>
-              </a:solidFill>
-              <a:latin typeface="Raleway Light"/>
-              <a:ea typeface="Raleway Light"/>
-              <a:cs typeface="Raleway Light"/>
-              <a:sym typeface="Raleway Light"/>
-            </a:endParaRPr>
           </a:p>
         </p:txBody>
       </p:sp>
@@ -40225,29 +42460,7 @@
                 <a:ea typeface="Raleway ExtraBold"/>
                 <a:cs typeface="Raleway ExtraBold"/>
               </a:rPr>
-              <a:t>&amp; </a:t>
-            </a:r>
-            <a:r>
-              <a:rPr lang="en-US" sz="1100" dirty="0">
-                <a:solidFill>
-                  <a:srgbClr val="434343"/>
-                </a:solidFill>
-                <a:latin typeface="Raleway ExtraBold"/>
-                <a:ea typeface="Raleway ExtraBold"/>
-                <a:cs typeface="Raleway ExtraBold"/>
-              </a:rPr>
-              <a:t>Discussion</a:t>
-            </a:r>
-            <a:r>
-              <a:rPr lang="en-US" sz="1100" dirty="0">
-                <a:solidFill>
-                  <a:srgbClr val="434343"/>
-                </a:solidFill>
-                <a:latin typeface="Raleway ExtraBold"/>
-                <a:ea typeface="Raleway ExtraBold"/>
-                <a:cs typeface="Raleway ExtraBold"/>
-              </a:rPr>
-              <a:t> </a:t>
+              <a:t>&amp; Discussion </a:t>
             </a:r>
             <a:endParaRPr lang="en" sz="1100" dirty="0">
               <a:solidFill>
@@ -41946,15 +44159,6 @@
               </a:rPr>
               <a:t>2</a:t>
             </a:r>
-            <a:endParaRPr lang="en" sz="7200" dirty="0">
-              <a:solidFill>
-                <a:srgbClr val="434343"/>
-              </a:solidFill>
-              <a:latin typeface="Raleway ExtraBold"/>
-              <a:ea typeface="Raleway ExtraBold"/>
-              <a:cs typeface="Raleway ExtraBold"/>
-              <a:sym typeface="Raleway ExtraBold"/>
-            </a:endParaRPr>
           </a:p>
         </p:txBody>
       </p:sp>
